--- a/ising_model/MDSDipeshPoudel10/2DIsingModel.pptx
+++ b/ising_model/MDSDipeshPoudel10/2DIsingModel.pptx
@@ -1,27 +1,32 @@
 
 <file path=ppt/presentation.xml><?xml version="1.0" encoding="utf-8"?>
-<p:presentation xmlns:a="http://schemas.openxmlformats.org/drawingml/2006/main" xmlns:r="http://schemas.openxmlformats.org/officeDocument/2006/relationships" xmlns:mc="http://schemas.openxmlformats.org/markup-compatibility/2006" xmlns:mv="urn:schemas-microsoft-com:mac:vml" xmlns:p="http://schemas.openxmlformats.org/presentationml/2006/main" xmlns:c="http://schemas.openxmlformats.org/drawingml/2006/chart" xmlns:dgm="http://schemas.openxmlformats.org/drawingml/2006/diagram" xmlns:o="urn:schemas-microsoft-com:office:office" xmlns:v="urn:schemas-microsoft-com:vml" xmlns:pvml="urn:schemas-microsoft-com:office:powerpoint" xmlns:com="http://schemas.openxmlformats.org/drawingml/2006/compatibility" xmlns:p14="http://schemas.microsoft.com/office/powerpoint/2010/main" xmlns:p15="http://schemas.microsoft.com/office/powerpoint/2012/main" xmlns:ahyp="http://schemas.microsoft.com/office/drawing/2018/hyperlinkcolor" autoCompressPictures="0" strictFirstAndLastChars="0" saveSubsetFonts="1">
+<p:presentation xmlns:a="http://schemas.openxmlformats.org/drawingml/2006/main" xmlns:r="http://schemas.openxmlformats.org/officeDocument/2006/relationships" xmlns:p="http://schemas.openxmlformats.org/presentationml/2006/main" showSpecialPlsOnTitleSld="0" strictFirstAndLastChars="0" saveSubsetFonts="1" autoCompressPictures="0">
   <p:sldMasterIdLst>
-    <p:sldMasterId id="2147483659" r:id="rId4"/>
+    <p:sldMasterId id="2147483659" r:id="rId1"/>
   </p:sldMasterIdLst>
   <p:notesMasterIdLst>
-    <p:notesMasterId r:id="rId5"/>
+    <p:notesMasterId r:id="rId16"/>
   </p:notesMasterIdLst>
   <p:sldIdLst>
-    <p:sldId id="256" r:id="rId6"/>
-    <p:sldId id="257" r:id="rId7"/>
-    <p:sldId id="258" r:id="rId8"/>
-    <p:sldId id="259" r:id="rId9"/>
-    <p:sldId id="260" r:id="rId10"/>
-    <p:sldId id="261" r:id="rId11"/>
-    <p:sldId id="262" r:id="rId12"/>
-    <p:sldId id="263" r:id="rId13"/>
-    <p:sldId id="264" r:id="rId14"/>
+    <p:sldId id="256" r:id="rId2"/>
+    <p:sldId id="257" r:id="rId3"/>
+    <p:sldId id="258" r:id="rId4"/>
+    <p:sldId id="259" r:id="rId5"/>
+    <p:sldId id="260" r:id="rId6"/>
+    <p:sldId id="261" r:id="rId7"/>
+    <p:sldId id="262" r:id="rId8"/>
+    <p:sldId id="267" r:id="rId9"/>
+    <p:sldId id="268" r:id="rId10"/>
+    <p:sldId id="263" r:id="rId11"/>
+    <p:sldId id="266" r:id="rId12"/>
+    <p:sldId id="269" r:id="rId13"/>
+    <p:sldId id="265" r:id="rId14"/>
+    <p:sldId id="264" r:id="rId15"/>
   </p:sldIdLst>
-  <p:sldSz cy="5143500" cx="9144000"/>
+  <p:sldSz cx="9144000" cy="5143500" type="screen16x9"/>
   <p:notesSz cx="6858000" cy="9144000"/>
   <p:defaultTextStyle>
-    <a:defPPr lvl="0" marR="0" rtl="0" algn="l">
+    <a:defPPr marR="0" lvl="0" algn="l" rtl="0">
       <a:lnSpc>
         <a:spcPct val="100000"/>
       </a:lnSpc>
@@ -32,7 +37,7 @@
         <a:spcPts val="0"/>
       </a:spcAft>
     </a:defPPr>
-    <a:lvl1pPr lvl="0" marR="0" rtl="0" algn="l">
+    <a:lvl1pPr marR="0" lvl="0" algn="l" rtl="0">
       <a:lnSpc>
         <a:spcPct val="100000"/>
       </a:lnSpc>
@@ -46,7 +51,7 @@
         <a:srgbClr val="000000"/>
       </a:buClr>
       <a:buFont typeface="Arial"/>
-      <a:defRPr b="0" i="0" sz="1400" u="none" cap="none" strike="noStrike">
+      <a:defRPr sz="1400" b="0" i="0" u="none" strike="noStrike" cap="none">
         <a:solidFill>
           <a:srgbClr val="000000"/>
         </a:solidFill>
@@ -56,7 +61,7 @@
         <a:sym typeface="Arial"/>
       </a:defRPr>
     </a:lvl1pPr>
-    <a:lvl2pPr lvl="1" marR="0" rtl="0" algn="l">
+    <a:lvl2pPr marR="0" lvl="1" algn="l" rtl="0">
       <a:lnSpc>
         <a:spcPct val="100000"/>
       </a:lnSpc>
@@ -70,7 +75,7 @@
         <a:srgbClr val="000000"/>
       </a:buClr>
       <a:buFont typeface="Arial"/>
-      <a:defRPr b="0" i="0" sz="1400" u="none" cap="none" strike="noStrike">
+      <a:defRPr sz="1400" b="0" i="0" u="none" strike="noStrike" cap="none">
         <a:solidFill>
           <a:srgbClr val="000000"/>
         </a:solidFill>
@@ -80,7 +85,7 @@
         <a:sym typeface="Arial"/>
       </a:defRPr>
     </a:lvl2pPr>
-    <a:lvl3pPr lvl="2" marR="0" rtl="0" algn="l">
+    <a:lvl3pPr marR="0" lvl="2" algn="l" rtl="0">
       <a:lnSpc>
         <a:spcPct val="100000"/>
       </a:lnSpc>
@@ -94,7 +99,7 @@
         <a:srgbClr val="000000"/>
       </a:buClr>
       <a:buFont typeface="Arial"/>
-      <a:defRPr b="0" i="0" sz="1400" u="none" cap="none" strike="noStrike">
+      <a:defRPr sz="1400" b="0" i="0" u="none" strike="noStrike" cap="none">
         <a:solidFill>
           <a:srgbClr val="000000"/>
         </a:solidFill>
@@ -104,7 +109,7 @@
         <a:sym typeface="Arial"/>
       </a:defRPr>
     </a:lvl3pPr>
-    <a:lvl4pPr lvl="3" marR="0" rtl="0" algn="l">
+    <a:lvl4pPr marR="0" lvl="3" algn="l" rtl="0">
       <a:lnSpc>
         <a:spcPct val="100000"/>
       </a:lnSpc>
@@ -118,7 +123,7 @@
         <a:srgbClr val="000000"/>
       </a:buClr>
       <a:buFont typeface="Arial"/>
-      <a:defRPr b="0" i="0" sz="1400" u="none" cap="none" strike="noStrike">
+      <a:defRPr sz="1400" b="0" i="0" u="none" strike="noStrike" cap="none">
         <a:solidFill>
           <a:srgbClr val="000000"/>
         </a:solidFill>
@@ -128,7 +133,7 @@
         <a:sym typeface="Arial"/>
       </a:defRPr>
     </a:lvl4pPr>
-    <a:lvl5pPr lvl="4" marR="0" rtl="0" algn="l">
+    <a:lvl5pPr marR="0" lvl="4" algn="l" rtl="0">
       <a:lnSpc>
         <a:spcPct val="100000"/>
       </a:lnSpc>
@@ -142,7 +147,7 @@
         <a:srgbClr val="000000"/>
       </a:buClr>
       <a:buFont typeface="Arial"/>
-      <a:defRPr b="0" i="0" sz="1400" u="none" cap="none" strike="noStrike">
+      <a:defRPr sz="1400" b="0" i="0" u="none" strike="noStrike" cap="none">
         <a:solidFill>
           <a:srgbClr val="000000"/>
         </a:solidFill>
@@ -152,7 +157,7 @@
         <a:sym typeface="Arial"/>
       </a:defRPr>
     </a:lvl5pPr>
-    <a:lvl6pPr lvl="5" marR="0" rtl="0" algn="l">
+    <a:lvl6pPr marR="0" lvl="5" algn="l" rtl="0">
       <a:lnSpc>
         <a:spcPct val="100000"/>
       </a:lnSpc>
@@ -166,7 +171,7 @@
         <a:srgbClr val="000000"/>
       </a:buClr>
       <a:buFont typeface="Arial"/>
-      <a:defRPr b="0" i="0" sz="1400" u="none" cap="none" strike="noStrike">
+      <a:defRPr sz="1400" b="0" i="0" u="none" strike="noStrike" cap="none">
         <a:solidFill>
           <a:srgbClr val="000000"/>
         </a:solidFill>
@@ -176,7 +181,7 @@
         <a:sym typeface="Arial"/>
       </a:defRPr>
     </a:lvl6pPr>
-    <a:lvl7pPr lvl="6" marR="0" rtl="0" algn="l">
+    <a:lvl7pPr marR="0" lvl="6" algn="l" rtl="0">
       <a:lnSpc>
         <a:spcPct val="100000"/>
       </a:lnSpc>
@@ -190,7 +195,7 @@
         <a:srgbClr val="000000"/>
       </a:buClr>
       <a:buFont typeface="Arial"/>
-      <a:defRPr b="0" i="0" sz="1400" u="none" cap="none" strike="noStrike">
+      <a:defRPr sz="1400" b="0" i="0" u="none" strike="noStrike" cap="none">
         <a:solidFill>
           <a:srgbClr val="000000"/>
         </a:solidFill>
@@ -200,7 +205,7 @@
         <a:sym typeface="Arial"/>
       </a:defRPr>
     </a:lvl7pPr>
-    <a:lvl8pPr lvl="7" marR="0" rtl="0" algn="l">
+    <a:lvl8pPr marR="0" lvl="7" algn="l" rtl="0">
       <a:lnSpc>
         <a:spcPct val="100000"/>
       </a:lnSpc>
@@ -214,7 +219,7 @@
         <a:srgbClr val="000000"/>
       </a:buClr>
       <a:buFont typeface="Arial"/>
-      <a:defRPr b="0" i="0" sz="1400" u="none" cap="none" strike="noStrike">
+      <a:defRPr sz="1400" b="0" i="0" u="none" strike="noStrike" cap="none">
         <a:solidFill>
           <a:srgbClr val="000000"/>
         </a:solidFill>
@@ -224,7 +229,7 @@
         <a:sym typeface="Arial"/>
       </a:defRPr>
     </a:lvl8pPr>
-    <a:lvl9pPr lvl="8" marR="0" rtl="0" algn="l">
+    <a:lvl9pPr marR="0" lvl="8" algn="l" rtl="0">
       <a:lnSpc>
         <a:spcPct val="100000"/>
       </a:lnSpc>
@@ -238,7 +243,7 @@
         <a:srgbClr val="000000"/>
       </a:buClr>
       <a:buFont typeface="Arial"/>
-      <a:defRPr b="0" i="0" sz="1400" u="none" cap="none" strike="noStrike">
+      <a:defRPr sz="1400" b="0" i="0" u="none" strike="noStrike" cap="none">
         <a:solidFill>
           <a:srgbClr val="000000"/>
         </a:solidFill>
@@ -251,7 +256,7 @@
   </p:defaultTextStyle>
   <p:extLst>
     <p:ext uri="{EFAFB233-063F-42B5-8137-9DF3F51BA10A}">
-      <p15:sldGuideLst>
+      <p15:sldGuideLst xmlns:p15="http://schemas.microsoft.com/office/powerpoint/2012/main">
         <p15:guide id="1" orient="horz" pos="1620">
           <p15:clr>
             <a:srgbClr val="A4A3A4"/>
@@ -269,11 +274,16 @@
 </file>
 
 <file path=ppt/notesMasters/notesMaster1.xml><?xml version="1.0" encoding="utf-8"?>
-<p:notesMaster xmlns:a="http://schemas.openxmlformats.org/drawingml/2006/main" xmlns:r="http://schemas.openxmlformats.org/officeDocument/2006/relationships" xmlns:mc="http://schemas.openxmlformats.org/markup-compatibility/2006" xmlns:mv="urn:schemas-microsoft-com:mac:vml" xmlns:p="http://schemas.openxmlformats.org/presentationml/2006/main" xmlns:c="http://schemas.openxmlformats.org/drawingml/2006/chart" xmlns:dgm="http://schemas.openxmlformats.org/drawingml/2006/diagram" xmlns:o="urn:schemas-microsoft-com:office:office" xmlns:v="urn:schemas-microsoft-com:vml" xmlns:pvml="urn:schemas-microsoft-com:office:powerpoint" xmlns:com="http://schemas.openxmlformats.org/drawingml/2006/compatibility" xmlns:p14="http://schemas.microsoft.com/office/powerpoint/2010/main" xmlns:p15="http://schemas.microsoft.com/office/powerpoint/2012/main" xmlns:ahyp="http://schemas.microsoft.com/office/drawing/2018/hyperlinkcolor">
+<p:notesMaster xmlns:a="http://schemas.openxmlformats.org/drawingml/2006/main" xmlns:r="http://schemas.openxmlformats.org/officeDocument/2006/relationships" xmlns:p="http://schemas.openxmlformats.org/presentationml/2006/main">
   <p:cSld>
+    <p:bg>
+      <p:bgRef idx="1001">
+        <a:schemeClr val="bg1"/>
+      </p:bgRef>
+    </p:bg>
     <p:spTree>
       <p:nvGrpSpPr>
-        <p:cNvPr id="2" name="Shape 2"/>
+        <p:cNvPr id="1" name="Shape 2"/>
         <p:cNvGrpSpPr/>
         <p:nvPr/>
       </p:nvGrpSpPr>
@@ -288,9 +298,11 @@
       <p:sp>
         <p:nvSpPr>
           <p:cNvPr id="3" name="Google Shape;3;n"/>
-          <p:cNvSpPr/>
+          <p:cNvSpPr>
+            <a:spLocks noGrp="1" noRot="1" noChangeAspect="1"/>
+          </p:cNvSpPr>
           <p:nvPr>
-            <p:ph idx="2" type="sldImg"/>
+            <p:ph type="sldImg" idx="2"/>
           </p:nvPr>
         </p:nvSpPr>
         <p:spPr>
@@ -299,9 +311,13 @@
             <a:ext cx="6096075" cy="3429000"/>
           </a:xfrm>
           <a:custGeom>
-            <a:rect b="b" l="l" r="r" t="t"/>
+            <a:avLst/>
+            <a:gdLst/>
+            <a:ahLst/>
+            <a:cxnLst/>
+            <a:rect l="l" t="t" r="r" b="b"/>
             <a:pathLst>
-              <a:path extrusionOk="0" h="120000" w="120000">
+              <a:path w="120000" h="120000" extrusionOk="0">
                 <a:moveTo>
                   <a:pt x="0" y="0"/>
                 </a:moveTo>
@@ -319,23 +335,25 @@
             </a:pathLst>
           </a:custGeom>
           <a:noFill/>
-          <a:ln cap="flat" cmpd="sng" w="9525">
+          <a:ln w="9525" cap="flat" cmpd="sng">
             <a:solidFill>
               <a:srgbClr val="000000"/>
             </a:solidFill>
             <a:prstDash val="solid"/>
             <a:round/>
-            <a:headEnd len="sm" w="sm" type="none"/>
-            <a:tailEnd len="sm" w="sm" type="none"/>
+            <a:headEnd type="none" w="sm" len="sm"/>
+            <a:tailEnd type="none" w="sm" len="sm"/>
           </a:ln>
         </p:spPr>
       </p:sp>
       <p:sp>
         <p:nvSpPr>
           <p:cNvPr id="4" name="Google Shape;4;n"/>
-          <p:cNvSpPr txBox="1"/>
+          <p:cNvSpPr txBox="1">
+            <a:spLocks noGrp="1"/>
+          </p:cNvSpPr>
           <p:nvPr>
-            <p:ph idx="1" type="body"/>
+            <p:ph type="body" idx="1"/>
           </p:nvPr>
         </p:nvSpPr>
         <p:spPr>
@@ -352,11 +370,11 @@
           </a:ln>
         </p:spPr>
         <p:txBody>
-          <a:bodyPr anchorCtr="0" anchor="t" bIns="91425" lIns="91425" spcFirstLastPara="1" rIns="91425" wrap="square" tIns="91425">
+          <a:bodyPr spcFirstLastPara="1" wrap="square" lIns="91425" tIns="91425" rIns="91425" bIns="91425" anchor="t" anchorCtr="0">
             <a:noAutofit/>
           </a:bodyPr>
           <a:lstStyle>
-            <a:lvl1pPr indent="-298450" lvl="0" marL="457200">
+            <a:lvl1pPr marL="457200" lvl="0" indent="-298450">
               <a:spcBef>
                 <a:spcPts val="0"/>
               </a:spcBef>
@@ -367,7 +385,7 @@
               <a:buChar char="●"/>
               <a:defRPr sz="1100"/>
             </a:lvl1pPr>
-            <a:lvl2pPr indent="-298450" lvl="1" marL="914400">
+            <a:lvl2pPr marL="914400" lvl="1" indent="-298450">
               <a:spcBef>
                 <a:spcPts val="0"/>
               </a:spcBef>
@@ -378,7 +396,7 @@
               <a:buChar char="○"/>
               <a:defRPr sz="1100"/>
             </a:lvl2pPr>
-            <a:lvl3pPr indent="-298450" lvl="2" marL="1371600">
+            <a:lvl3pPr marL="1371600" lvl="2" indent="-298450">
               <a:spcBef>
                 <a:spcPts val="0"/>
               </a:spcBef>
@@ -389,7 +407,7 @@
               <a:buChar char="■"/>
               <a:defRPr sz="1100"/>
             </a:lvl3pPr>
-            <a:lvl4pPr indent="-298450" lvl="3" marL="1828800">
+            <a:lvl4pPr marL="1828800" lvl="3" indent="-298450">
               <a:spcBef>
                 <a:spcPts val="0"/>
               </a:spcBef>
@@ -400,7 +418,7 @@
               <a:buChar char="●"/>
               <a:defRPr sz="1100"/>
             </a:lvl4pPr>
-            <a:lvl5pPr indent="-298450" lvl="4" marL="2286000">
+            <a:lvl5pPr marL="2286000" lvl="4" indent="-298450">
               <a:spcBef>
                 <a:spcPts val="0"/>
               </a:spcBef>
@@ -411,7 +429,7 @@
               <a:buChar char="○"/>
               <a:defRPr sz="1100"/>
             </a:lvl5pPr>
-            <a:lvl6pPr indent="-298450" lvl="5" marL="2743200">
+            <a:lvl6pPr marL="2743200" lvl="5" indent="-298450">
               <a:spcBef>
                 <a:spcPts val="0"/>
               </a:spcBef>
@@ -422,7 +440,7 @@
               <a:buChar char="■"/>
               <a:defRPr sz="1100"/>
             </a:lvl6pPr>
-            <a:lvl7pPr indent="-298450" lvl="6" marL="3200400">
+            <a:lvl7pPr marL="3200400" lvl="6" indent="-298450">
               <a:spcBef>
                 <a:spcPts val="0"/>
               </a:spcBef>
@@ -433,7 +451,7 @@
               <a:buChar char="●"/>
               <a:defRPr sz="1100"/>
             </a:lvl7pPr>
-            <a:lvl8pPr indent="-298450" lvl="7" marL="3657600">
+            <a:lvl8pPr marL="3657600" lvl="7" indent="-298450">
               <a:spcBef>
                 <a:spcPts val="0"/>
               </a:spcBef>
@@ -444,7 +462,7 @@
               <a:buChar char="○"/>
               <a:defRPr sz="1100"/>
             </a:lvl8pPr>
-            <a:lvl9pPr indent="-298450" lvl="8" marL="4114800">
+            <a:lvl9pPr marL="4114800" lvl="8" indent="-298450">
               <a:spcBef>
                 <a:spcPts val="0"/>
               </a:spcBef>
@@ -456,14 +474,21 @@
               <a:defRPr sz="1100"/>
             </a:lvl9pPr>
           </a:lstStyle>
-          <a:p/>
+          <a:p>
+            <a:endParaRPr/>
+          </a:p>
         </p:txBody>
       </p:sp>
     </p:spTree>
+    <p:extLst>
+      <p:ext uri="{BB962C8B-B14F-4D97-AF65-F5344CB8AC3E}">
+        <p14:creationId xmlns:p14="http://schemas.microsoft.com/office/powerpoint/2010/main" val="3871543156"/>
+      </p:ext>
+    </p:extLst>
   </p:cSld>
-  <p:clrMap accent1="accent1" accent2="accent2" accent3="accent3" accent4="accent4" accent5="accent5" accent6="accent6" bg1="lt1" bg2="dk2" tx1="dk1" tx2="lt2" folHlink="folHlink" hlink="hlink"/>
+  <p:clrMap bg1="lt1" tx1="dk1" bg2="dk2" tx2="lt2" accent1="accent1" accent2="accent2" accent3="accent3" accent4="accent4" accent5="accent5" accent6="accent6" hlink="hlink" folHlink="folHlink"/>
   <p:notesStyle>
-    <a:defPPr lvl="0" marR="0" rtl="0" algn="l">
+    <a:defPPr marR="0" lvl="0" algn="l" rtl="0">
       <a:lnSpc>
         <a:spcPct val="100000"/>
       </a:lnSpc>
@@ -474,7 +499,7 @@
         <a:spcPts val="0"/>
       </a:spcAft>
     </a:defPPr>
-    <a:lvl1pPr lvl="0" marR="0" rtl="0" algn="l">
+    <a:lvl1pPr marR="0" lvl="0" algn="l" rtl="0">
       <a:lnSpc>
         <a:spcPct val="100000"/>
       </a:lnSpc>
@@ -488,7 +513,7 @@
         <a:srgbClr val="000000"/>
       </a:buClr>
       <a:buFont typeface="Arial"/>
-      <a:defRPr b="0" i="0" sz="1400" u="none" cap="none" strike="noStrike">
+      <a:defRPr sz="1400" b="0" i="0" u="none" strike="noStrike" cap="none">
         <a:solidFill>
           <a:srgbClr val="000000"/>
         </a:solidFill>
@@ -498,7 +523,7 @@
         <a:sym typeface="Arial"/>
       </a:defRPr>
     </a:lvl1pPr>
-    <a:lvl2pPr lvl="1" marR="0" rtl="0" algn="l">
+    <a:lvl2pPr marR="0" lvl="1" algn="l" rtl="0">
       <a:lnSpc>
         <a:spcPct val="100000"/>
       </a:lnSpc>
@@ -512,7 +537,7 @@
         <a:srgbClr val="000000"/>
       </a:buClr>
       <a:buFont typeface="Arial"/>
-      <a:defRPr b="0" i="0" sz="1400" u="none" cap="none" strike="noStrike">
+      <a:defRPr sz="1400" b="0" i="0" u="none" strike="noStrike" cap="none">
         <a:solidFill>
           <a:srgbClr val="000000"/>
         </a:solidFill>
@@ -522,7 +547,7 @@
         <a:sym typeface="Arial"/>
       </a:defRPr>
     </a:lvl2pPr>
-    <a:lvl3pPr lvl="2" marR="0" rtl="0" algn="l">
+    <a:lvl3pPr marR="0" lvl="2" algn="l" rtl="0">
       <a:lnSpc>
         <a:spcPct val="100000"/>
       </a:lnSpc>
@@ -536,7 +561,7 @@
         <a:srgbClr val="000000"/>
       </a:buClr>
       <a:buFont typeface="Arial"/>
-      <a:defRPr b="0" i="0" sz="1400" u="none" cap="none" strike="noStrike">
+      <a:defRPr sz="1400" b="0" i="0" u="none" strike="noStrike" cap="none">
         <a:solidFill>
           <a:srgbClr val="000000"/>
         </a:solidFill>
@@ -546,7 +571,7 @@
         <a:sym typeface="Arial"/>
       </a:defRPr>
     </a:lvl3pPr>
-    <a:lvl4pPr lvl="3" marR="0" rtl="0" algn="l">
+    <a:lvl4pPr marR="0" lvl="3" algn="l" rtl="0">
       <a:lnSpc>
         <a:spcPct val="100000"/>
       </a:lnSpc>
@@ -560,7 +585,7 @@
         <a:srgbClr val="000000"/>
       </a:buClr>
       <a:buFont typeface="Arial"/>
-      <a:defRPr b="0" i="0" sz="1400" u="none" cap="none" strike="noStrike">
+      <a:defRPr sz="1400" b="0" i="0" u="none" strike="noStrike" cap="none">
         <a:solidFill>
           <a:srgbClr val="000000"/>
         </a:solidFill>
@@ -570,7 +595,7 @@
         <a:sym typeface="Arial"/>
       </a:defRPr>
     </a:lvl4pPr>
-    <a:lvl5pPr lvl="4" marR="0" rtl="0" algn="l">
+    <a:lvl5pPr marR="0" lvl="4" algn="l" rtl="0">
       <a:lnSpc>
         <a:spcPct val="100000"/>
       </a:lnSpc>
@@ -584,7 +609,7 @@
         <a:srgbClr val="000000"/>
       </a:buClr>
       <a:buFont typeface="Arial"/>
-      <a:defRPr b="0" i="0" sz="1400" u="none" cap="none" strike="noStrike">
+      <a:defRPr sz="1400" b="0" i="0" u="none" strike="noStrike" cap="none">
         <a:solidFill>
           <a:srgbClr val="000000"/>
         </a:solidFill>
@@ -594,7 +619,7 @@
         <a:sym typeface="Arial"/>
       </a:defRPr>
     </a:lvl5pPr>
-    <a:lvl6pPr lvl="5" marR="0" rtl="0" algn="l">
+    <a:lvl6pPr marR="0" lvl="5" algn="l" rtl="0">
       <a:lnSpc>
         <a:spcPct val="100000"/>
       </a:lnSpc>
@@ -608,7 +633,7 @@
         <a:srgbClr val="000000"/>
       </a:buClr>
       <a:buFont typeface="Arial"/>
-      <a:defRPr b="0" i="0" sz="1400" u="none" cap="none" strike="noStrike">
+      <a:defRPr sz="1400" b="0" i="0" u="none" strike="noStrike" cap="none">
         <a:solidFill>
           <a:srgbClr val="000000"/>
         </a:solidFill>
@@ -618,7 +643,7 @@
         <a:sym typeface="Arial"/>
       </a:defRPr>
     </a:lvl6pPr>
-    <a:lvl7pPr lvl="6" marR="0" rtl="0" algn="l">
+    <a:lvl7pPr marR="0" lvl="6" algn="l" rtl="0">
       <a:lnSpc>
         <a:spcPct val="100000"/>
       </a:lnSpc>
@@ -632,7 +657,7 @@
         <a:srgbClr val="000000"/>
       </a:buClr>
       <a:buFont typeface="Arial"/>
-      <a:defRPr b="0" i="0" sz="1400" u="none" cap="none" strike="noStrike">
+      <a:defRPr sz="1400" b="0" i="0" u="none" strike="noStrike" cap="none">
         <a:solidFill>
           <a:srgbClr val="000000"/>
         </a:solidFill>
@@ -642,7 +667,7 @@
         <a:sym typeface="Arial"/>
       </a:defRPr>
     </a:lvl7pPr>
-    <a:lvl8pPr lvl="7" marR="0" rtl="0" algn="l">
+    <a:lvl8pPr marR="0" lvl="7" algn="l" rtl="0">
       <a:lnSpc>
         <a:spcPct val="100000"/>
       </a:lnSpc>
@@ -656,7 +681,7 @@
         <a:srgbClr val="000000"/>
       </a:buClr>
       <a:buFont typeface="Arial"/>
-      <a:defRPr b="0" i="0" sz="1400" u="none" cap="none" strike="noStrike">
+      <a:defRPr sz="1400" b="0" i="0" u="none" strike="noStrike" cap="none">
         <a:solidFill>
           <a:srgbClr val="000000"/>
         </a:solidFill>
@@ -666,7 +691,7 @@
         <a:sym typeface="Arial"/>
       </a:defRPr>
     </a:lvl8pPr>
-    <a:lvl9pPr lvl="8" marR="0" rtl="0" algn="l">
+    <a:lvl9pPr marR="0" lvl="8" algn="l" rtl="0">
       <a:lnSpc>
         <a:spcPct val="100000"/>
       </a:lnSpc>
@@ -680,7 +705,7 @@
         <a:srgbClr val="000000"/>
       </a:buClr>
       <a:buFont typeface="Arial"/>
-      <a:defRPr b="0" i="0" sz="1400" u="none" cap="none" strike="noStrike">
+      <a:defRPr sz="1400" b="0" i="0" u="none" strike="noStrike" cap="none">
         <a:solidFill>
           <a:srgbClr val="000000"/>
         </a:solidFill>
@@ -695,11 +720,11 @@
 </file>
 
 <file path=ppt/notesSlides/notesSlide1.xml><?xml version="1.0" encoding="utf-8"?>
-<p:notes xmlns:a="http://schemas.openxmlformats.org/drawingml/2006/main" xmlns:r="http://schemas.openxmlformats.org/officeDocument/2006/relationships" xmlns:mc="http://schemas.openxmlformats.org/markup-compatibility/2006" xmlns:mv="urn:schemas-microsoft-com:mac:vml" xmlns:p="http://schemas.openxmlformats.org/presentationml/2006/main" xmlns:c="http://schemas.openxmlformats.org/drawingml/2006/chart" xmlns:dgm="http://schemas.openxmlformats.org/drawingml/2006/diagram" xmlns:o="urn:schemas-microsoft-com:office:office" xmlns:v="urn:schemas-microsoft-com:vml" xmlns:pvml="urn:schemas-microsoft-com:office:powerpoint" xmlns:com="http://schemas.openxmlformats.org/drawingml/2006/compatibility" xmlns:p14="http://schemas.microsoft.com/office/powerpoint/2010/main" xmlns:p15="http://schemas.microsoft.com/office/powerpoint/2012/main" xmlns:ahyp="http://schemas.microsoft.com/office/drawing/2018/hyperlinkcolor" showMasterPhAnim="0" showMasterSp="0">
+<p:notes xmlns:a="http://schemas.openxmlformats.org/drawingml/2006/main" xmlns:r="http://schemas.openxmlformats.org/officeDocument/2006/relationships" xmlns:p="http://schemas.openxmlformats.org/presentationml/2006/main" showMasterSp="0" showMasterPhAnim="0">
   <p:cSld>
     <p:spTree>
       <p:nvGrpSpPr>
-        <p:cNvPr id="50" name="Shape 50"/>
+        <p:cNvPr id="1" name="Shape 50"/>
         <p:cNvGrpSpPr/>
         <p:nvPr/>
       </p:nvGrpSpPr>
@@ -714,20 +739,26 @@
       <p:sp>
         <p:nvSpPr>
           <p:cNvPr id="51" name="Google Shape;51;p:notes"/>
-          <p:cNvSpPr/>
+          <p:cNvSpPr>
+            <a:spLocks noGrp="1" noRot="1" noChangeAspect="1"/>
+          </p:cNvSpPr>
           <p:nvPr>
-            <p:ph idx="2" type="sldImg"/>
+            <p:ph type="sldImg" idx="2"/>
           </p:nvPr>
         </p:nvSpPr>
         <p:spPr>
           <a:xfrm>
-            <a:off x="381300" y="685800"/>
-            <a:ext cx="6096075" cy="3429000"/>
+            <a:off x="381000" y="685800"/>
+            <a:ext cx="6096000" cy="3429000"/>
           </a:xfrm>
           <a:custGeom>
-            <a:rect b="b" l="l" r="r" t="t"/>
+            <a:avLst/>
+            <a:gdLst/>
+            <a:ahLst/>
+            <a:cxnLst/>
+            <a:rect l="l" t="t" r="r" b="b"/>
             <a:pathLst>
-              <a:path extrusionOk="0" h="120000" w="120000">
+              <a:path w="120000" h="120000" extrusionOk="0">
                 <a:moveTo>
                   <a:pt x="0" y="0"/>
                 </a:moveTo>
@@ -749,9 +780,11 @@
       <p:sp>
         <p:nvSpPr>
           <p:cNvPr id="52" name="Google Shape;52;p:notes"/>
-          <p:cNvSpPr txBox="1"/>
+          <p:cNvSpPr txBox="1">
+            <a:spLocks noGrp="1"/>
+          </p:cNvSpPr>
           <p:nvPr>
-            <p:ph idx="1" type="body"/>
+            <p:ph type="body" idx="1"/>
           </p:nvPr>
         </p:nvSpPr>
         <p:spPr>
@@ -764,12 +797,12 @@
           </a:prstGeom>
         </p:spPr>
         <p:txBody>
-          <a:bodyPr anchorCtr="0" anchor="t" bIns="91425" lIns="91425" spcFirstLastPara="1" rIns="91425" wrap="square" tIns="91425">
+          <a:bodyPr spcFirstLastPara="1" wrap="square" lIns="91425" tIns="91425" rIns="91425" bIns="91425" anchor="t" anchorCtr="0">
             <a:noAutofit/>
           </a:bodyPr>
           <a:lstStyle/>
           <a:p>
-            <a:pPr indent="0" lvl="0" marL="0" rtl="0" algn="l">
+            <a:pPr marL="0" lvl="0" indent="0" algn="l" rtl="0">
               <a:spcBef>
                 <a:spcPts val="0"/>
               </a:spcBef>
@@ -778,14 +811,16 @@
               </a:spcAft>
               <a:buNone/>
             </a:pPr>
-            <a:r>
-              <a:t/>
-            </a:r>
             <a:endParaRPr/>
           </a:p>
         </p:txBody>
       </p:sp>
     </p:spTree>
+    <p:extLst>
+      <p:ext uri="{BB962C8B-B14F-4D97-AF65-F5344CB8AC3E}">
+        <p14:creationId xmlns:p14="http://schemas.microsoft.com/office/powerpoint/2010/main" val="1385810870"/>
+      </p:ext>
+    </p:extLst>
   </p:cSld>
   <p:clrMapOvr>
     <a:masterClrMapping/>
@@ -794,11 +829,11 @@
 </file>
 
 <file path=ppt/notesSlides/notesSlide2.xml><?xml version="1.0" encoding="utf-8"?>
-<p:notes xmlns:a="http://schemas.openxmlformats.org/drawingml/2006/main" xmlns:r="http://schemas.openxmlformats.org/officeDocument/2006/relationships" xmlns:mc="http://schemas.openxmlformats.org/markup-compatibility/2006" xmlns:mv="urn:schemas-microsoft-com:mac:vml" xmlns:p="http://schemas.openxmlformats.org/presentationml/2006/main" xmlns:c="http://schemas.openxmlformats.org/drawingml/2006/chart" xmlns:dgm="http://schemas.openxmlformats.org/drawingml/2006/diagram" xmlns:o="urn:schemas-microsoft-com:office:office" xmlns:v="urn:schemas-microsoft-com:vml" xmlns:pvml="urn:schemas-microsoft-com:office:powerpoint" xmlns:com="http://schemas.openxmlformats.org/drawingml/2006/compatibility" xmlns:p14="http://schemas.microsoft.com/office/powerpoint/2010/main" xmlns:p15="http://schemas.microsoft.com/office/powerpoint/2012/main" xmlns:ahyp="http://schemas.microsoft.com/office/drawing/2018/hyperlinkcolor" showMasterPhAnim="0" showMasterSp="0">
+<p:notes xmlns:a="http://schemas.openxmlformats.org/drawingml/2006/main" xmlns:r="http://schemas.openxmlformats.org/officeDocument/2006/relationships" xmlns:p="http://schemas.openxmlformats.org/presentationml/2006/main" showMasterSp="0" showMasterPhAnim="0">
   <p:cSld>
     <p:spTree>
       <p:nvGrpSpPr>
-        <p:cNvPr id="56" name="Shape 56"/>
+        <p:cNvPr id="1" name="Shape 56"/>
         <p:cNvGrpSpPr/>
         <p:nvPr/>
       </p:nvGrpSpPr>
@@ -813,20 +848,26 @@
       <p:sp>
         <p:nvSpPr>
           <p:cNvPr id="57" name="Google Shape;57;g1e0307e9c3f_0_1:notes"/>
-          <p:cNvSpPr/>
+          <p:cNvSpPr>
+            <a:spLocks noGrp="1" noRot="1" noChangeAspect="1"/>
+          </p:cNvSpPr>
           <p:nvPr>
-            <p:ph idx="2" type="sldImg"/>
+            <p:ph type="sldImg" idx="2"/>
           </p:nvPr>
         </p:nvSpPr>
         <p:spPr>
           <a:xfrm>
-            <a:off x="381300" y="685800"/>
+            <a:off x="381000" y="685800"/>
             <a:ext cx="6096000" cy="3429000"/>
           </a:xfrm>
           <a:custGeom>
-            <a:rect b="b" l="l" r="r" t="t"/>
+            <a:avLst/>
+            <a:gdLst/>
+            <a:ahLst/>
+            <a:cxnLst/>
+            <a:rect l="l" t="t" r="r" b="b"/>
             <a:pathLst>
-              <a:path extrusionOk="0" h="120000" w="120000">
+              <a:path w="120000" h="120000" extrusionOk="0">
                 <a:moveTo>
                   <a:pt x="0" y="0"/>
                 </a:moveTo>
@@ -848,9 +889,11 @@
       <p:sp>
         <p:nvSpPr>
           <p:cNvPr id="58" name="Google Shape;58;g1e0307e9c3f_0_1:notes"/>
-          <p:cNvSpPr txBox="1"/>
+          <p:cNvSpPr txBox="1">
+            <a:spLocks noGrp="1"/>
+          </p:cNvSpPr>
           <p:nvPr>
-            <p:ph idx="1" type="body"/>
+            <p:ph type="body" idx="1"/>
           </p:nvPr>
         </p:nvSpPr>
         <p:spPr>
@@ -863,12 +906,12 @@
           </a:prstGeom>
         </p:spPr>
         <p:txBody>
-          <a:bodyPr anchorCtr="0" anchor="t" bIns="91425" lIns="91425" spcFirstLastPara="1" rIns="91425" wrap="square" tIns="91425">
+          <a:bodyPr spcFirstLastPara="1" wrap="square" lIns="91425" tIns="91425" rIns="91425" bIns="91425" anchor="t" anchorCtr="0">
             <a:noAutofit/>
           </a:bodyPr>
           <a:lstStyle/>
           <a:p>
-            <a:pPr indent="0" lvl="0" marL="0" rtl="0" algn="l">
+            <a:pPr marL="0" lvl="0" indent="0" algn="l" rtl="0">
               <a:spcBef>
                 <a:spcPts val="0"/>
               </a:spcBef>
@@ -877,14 +920,16 @@
               </a:spcAft>
               <a:buNone/>
             </a:pPr>
-            <a:r>
-              <a:t/>
-            </a:r>
             <a:endParaRPr/>
           </a:p>
         </p:txBody>
       </p:sp>
     </p:spTree>
+    <p:extLst>
+      <p:ext uri="{BB962C8B-B14F-4D97-AF65-F5344CB8AC3E}">
+        <p14:creationId xmlns:p14="http://schemas.microsoft.com/office/powerpoint/2010/main" val="3138870289"/>
+      </p:ext>
+    </p:extLst>
   </p:cSld>
   <p:clrMapOvr>
     <a:masterClrMapping/>
@@ -893,11 +938,11 @@
 </file>
 
 <file path=ppt/notesSlides/notesSlide3.xml><?xml version="1.0" encoding="utf-8"?>
-<p:notes xmlns:a="http://schemas.openxmlformats.org/drawingml/2006/main" xmlns:r="http://schemas.openxmlformats.org/officeDocument/2006/relationships" xmlns:mc="http://schemas.openxmlformats.org/markup-compatibility/2006" xmlns:mv="urn:schemas-microsoft-com:mac:vml" xmlns:p="http://schemas.openxmlformats.org/presentationml/2006/main" xmlns:c="http://schemas.openxmlformats.org/drawingml/2006/chart" xmlns:dgm="http://schemas.openxmlformats.org/drawingml/2006/diagram" xmlns:o="urn:schemas-microsoft-com:office:office" xmlns:v="urn:schemas-microsoft-com:vml" xmlns:pvml="urn:schemas-microsoft-com:office:powerpoint" xmlns:com="http://schemas.openxmlformats.org/drawingml/2006/compatibility" xmlns:p14="http://schemas.microsoft.com/office/powerpoint/2010/main" xmlns:p15="http://schemas.microsoft.com/office/powerpoint/2012/main" xmlns:ahyp="http://schemas.microsoft.com/office/drawing/2018/hyperlinkcolor" showMasterPhAnim="0" showMasterSp="0">
+<p:notes xmlns:a="http://schemas.openxmlformats.org/drawingml/2006/main" xmlns:r="http://schemas.openxmlformats.org/officeDocument/2006/relationships" xmlns:p="http://schemas.openxmlformats.org/presentationml/2006/main" showMasterSp="0" showMasterPhAnim="0">
   <p:cSld>
     <p:spTree>
       <p:nvGrpSpPr>
-        <p:cNvPr id="62" name="Shape 62"/>
+        <p:cNvPr id="1" name="Shape 62"/>
         <p:cNvGrpSpPr/>
         <p:nvPr/>
       </p:nvGrpSpPr>
@@ -912,20 +957,26 @@
       <p:sp>
         <p:nvSpPr>
           <p:cNvPr id="63" name="Google Shape;63;g1e0308d0939_0_3:notes"/>
-          <p:cNvSpPr/>
+          <p:cNvSpPr>
+            <a:spLocks noGrp="1" noRot="1" noChangeAspect="1"/>
+          </p:cNvSpPr>
           <p:nvPr>
-            <p:ph idx="2" type="sldImg"/>
+            <p:ph type="sldImg" idx="2"/>
           </p:nvPr>
         </p:nvSpPr>
         <p:spPr>
           <a:xfrm>
-            <a:off x="381300" y="685800"/>
+            <a:off x="381000" y="685800"/>
             <a:ext cx="6096000" cy="3429000"/>
           </a:xfrm>
           <a:custGeom>
-            <a:rect b="b" l="l" r="r" t="t"/>
+            <a:avLst/>
+            <a:gdLst/>
+            <a:ahLst/>
+            <a:cxnLst/>
+            <a:rect l="l" t="t" r="r" b="b"/>
             <a:pathLst>
-              <a:path extrusionOk="0" h="120000" w="120000">
+              <a:path w="120000" h="120000" extrusionOk="0">
                 <a:moveTo>
                   <a:pt x="0" y="0"/>
                 </a:moveTo>
@@ -947,9 +998,11 @@
       <p:sp>
         <p:nvSpPr>
           <p:cNvPr id="64" name="Google Shape;64;g1e0308d0939_0_3:notes"/>
-          <p:cNvSpPr txBox="1"/>
+          <p:cNvSpPr txBox="1">
+            <a:spLocks noGrp="1"/>
+          </p:cNvSpPr>
           <p:nvPr>
-            <p:ph idx="1" type="body"/>
+            <p:ph type="body" idx="1"/>
           </p:nvPr>
         </p:nvSpPr>
         <p:spPr>
@@ -962,12 +1015,12 @@
           </a:prstGeom>
         </p:spPr>
         <p:txBody>
-          <a:bodyPr anchorCtr="0" anchor="t" bIns="91425" lIns="91425" spcFirstLastPara="1" rIns="91425" wrap="square" tIns="91425">
+          <a:bodyPr spcFirstLastPara="1" wrap="square" lIns="91425" tIns="91425" rIns="91425" bIns="91425" anchor="t" anchorCtr="0">
             <a:noAutofit/>
           </a:bodyPr>
           <a:lstStyle/>
           <a:p>
-            <a:pPr indent="0" lvl="0" marL="0" rtl="0" algn="l">
+            <a:pPr marL="0" lvl="0" indent="0" algn="l" rtl="0">
               <a:spcBef>
                 <a:spcPts val="0"/>
               </a:spcBef>
@@ -976,14 +1029,16 @@
               </a:spcAft>
               <a:buNone/>
             </a:pPr>
-            <a:r>
-              <a:t/>
-            </a:r>
             <a:endParaRPr/>
           </a:p>
         </p:txBody>
       </p:sp>
     </p:spTree>
+    <p:extLst>
+      <p:ext uri="{BB962C8B-B14F-4D97-AF65-F5344CB8AC3E}">
+        <p14:creationId xmlns:p14="http://schemas.microsoft.com/office/powerpoint/2010/main" val="1866813920"/>
+      </p:ext>
+    </p:extLst>
   </p:cSld>
   <p:clrMapOvr>
     <a:masterClrMapping/>
@@ -992,11 +1047,11 @@
 </file>
 
 <file path=ppt/notesSlides/notesSlide4.xml><?xml version="1.0" encoding="utf-8"?>
-<p:notes xmlns:a="http://schemas.openxmlformats.org/drawingml/2006/main" xmlns:r="http://schemas.openxmlformats.org/officeDocument/2006/relationships" xmlns:mc="http://schemas.openxmlformats.org/markup-compatibility/2006" xmlns:mv="urn:schemas-microsoft-com:mac:vml" xmlns:p="http://schemas.openxmlformats.org/presentationml/2006/main" xmlns:c="http://schemas.openxmlformats.org/drawingml/2006/chart" xmlns:dgm="http://schemas.openxmlformats.org/drawingml/2006/diagram" xmlns:o="urn:schemas-microsoft-com:office:office" xmlns:v="urn:schemas-microsoft-com:vml" xmlns:pvml="urn:schemas-microsoft-com:office:powerpoint" xmlns:com="http://schemas.openxmlformats.org/drawingml/2006/compatibility" xmlns:p14="http://schemas.microsoft.com/office/powerpoint/2010/main" xmlns:p15="http://schemas.microsoft.com/office/powerpoint/2012/main" xmlns:ahyp="http://schemas.microsoft.com/office/drawing/2018/hyperlinkcolor" showMasterPhAnim="0" showMasterSp="0">
+<p:notes xmlns:a="http://schemas.openxmlformats.org/drawingml/2006/main" xmlns:r="http://schemas.openxmlformats.org/officeDocument/2006/relationships" xmlns:p="http://schemas.openxmlformats.org/presentationml/2006/main" showMasterSp="0" showMasterPhAnim="0">
   <p:cSld>
     <p:spTree>
       <p:nvGrpSpPr>
-        <p:cNvPr id="68" name="Shape 68"/>
+        <p:cNvPr id="1" name="Shape 68"/>
         <p:cNvGrpSpPr/>
         <p:nvPr/>
       </p:nvGrpSpPr>
@@ -1011,20 +1066,26 @@
       <p:sp>
         <p:nvSpPr>
           <p:cNvPr id="69" name="Google Shape;69;g1e0308d0939_0_10:notes"/>
-          <p:cNvSpPr/>
+          <p:cNvSpPr>
+            <a:spLocks noGrp="1" noRot="1" noChangeAspect="1"/>
+          </p:cNvSpPr>
           <p:nvPr>
-            <p:ph idx="2" type="sldImg"/>
+            <p:ph type="sldImg" idx="2"/>
           </p:nvPr>
         </p:nvSpPr>
         <p:spPr>
           <a:xfrm>
-            <a:off x="381300" y="685800"/>
+            <a:off x="381000" y="685800"/>
             <a:ext cx="6096000" cy="3429000"/>
           </a:xfrm>
           <a:custGeom>
-            <a:rect b="b" l="l" r="r" t="t"/>
+            <a:avLst/>
+            <a:gdLst/>
+            <a:ahLst/>
+            <a:cxnLst/>
+            <a:rect l="l" t="t" r="r" b="b"/>
             <a:pathLst>
-              <a:path extrusionOk="0" h="120000" w="120000">
+              <a:path w="120000" h="120000" extrusionOk="0">
                 <a:moveTo>
                   <a:pt x="0" y="0"/>
                 </a:moveTo>
@@ -1046,9 +1107,11 @@
       <p:sp>
         <p:nvSpPr>
           <p:cNvPr id="70" name="Google Shape;70;g1e0308d0939_0_10:notes"/>
-          <p:cNvSpPr txBox="1"/>
+          <p:cNvSpPr txBox="1">
+            <a:spLocks noGrp="1"/>
+          </p:cNvSpPr>
           <p:nvPr>
-            <p:ph idx="1" type="body"/>
+            <p:ph type="body" idx="1"/>
           </p:nvPr>
         </p:nvSpPr>
         <p:spPr>
@@ -1061,12 +1124,12 @@
           </a:prstGeom>
         </p:spPr>
         <p:txBody>
-          <a:bodyPr anchorCtr="0" anchor="t" bIns="91425" lIns="91425" spcFirstLastPara="1" rIns="91425" wrap="square" tIns="91425">
+          <a:bodyPr spcFirstLastPara="1" wrap="square" lIns="91425" tIns="91425" rIns="91425" bIns="91425" anchor="t" anchorCtr="0">
             <a:noAutofit/>
           </a:bodyPr>
           <a:lstStyle/>
           <a:p>
-            <a:pPr indent="0" lvl="0" marL="0" rtl="0" algn="l">
+            <a:pPr marL="0" lvl="0" indent="0" algn="l" rtl="0">
               <a:spcBef>
                 <a:spcPts val="0"/>
               </a:spcBef>
@@ -1075,14 +1138,16 @@
               </a:spcAft>
               <a:buNone/>
             </a:pPr>
-            <a:r>
-              <a:t/>
-            </a:r>
             <a:endParaRPr/>
           </a:p>
         </p:txBody>
       </p:sp>
     </p:spTree>
+    <p:extLst>
+      <p:ext uri="{BB962C8B-B14F-4D97-AF65-F5344CB8AC3E}">
+        <p14:creationId xmlns:p14="http://schemas.microsoft.com/office/powerpoint/2010/main" val="1396668596"/>
+      </p:ext>
+    </p:extLst>
   </p:cSld>
   <p:clrMapOvr>
     <a:masterClrMapping/>
@@ -1091,11 +1156,11 @@
 </file>
 
 <file path=ppt/notesSlides/notesSlide5.xml><?xml version="1.0" encoding="utf-8"?>
-<p:notes xmlns:a="http://schemas.openxmlformats.org/drawingml/2006/main" xmlns:r="http://schemas.openxmlformats.org/officeDocument/2006/relationships" xmlns:mc="http://schemas.openxmlformats.org/markup-compatibility/2006" xmlns:mv="urn:schemas-microsoft-com:mac:vml" xmlns:p="http://schemas.openxmlformats.org/presentationml/2006/main" xmlns:c="http://schemas.openxmlformats.org/drawingml/2006/chart" xmlns:dgm="http://schemas.openxmlformats.org/drawingml/2006/diagram" xmlns:o="urn:schemas-microsoft-com:office:office" xmlns:v="urn:schemas-microsoft-com:vml" xmlns:pvml="urn:schemas-microsoft-com:office:powerpoint" xmlns:com="http://schemas.openxmlformats.org/drawingml/2006/compatibility" xmlns:p14="http://schemas.microsoft.com/office/powerpoint/2010/main" xmlns:p15="http://schemas.microsoft.com/office/powerpoint/2012/main" xmlns:ahyp="http://schemas.microsoft.com/office/drawing/2018/hyperlinkcolor" showMasterPhAnim="0" showMasterSp="0">
+<p:notes xmlns:a="http://schemas.openxmlformats.org/drawingml/2006/main" xmlns:r="http://schemas.openxmlformats.org/officeDocument/2006/relationships" xmlns:p="http://schemas.openxmlformats.org/presentationml/2006/main" showMasterSp="0" showMasterPhAnim="0">
   <p:cSld>
     <p:spTree>
       <p:nvGrpSpPr>
-        <p:cNvPr id="74" name="Shape 74"/>
+        <p:cNvPr id="1" name="Shape 74"/>
         <p:cNvGrpSpPr/>
         <p:nvPr/>
       </p:nvGrpSpPr>
@@ -1110,20 +1175,26 @@
       <p:sp>
         <p:nvSpPr>
           <p:cNvPr id="75" name="Google Shape;75;g1e0308d0939_0_17:notes"/>
-          <p:cNvSpPr/>
+          <p:cNvSpPr>
+            <a:spLocks noGrp="1" noRot="1" noChangeAspect="1"/>
+          </p:cNvSpPr>
           <p:nvPr>
-            <p:ph idx="2" type="sldImg"/>
+            <p:ph type="sldImg" idx="2"/>
           </p:nvPr>
         </p:nvSpPr>
         <p:spPr>
           <a:xfrm>
-            <a:off x="381300" y="685800"/>
+            <a:off x="381000" y="685800"/>
             <a:ext cx="6096000" cy="3429000"/>
           </a:xfrm>
           <a:custGeom>
-            <a:rect b="b" l="l" r="r" t="t"/>
+            <a:avLst/>
+            <a:gdLst/>
+            <a:ahLst/>
+            <a:cxnLst/>
+            <a:rect l="l" t="t" r="r" b="b"/>
             <a:pathLst>
-              <a:path extrusionOk="0" h="120000" w="120000">
+              <a:path w="120000" h="120000" extrusionOk="0">
                 <a:moveTo>
                   <a:pt x="0" y="0"/>
                 </a:moveTo>
@@ -1145,9 +1216,11 @@
       <p:sp>
         <p:nvSpPr>
           <p:cNvPr id="76" name="Google Shape;76;g1e0308d0939_0_17:notes"/>
-          <p:cNvSpPr txBox="1"/>
+          <p:cNvSpPr txBox="1">
+            <a:spLocks noGrp="1"/>
+          </p:cNvSpPr>
           <p:nvPr>
-            <p:ph idx="1" type="body"/>
+            <p:ph type="body" idx="1"/>
           </p:nvPr>
         </p:nvSpPr>
         <p:spPr>
@@ -1160,12 +1233,12 @@
           </a:prstGeom>
         </p:spPr>
         <p:txBody>
-          <a:bodyPr anchorCtr="0" anchor="t" bIns="91425" lIns="91425" spcFirstLastPara="1" rIns="91425" wrap="square" tIns="91425">
+          <a:bodyPr spcFirstLastPara="1" wrap="square" lIns="91425" tIns="91425" rIns="91425" bIns="91425" anchor="t" anchorCtr="0">
             <a:noAutofit/>
           </a:bodyPr>
           <a:lstStyle/>
           <a:p>
-            <a:pPr indent="0" lvl="0" marL="0" rtl="0" algn="l">
+            <a:pPr marL="0" lvl="0" indent="0" algn="l" rtl="0">
               <a:spcBef>
                 <a:spcPts val="0"/>
               </a:spcBef>
@@ -1174,14 +1247,16 @@
               </a:spcAft>
               <a:buNone/>
             </a:pPr>
-            <a:r>
-              <a:t/>
-            </a:r>
             <a:endParaRPr/>
           </a:p>
         </p:txBody>
       </p:sp>
     </p:spTree>
+    <p:extLst>
+      <p:ext uri="{BB962C8B-B14F-4D97-AF65-F5344CB8AC3E}">
+        <p14:creationId xmlns:p14="http://schemas.microsoft.com/office/powerpoint/2010/main" val="2978495405"/>
+      </p:ext>
+    </p:extLst>
   </p:cSld>
   <p:clrMapOvr>
     <a:masterClrMapping/>
@@ -1190,11 +1265,11 @@
 </file>
 
 <file path=ppt/notesSlides/notesSlide6.xml><?xml version="1.0" encoding="utf-8"?>
-<p:notes xmlns:a="http://schemas.openxmlformats.org/drawingml/2006/main" xmlns:r="http://schemas.openxmlformats.org/officeDocument/2006/relationships" xmlns:mc="http://schemas.openxmlformats.org/markup-compatibility/2006" xmlns:mv="urn:schemas-microsoft-com:mac:vml" xmlns:p="http://schemas.openxmlformats.org/presentationml/2006/main" xmlns:c="http://schemas.openxmlformats.org/drawingml/2006/chart" xmlns:dgm="http://schemas.openxmlformats.org/drawingml/2006/diagram" xmlns:o="urn:schemas-microsoft-com:office:office" xmlns:v="urn:schemas-microsoft-com:vml" xmlns:pvml="urn:schemas-microsoft-com:office:powerpoint" xmlns:com="http://schemas.openxmlformats.org/drawingml/2006/compatibility" xmlns:p14="http://schemas.microsoft.com/office/powerpoint/2010/main" xmlns:p15="http://schemas.microsoft.com/office/powerpoint/2012/main" xmlns:ahyp="http://schemas.microsoft.com/office/drawing/2018/hyperlinkcolor" showMasterPhAnim="0" showMasterSp="0">
+<p:notes xmlns:a="http://schemas.openxmlformats.org/drawingml/2006/main" xmlns:r="http://schemas.openxmlformats.org/officeDocument/2006/relationships" xmlns:p="http://schemas.openxmlformats.org/presentationml/2006/main" showMasterSp="0" showMasterPhAnim="0">
   <p:cSld>
     <p:spTree>
       <p:nvGrpSpPr>
-        <p:cNvPr id="81" name="Shape 81"/>
+        <p:cNvPr id="1" name="Shape 81"/>
         <p:cNvGrpSpPr/>
         <p:nvPr/>
       </p:nvGrpSpPr>
@@ -1209,20 +1284,26 @@
       <p:sp>
         <p:nvSpPr>
           <p:cNvPr id="82" name="Google Shape;82;g1e0308d0939_0_23:notes"/>
-          <p:cNvSpPr/>
+          <p:cNvSpPr>
+            <a:spLocks noGrp="1" noRot="1" noChangeAspect="1"/>
+          </p:cNvSpPr>
           <p:nvPr>
-            <p:ph idx="2" type="sldImg"/>
+            <p:ph type="sldImg" idx="2"/>
           </p:nvPr>
         </p:nvSpPr>
         <p:spPr>
           <a:xfrm>
-            <a:off x="381300" y="685800"/>
+            <a:off x="381000" y="685800"/>
             <a:ext cx="6096000" cy="3429000"/>
           </a:xfrm>
           <a:custGeom>
-            <a:rect b="b" l="l" r="r" t="t"/>
+            <a:avLst/>
+            <a:gdLst/>
+            <a:ahLst/>
+            <a:cxnLst/>
+            <a:rect l="l" t="t" r="r" b="b"/>
             <a:pathLst>
-              <a:path extrusionOk="0" h="120000" w="120000">
+              <a:path w="120000" h="120000" extrusionOk="0">
                 <a:moveTo>
                   <a:pt x="0" y="0"/>
                 </a:moveTo>
@@ -1244,9 +1325,11 @@
       <p:sp>
         <p:nvSpPr>
           <p:cNvPr id="83" name="Google Shape;83;g1e0308d0939_0_23:notes"/>
-          <p:cNvSpPr txBox="1"/>
+          <p:cNvSpPr txBox="1">
+            <a:spLocks noGrp="1"/>
+          </p:cNvSpPr>
           <p:nvPr>
-            <p:ph idx="1" type="body"/>
+            <p:ph type="body" idx="1"/>
           </p:nvPr>
         </p:nvSpPr>
         <p:spPr>
@@ -1259,12 +1342,12 @@
           </a:prstGeom>
         </p:spPr>
         <p:txBody>
-          <a:bodyPr anchorCtr="0" anchor="t" bIns="91425" lIns="91425" spcFirstLastPara="1" rIns="91425" wrap="square" tIns="91425">
+          <a:bodyPr spcFirstLastPara="1" wrap="square" lIns="91425" tIns="91425" rIns="91425" bIns="91425" anchor="t" anchorCtr="0">
             <a:noAutofit/>
           </a:bodyPr>
           <a:lstStyle/>
           <a:p>
-            <a:pPr indent="0" lvl="0" marL="0" rtl="0" algn="l">
+            <a:pPr marL="0" lvl="0" indent="0" algn="l" rtl="0">
               <a:spcBef>
                 <a:spcPts val="0"/>
               </a:spcBef>
@@ -1273,14 +1356,16 @@
               </a:spcAft>
               <a:buNone/>
             </a:pPr>
-            <a:r>
-              <a:t/>
-            </a:r>
             <a:endParaRPr/>
           </a:p>
         </p:txBody>
       </p:sp>
     </p:spTree>
+    <p:extLst>
+      <p:ext uri="{BB962C8B-B14F-4D97-AF65-F5344CB8AC3E}">
+        <p14:creationId xmlns:p14="http://schemas.microsoft.com/office/powerpoint/2010/main" val="1431966667"/>
+      </p:ext>
+    </p:extLst>
   </p:cSld>
   <p:clrMapOvr>
     <a:masterClrMapping/>
@@ -1289,11 +1374,11 @@
 </file>
 
 <file path=ppt/notesSlides/notesSlide7.xml><?xml version="1.0" encoding="utf-8"?>
-<p:notes xmlns:a="http://schemas.openxmlformats.org/drawingml/2006/main" xmlns:r="http://schemas.openxmlformats.org/officeDocument/2006/relationships" xmlns:mc="http://schemas.openxmlformats.org/markup-compatibility/2006" xmlns:mv="urn:schemas-microsoft-com:mac:vml" xmlns:p="http://schemas.openxmlformats.org/presentationml/2006/main" xmlns:c="http://schemas.openxmlformats.org/drawingml/2006/chart" xmlns:dgm="http://schemas.openxmlformats.org/drawingml/2006/diagram" xmlns:o="urn:schemas-microsoft-com:office:office" xmlns:v="urn:schemas-microsoft-com:vml" xmlns:pvml="urn:schemas-microsoft-com:office:powerpoint" xmlns:com="http://schemas.openxmlformats.org/drawingml/2006/compatibility" xmlns:p14="http://schemas.microsoft.com/office/powerpoint/2010/main" xmlns:p15="http://schemas.microsoft.com/office/powerpoint/2012/main" xmlns:ahyp="http://schemas.microsoft.com/office/drawing/2018/hyperlinkcolor" showMasterPhAnim="0" showMasterSp="0">
+<p:notes xmlns:a="http://schemas.openxmlformats.org/drawingml/2006/main" xmlns:r="http://schemas.openxmlformats.org/officeDocument/2006/relationships" xmlns:p="http://schemas.openxmlformats.org/presentationml/2006/main" showMasterSp="0" showMasterPhAnim="0">
   <p:cSld>
     <p:spTree>
       <p:nvGrpSpPr>
-        <p:cNvPr id="88" name="Shape 88"/>
+        <p:cNvPr id="1" name="Shape 88"/>
         <p:cNvGrpSpPr/>
         <p:nvPr/>
       </p:nvGrpSpPr>
@@ -1308,20 +1393,26 @@
       <p:sp>
         <p:nvSpPr>
           <p:cNvPr id="89" name="Google Shape;89;g1e0308d0939_0_30:notes"/>
-          <p:cNvSpPr/>
+          <p:cNvSpPr>
+            <a:spLocks noGrp="1" noRot="1" noChangeAspect="1"/>
+          </p:cNvSpPr>
           <p:nvPr>
-            <p:ph idx="2" type="sldImg"/>
+            <p:ph type="sldImg" idx="2"/>
           </p:nvPr>
         </p:nvSpPr>
         <p:spPr>
           <a:xfrm>
-            <a:off x="381300" y="685800"/>
+            <a:off x="381000" y="685800"/>
             <a:ext cx="6096000" cy="3429000"/>
           </a:xfrm>
           <a:custGeom>
-            <a:rect b="b" l="l" r="r" t="t"/>
+            <a:avLst/>
+            <a:gdLst/>
+            <a:ahLst/>
+            <a:cxnLst/>
+            <a:rect l="l" t="t" r="r" b="b"/>
             <a:pathLst>
-              <a:path extrusionOk="0" h="120000" w="120000">
+              <a:path w="120000" h="120000" extrusionOk="0">
                 <a:moveTo>
                   <a:pt x="0" y="0"/>
                 </a:moveTo>
@@ -1343,9 +1434,11 @@
       <p:sp>
         <p:nvSpPr>
           <p:cNvPr id="90" name="Google Shape;90;g1e0308d0939_0_30:notes"/>
-          <p:cNvSpPr txBox="1"/>
+          <p:cNvSpPr txBox="1">
+            <a:spLocks noGrp="1"/>
+          </p:cNvSpPr>
           <p:nvPr>
-            <p:ph idx="1" type="body"/>
+            <p:ph type="body" idx="1"/>
           </p:nvPr>
         </p:nvSpPr>
         <p:spPr>
@@ -1358,12 +1451,12 @@
           </a:prstGeom>
         </p:spPr>
         <p:txBody>
-          <a:bodyPr anchorCtr="0" anchor="t" bIns="91425" lIns="91425" spcFirstLastPara="1" rIns="91425" wrap="square" tIns="91425">
+          <a:bodyPr spcFirstLastPara="1" wrap="square" lIns="91425" tIns="91425" rIns="91425" bIns="91425" anchor="t" anchorCtr="0">
             <a:noAutofit/>
           </a:bodyPr>
           <a:lstStyle/>
           <a:p>
-            <a:pPr indent="0" lvl="0" marL="0" rtl="0" algn="l">
+            <a:pPr marL="0" lvl="0" indent="0" algn="l" rtl="0">
               <a:spcBef>
                 <a:spcPts val="0"/>
               </a:spcBef>
@@ -1372,14 +1465,16 @@
               </a:spcAft>
               <a:buNone/>
             </a:pPr>
-            <a:r>
-              <a:t/>
-            </a:r>
             <a:endParaRPr/>
           </a:p>
         </p:txBody>
       </p:sp>
     </p:spTree>
+    <p:extLst>
+      <p:ext uri="{BB962C8B-B14F-4D97-AF65-F5344CB8AC3E}">
+        <p14:creationId xmlns:p14="http://schemas.microsoft.com/office/powerpoint/2010/main" val="2414561721"/>
+      </p:ext>
+    </p:extLst>
   </p:cSld>
   <p:clrMapOvr>
     <a:masterClrMapping/>
@@ -1388,11 +1483,11 @@
 </file>
 
 <file path=ppt/notesSlides/notesSlide8.xml><?xml version="1.0" encoding="utf-8"?>
-<p:notes xmlns:a="http://schemas.openxmlformats.org/drawingml/2006/main" xmlns:r="http://schemas.openxmlformats.org/officeDocument/2006/relationships" xmlns:mc="http://schemas.openxmlformats.org/markup-compatibility/2006" xmlns:mv="urn:schemas-microsoft-com:mac:vml" xmlns:p="http://schemas.openxmlformats.org/presentationml/2006/main" xmlns:c="http://schemas.openxmlformats.org/drawingml/2006/chart" xmlns:dgm="http://schemas.openxmlformats.org/drawingml/2006/diagram" xmlns:o="urn:schemas-microsoft-com:office:office" xmlns:v="urn:schemas-microsoft-com:vml" xmlns:pvml="urn:schemas-microsoft-com:office:powerpoint" xmlns:com="http://schemas.openxmlformats.org/drawingml/2006/compatibility" xmlns:p14="http://schemas.microsoft.com/office/powerpoint/2010/main" xmlns:p15="http://schemas.microsoft.com/office/powerpoint/2012/main" xmlns:ahyp="http://schemas.microsoft.com/office/drawing/2018/hyperlinkcolor" showMasterPhAnim="0" showMasterSp="0">
+<p:notes xmlns:a="http://schemas.openxmlformats.org/drawingml/2006/main" xmlns:r="http://schemas.openxmlformats.org/officeDocument/2006/relationships" xmlns:p="http://schemas.openxmlformats.org/presentationml/2006/main" showMasterSp="0" showMasterPhAnim="0">
   <p:cSld>
     <p:spTree>
       <p:nvGrpSpPr>
-        <p:cNvPr id="95" name="Shape 95"/>
+        <p:cNvPr id="1" name="Shape 95"/>
         <p:cNvGrpSpPr/>
         <p:nvPr/>
       </p:nvGrpSpPr>
@@ -1407,20 +1502,26 @@
       <p:sp>
         <p:nvSpPr>
           <p:cNvPr id="96" name="Google Shape;96;g1e0308d0939_0_36:notes"/>
-          <p:cNvSpPr/>
+          <p:cNvSpPr>
+            <a:spLocks noGrp="1" noRot="1" noChangeAspect="1"/>
+          </p:cNvSpPr>
           <p:nvPr>
-            <p:ph idx="2" type="sldImg"/>
+            <p:ph type="sldImg" idx="2"/>
           </p:nvPr>
         </p:nvSpPr>
         <p:spPr>
           <a:xfrm>
-            <a:off x="381300" y="685800"/>
+            <a:off x="381000" y="685800"/>
             <a:ext cx="6096000" cy="3429000"/>
           </a:xfrm>
           <a:custGeom>
-            <a:rect b="b" l="l" r="r" t="t"/>
+            <a:avLst/>
+            <a:gdLst/>
+            <a:ahLst/>
+            <a:cxnLst/>
+            <a:rect l="l" t="t" r="r" b="b"/>
             <a:pathLst>
-              <a:path extrusionOk="0" h="120000" w="120000">
+              <a:path w="120000" h="120000" extrusionOk="0">
                 <a:moveTo>
                   <a:pt x="0" y="0"/>
                 </a:moveTo>
@@ -1442,9 +1543,11 @@
       <p:sp>
         <p:nvSpPr>
           <p:cNvPr id="97" name="Google Shape;97;g1e0308d0939_0_36:notes"/>
-          <p:cNvSpPr txBox="1"/>
+          <p:cNvSpPr txBox="1">
+            <a:spLocks noGrp="1"/>
+          </p:cNvSpPr>
           <p:nvPr>
-            <p:ph idx="1" type="body"/>
+            <p:ph type="body" idx="1"/>
           </p:nvPr>
         </p:nvSpPr>
         <p:spPr>
@@ -1457,12 +1560,12 @@
           </a:prstGeom>
         </p:spPr>
         <p:txBody>
-          <a:bodyPr anchorCtr="0" anchor="t" bIns="91425" lIns="91425" spcFirstLastPara="1" rIns="91425" wrap="square" tIns="91425">
+          <a:bodyPr spcFirstLastPara="1" wrap="square" lIns="91425" tIns="91425" rIns="91425" bIns="91425" anchor="t" anchorCtr="0">
             <a:noAutofit/>
           </a:bodyPr>
           <a:lstStyle/>
           <a:p>
-            <a:pPr indent="0" lvl="0" marL="0" rtl="0" algn="l">
+            <a:pPr marL="0" lvl="0" indent="0" algn="l" rtl="0">
               <a:spcBef>
                 <a:spcPts val="0"/>
               </a:spcBef>
@@ -1471,14 +1574,16 @@
               </a:spcAft>
               <a:buNone/>
             </a:pPr>
-            <a:r>
-              <a:t/>
-            </a:r>
             <a:endParaRPr/>
           </a:p>
         </p:txBody>
       </p:sp>
     </p:spTree>
+    <p:extLst>
+      <p:ext uri="{BB962C8B-B14F-4D97-AF65-F5344CB8AC3E}">
+        <p14:creationId xmlns:p14="http://schemas.microsoft.com/office/powerpoint/2010/main" val="3905705482"/>
+      </p:ext>
+    </p:extLst>
   </p:cSld>
   <p:clrMapOvr>
     <a:masterClrMapping/>
@@ -1487,11 +1592,11 @@
 </file>
 
 <file path=ppt/notesSlides/notesSlide9.xml><?xml version="1.0" encoding="utf-8"?>
-<p:notes xmlns:a="http://schemas.openxmlformats.org/drawingml/2006/main" xmlns:r="http://schemas.openxmlformats.org/officeDocument/2006/relationships" xmlns:mc="http://schemas.openxmlformats.org/markup-compatibility/2006" xmlns:mv="urn:schemas-microsoft-com:mac:vml" xmlns:p="http://schemas.openxmlformats.org/presentationml/2006/main" xmlns:c="http://schemas.openxmlformats.org/drawingml/2006/chart" xmlns:dgm="http://schemas.openxmlformats.org/drawingml/2006/diagram" xmlns:o="urn:schemas-microsoft-com:office:office" xmlns:v="urn:schemas-microsoft-com:vml" xmlns:pvml="urn:schemas-microsoft-com:office:powerpoint" xmlns:com="http://schemas.openxmlformats.org/drawingml/2006/compatibility" xmlns:p14="http://schemas.microsoft.com/office/powerpoint/2010/main" xmlns:p15="http://schemas.microsoft.com/office/powerpoint/2012/main" xmlns:ahyp="http://schemas.microsoft.com/office/drawing/2018/hyperlinkcolor" showMasterPhAnim="0" showMasterSp="0">
+<p:notes xmlns:a="http://schemas.openxmlformats.org/drawingml/2006/main" xmlns:r="http://schemas.openxmlformats.org/officeDocument/2006/relationships" xmlns:p="http://schemas.openxmlformats.org/presentationml/2006/main" showMasterSp="0" showMasterPhAnim="0">
   <p:cSld>
     <p:spTree>
       <p:nvGrpSpPr>
-        <p:cNvPr id="102" name="Shape 102"/>
+        <p:cNvPr id="1" name="Shape 102"/>
         <p:cNvGrpSpPr/>
         <p:nvPr/>
       </p:nvGrpSpPr>
@@ -1506,20 +1611,26 @@
       <p:sp>
         <p:nvSpPr>
           <p:cNvPr id="103" name="Google Shape;103;g1e0308d0939_0_42:notes"/>
-          <p:cNvSpPr/>
+          <p:cNvSpPr>
+            <a:spLocks noGrp="1" noRot="1" noChangeAspect="1"/>
+          </p:cNvSpPr>
           <p:nvPr>
-            <p:ph idx="2" type="sldImg"/>
+            <p:ph type="sldImg" idx="2"/>
           </p:nvPr>
         </p:nvSpPr>
         <p:spPr>
           <a:xfrm>
-            <a:off x="381300" y="685800"/>
+            <a:off x="381000" y="685800"/>
             <a:ext cx="6096000" cy="3429000"/>
           </a:xfrm>
           <a:custGeom>
-            <a:rect b="b" l="l" r="r" t="t"/>
+            <a:avLst/>
+            <a:gdLst/>
+            <a:ahLst/>
+            <a:cxnLst/>
+            <a:rect l="l" t="t" r="r" b="b"/>
             <a:pathLst>
-              <a:path extrusionOk="0" h="120000" w="120000">
+              <a:path w="120000" h="120000" extrusionOk="0">
                 <a:moveTo>
                   <a:pt x="0" y="0"/>
                 </a:moveTo>
@@ -1541,9 +1652,11 @@
       <p:sp>
         <p:nvSpPr>
           <p:cNvPr id="104" name="Google Shape;104;g1e0308d0939_0_42:notes"/>
-          <p:cNvSpPr txBox="1"/>
+          <p:cNvSpPr txBox="1">
+            <a:spLocks noGrp="1"/>
+          </p:cNvSpPr>
           <p:nvPr>
-            <p:ph idx="1" type="body"/>
+            <p:ph type="body" idx="1"/>
           </p:nvPr>
         </p:nvSpPr>
         <p:spPr>
@@ -1556,12 +1669,12 @@
           </a:prstGeom>
         </p:spPr>
         <p:txBody>
-          <a:bodyPr anchorCtr="0" anchor="t" bIns="91425" lIns="91425" spcFirstLastPara="1" rIns="91425" wrap="square" tIns="91425">
+          <a:bodyPr spcFirstLastPara="1" wrap="square" lIns="91425" tIns="91425" rIns="91425" bIns="91425" anchor="t" anchorCtr="0">
             <a:noAutofit/>
           </a:bodyPr>
           <a:lstStyle/>
           <a:p>
-            <a:pPr indent="0" lvl="0" marL="0" rtl="0" algn="l">
+            <a:pPr marL="0" lvl="0" indent="0" algn="l" rtl="0">
               <a:spcBef>
                 <a:spcPts val="0"/>
               </a:spcBef>
@@ -1570,14 +1683,16 @@
               </a:spcAft>
               <a:buNone/>
             </a:pPr>
-            <a:r>
-              <a:t/>
-            </a:r>
             <a:endParaRPr/>
           </a:p>
         </p:txBody>
       </p:sp>
     </p:spTree>
+    <p:extLst>
+      <p:ext uri="{BB962C8B-B14F-4D97-AF65-F5344CB8AC3E}">
+        <p14:creationId xmlns:p14="http://schemas.microsoft.com/office/powerpoint/2010/main" val="1177209255"/>
+      </p:ext>
+    </p:extLst>
   </p:cSld>
   <p:clrMapOvr>
     <a:masterClrMapping/>
@@ -1586,11 +1701,11 @@
 </file>
 
 <file path=ppt/slideLayouts/slideLayout1.xml><?xml version="1.0" encoding="utf-8"?>
-<p:sldLayout xmlns:a="http://schemas.openxmlformats.org/drawingml/2006/main" xmlns:r="http://schemas.openxmlformats.org/officeDocument/2006/relationships" xmlns:mc="http://schemas.openxmlformats.org/markup-compatibility/2006" xmlns:mv="urn:schemas-microsoft-com:mac:vml" xmlns:p="http://schemas.openxmlformats.org/presentationml/2006/main" xmlns:c="http://schemas.openxmlformats.org/drawingml/2006/chart" xmlns:dgm="http://schemas.openxmlformats.org/drawingml/2006/diagram" xmlns:o="urn:schemas-microsoft-com:office:office" xmlns:v="urn:schemas-microsoft-com:vml" xmlns:pvml="urn:schemas-microsoft-com:office:powerpoint" xmlns:com="http://schemas.openxmlformats.org/drawingml/2006/compatibility" xmlns:p14="http://schemas.microsoft.com/office/powerpoint/2010/main" xmlns:p15="http://schemas.microsoft.com/office/powerpoint/2012/main" xmlns:ahyp="http://schemas.microsoft.com/office/drawing/2018/hyperlinkcolor" matchingName="Title slide" type="title">
+<p:sldLayout xmlns:a="http://schemas.openxmlformats.org/drawingml/2006/main" xmlns:r="http://schemas.openxmlformats.org/officeDocument/2006/relationships" xmlns:p="http://schemas.openxmlformats.org/presentationml/2006/main" matchingName="Title slide" type="title">
   <p:cSld name="TITLE">
     <p:spTree>
       <p:nvGrpSpPr>
-        <p:cNvPr id="9" name="Shape 9"/>
+        <p:cNvPr id="1" name="Shape 9"/>
         <p:cNvGrpSpPr/>
         <p:nvPr/>
       </p:nvGrpSpPr>
@@ -1605,7 +1720,9 @@
       <p:sp>
         <p:nvSpPr>
           <p:cNvPr id="10" name="Google Shape;10;p2"/>
-          <p:cNvSpPr txBox="1"/>
+          <p:cNvSpPr txBox="1">
+            <a:spLocks noGrp="1"/>
+          </p:cNvSpPr>
           <p:nvPr>
             <p:ph type="ctrTitle"/>
           </p:nvPr>
@@ -1620,7 +1737,7 @@
           </a:prstGeom>
         </p:spPr>
         <p:txBody>
-          <a:bodyPr anchorCtr="0" anchor="b" bIns="91425" lIns="91425" spcFirstLastPara="1" rIns="91425" wrap="square" tIns="91425">
+          <a:bodyPr spcFirstLastPara="1" wrap="square" lIns="91425" tIns="91425" rIns="91425" bIns="91425" anchor="b" anchorCtr="0">
             <a:normAutofit/>
           </a:bodyPr>
           <a:lstStyle>
@@ -1724,15 +1841,19 @@
               <a:defRPr sz="5200"/>
             </a:lvl9pPr>
           </a:lstStyle>
-          <a:p/>
+          <a:p>
+            <a:endParaRPr/>
+          </a:p>
         </p:txBody>
       </p:sp>
       <p:sp>
         <p:nvSpPr>
           <p:cNvPr id="11" name="Google Shape;11;p2"/>
-          <p:cNvSpPr txBox="1"/>
+          <p:cNvSpPr txBox="1">
+            <a:spLocks noGrp="1"/>
+          </p:cNvSpPr>
           <p:nvPr>
-            <p:ph idx="1" type="subTitle"/>
+            <p:ph type="subTitle" idx="1"/>
           </p:nvPr>
         </p:nvSpPr>
         <p:spPr>
@@ -1745,7 +1866,7 @@
           </a:prstGeom>
         </p:spPr>
         <p:txBody>
-          <a:bodyPr anchorCtr="0" anchor="t" bIns="91425" lIns="91425" spcFirstLastPara="1" rIns="91425" wrap="square" tIns="91425">
+          <a:bodyPr spcFirstLastPara="1" wrap="square" lIns="91425" tIns="91425" rIns="91425" bIns="91425" anchor="t" anchorCtr="0">
             <a:normAutofit/>
           </a:bodyPr>
           <a:lstStyle>
@@ -1876,15 +1997,19 @@
               <a:defRPr sz="2800"/>
             </a:lvl9pPr>
           </a:lstStyle>
-          <a:p/>
+          <a:p>
+            <a:endParaRPr/>
+          </a:p>
         </p:txBody>
       </p:sp>
       <p:sp>
         <p:nvSpPr>
           <p:cNvPr id="12" name="Google Shape;12;p2"/>
-          <p:cNvSpPr txBox="1"/>
+          <p:cNvSpPr txBox="1">
+            <a:spLocks noGrp="1"/>
+          </p:cNvSpPr>
           <p:nvPr>
-            <p:ph idx="12" type="sldNum"/>
+            <p:ph type="sldNum" idx="12"/>
           </p:nvPr>
         </p:nvSpPr>
         <p:spPr>
@@ -1897,7 +2022,7 @@
           </a:prstGeom>
         </p:spPr>
         <p:txBody>
-          <a:bodyPr anchorCtr="0" anchor="ctr" bIns="91425" lIns="91425" spcFirstLastPara="1" rIns="91425" wrap="square" tIns="91425">
+          <a:bodyPr spcFirstLastPara="1" wrap="square" lIns="91425" tIns="91425" rIns="91425" bIns="91425" anchor="ctr" anchorCtr="0">
             <a:normAutofit/>
           </a:bodyPr>
           <a:lstStyle>
@@ -1939,7 +2064,7 @@
             </a:lvl9pPr>
           </a:lstStyle>
           <a:p>
-            <a:pPr indent="0" lvl="0" marL="0" rtl="0" algn="r">
+            <a:pPr marL="0" lvl="0" indent="0" algn="r" rtl="0">
               <a:spcBef>
                 <a:spcPts val="0"/>
               </a:spcBef>
@@ -1965,11 +2090,11 @@
 </file>
 
 <file path=ppt/slideLayouts/slideLayout10.xml><?xml version="1.0" encoding="utf-8"?>
-<p:sldLayout xmlns:a="http://schemas.openxmlformats.org/drawingml/2006/main" xmlns:r="http://schemas.openxmlformats.org/officeDocument/2006/relationships" xmlns:mc="http://schemas.openxmlformats.org/markup-compatibility/2006" xmlns:mv="urn:schemas-microsoft-com:mac:vml" xmlns:p="http://schemas.openxmlformats.org/presentationml/2006/main" xmlns:c="http://schemas.openxmlformats.org/drawingml/2006/chart" xmlns:dgm="http://schemas.openxmlformats.org/drawingml/2006/diagram" xmlns:o="urn:schemas-microsoft-com:office:office" xmlns:v="urn:schemas-microsoft-com:vml" xmlns:pvml="urn:schemas-microsoft-com:office:powerpoint" xmlns:com="http://schemas.openxmlformats.org/drawingml/2006/compatibility" xmlns:p14="http://schemas.microsoft.com/office/powerpoint/2010/main" xmlns:p15="http://schemas.microsoft.com/office/powerpoint/2012/main" xmlns:ahyp="http://schemas.microsoft.com/office/drawing/2018/hyperlinkcolor" matchingName="Big number">
+<p:sldLayout xmlns:a="http://schemas.openxmlformats.org/drawingml/2006/main" xmlns:r="http://schemas.openxmlformats.org/officeDocument/2006/relationships" xmlns:p="http://schemas.openxmlformats.org/presentationml/2006/main" matchingName="Big number">
   <p:cSld name="BIG_NUMBER">
     <p:spTree>
       <p:nvGrpSpPr>
-        <p:cNvPr id="44" name="Shape 44"/>
+        <p:cNvPr id="1" name="Shape 44"/>
         <p:cNvGrpSpPr/>
         <p:nvPr/>
       </p:nvGrpSpPr>
@@ -1984,9 +2109,11 @@
       <p:sp>
         <p:nvSpPr>
           <p:cNvPr id="45" name="Google Shape;45;p11"/>
-          <p:cNvSpPr txBox="1"/>
+          <p:cNvSpPr txBox="1">
+            <a:spLocks noGrp="1"/>
+          </p:cNvSpPr>
           <p:nvPr>
-            <p:ph hasCustomPrompt="1" type="title"/>
+            <p:ph type="title" hasCustomPrompt="1"/>
           </p:nvPr>
         </p:nvSpPr>
         <p:spPr>
@@ -1999,7 +2126,7 @@
           </a:prstGeom>
         </p:spPr>
         <p:txBody>
-          <a:bodyPr anchorCtr="0" anchor="b" bIns="91425" lIns="91425" spcFirstLastPara="1" rIns="91425" wrap="square" tIns="91425">
+          <a:bodyPr spcFirstLastPara="1" wrap="square" lIns="91425" tIns="91425" rIns="91425" bIns="91425" anchor="b" anchorCtr="0">
             <a:normAutofit/>
           </a:bodyPr>
           <a:lstStyle>
@@ -2113,9 +2240,11 @@
       <p:sp>
         <p:nvSpPr>
           <p:cNvPr id="46" name="Google Shape;46;p11"/>
-          <p:cNvSpPr txBox="1"/>
+          <p:cNvSpPr txBox="1">
+            <a:spLocks noGrp="1"/>
+          </p:cNvSpPr>
           <p:nvPr>
-            <p:ph idx="1" type="body"/>
+            <p:ph type="body" idx="1"/>
           </p:nvPr>
         </p:nvSpPr>
         <p:spPr>
@@ -2128,11 +2257,11 @@
           </a:prstGeom>
         </p:spPr>
         <p:txBody>
-          <a:bodyPr anchorCtr="0" anchor="t" bIns="91425" lIns="91425" spcFirstLastPara="1" rIns="91425" wrap="square" tIns="91425">
+          <a:bodyPr spcFirstLastPara="1" wrap="square" lIns="91425" tIns="91425" rIns="91425" bIns="91425" anchor="t" anchorCtr="0">
             <a:normAutofit/>
           </a:bodyPr>
           <a:lstStyle>
-            <a:lvl1pPr indent="-342900" lvl="0" marL="457200" algn="ctr">
+            <a:lvl1pPr marL="457200" lvl="0" indent="-342900" algn="ctr">
               <a:spcBef>
                 <a:spcPts val="0"/>
               </a:spcBef>
@@ -2143,7 +2272,7 @@
               <a:buChar char="●"/>
               <a:defRPr/>
             </a:lvl1pPr>
-            <a:lvl2pPr indent="-317500" lvl="1" marL="914400" algn="ctr">
+            <a:lvl2pPr marL="914400" lvl="1" indent="-317500" algn="ctr">
               <a:spcBef>
                 <a:spcPts val="0"/>
               </a:spcBef>
@@ -2154,7 +2283,7 @@
               <a:buChar char="○"/>
               <a:defRPr/>
             </a:lvl2pPr>
-            <a:lvl3pPr indent="-317500" lvl="2" marL="1371600" algn="ctr">
+            <a:lvl3pPr marL="1371600" lvl="2" indent="-317500" algn="ctr">
               <a:spcBef>
                 <a:spcPts val="0"/>
               </a:spcBef>
@@ -2165,7 +2294,7 @@
               <a:buChar char="■"/>
               <a:defRPr/>
             </a:lvl3pPr>
-            <a:lvl4pPr indent="-317500" lvl="3" marL="1828800" algn="ctr">
+            <a:lvl4pPr marL="1828800" lvl="3" indent="-317500" algn="ctr">
               <a:spcBef>
                 <a:spcPts val="0"/>
               </a:spcBef>
@@ -2176,7 +2305,7 @@
               <a:buChar char="●"/>
               <a:defRPr/>
             </a:lvl4pPr>
-            <a:lvl5pPr indent="-317500" lvl="4" marL="2286000" algn="ctr">
+            <a:lvl5pPr marL="2286000" lvl="4" indent="-317500" algn="ctr">
               <a:spcBef>
                 <a:spcPts val="0"/>
               </a:spcBef>
@@ -2187,7 +2316,7 @@
               <a:buChar char="○"/>
               <a:defRPr/>
             </a:lvl5pPr>
-            <a:lvl6pPr indent="-317500" lvl="5" marL="2743200" algn="ctr">
+            <a:lvl6pPr marL="2743200" lvl="5" indent="-317500" algn="ctr">
               <a:spcBef>
                 <a:spcPts val="0"/>
               </a:spcBef>
@@ -2198,7 +2327,7 @@
               <a:buChar char="■"/>
               <a:defRPr/>
             </a:lvl6pPr>
-            <a:lvl7pPr indent="-317500" lvl="6" marL="3200400" algn="ctr">
+            <a:lvl7pPr marL="3200400" lvl="6" indent="-317500" algn="ctr">
               <a:spcBef>
                 <a:spcPts val="0"/>
               </a:spcBef>
@@ -2209,7 +2338,7 @@
               <a:buChar char="●"/>
               <a:defRPr/>
             </a:lvl7pPr>
-            <a:lvl8pPr indent="-317500" lvl="7" marL="3657600" algn="ctr">
+            <a:lvl8pPr marL="3657600" lvl="7" indent="-317500" algn="ctr">
               <a:spcBef>
                 <a:spcPts val="0"/>
               </a:spcBef>
@@ -2220,7 +2349,7 @@
               <a:buChar char="○"/>
               <a:defRPr/>
             </a:lvl8pPr>
-            <a:lvl9pPr indent="-317500" lvl="8" marL="4114800" algn="ctr">
+            <a:lvl9pPr marL="4114800" lvl="8" indent="-317500" algn="ctr">
               <a:spcBef>
                 <a:spcPts val="0"/>
               </a:spcBef>
@@ -2232,15 +2361,19 @@
               <a:defRPr/>
             </a:lvl9pPr>
           </a:lstStyle>
-          <a:p/>
+          <a:p>
+            <a:endParaRPr/>
+          </a:p>
         </p:txBody>
       </p:sp>
       <p:sp>
         <p:nvSpPr>
           <p:cNvPr id="47" name="Google Shape;47;p11"/>
-          <p:cNvSpPr txBox="1"/>
+          <p:cNvSpPr txBox="1">
+            <a:spLocks noGrp="1"/>
+          </p:cNvSpPr>
           <p:nvPr>
-            <p:ph idx="12" type="sldNum"/>
+            <p:ph type="sldNum" idx="12"/>
           </p:nvPr>
         </p:nvSpPr>
         <p:spPr>
@@ -2253,7 +2386,7 @@
           </a:prstGeom>
         </p:spPr>
         <p:txBody>
-          <a:bodyPr anchorCtr="0" anchor="ctr" bIns="91425" lIns="91425" spcFirstLastPara="1" rIns="91425" wrap="square" tIns="91425">
+          <a:bodyPr spcFirstLastPara="1" wrap="square" lIns="91425" tIns="91425" rIns="91425" bIns="91425" anchor="ctr" anchorCtr="0">
             <a:normAutofit/>
           </a:bodyPr>
           <a:lstStyle>
@@ -2295,7 +2428,7 @@
             </a:lvl9pPr>
           </a:lstStyle>
           <a:p>
-            <a:pPr indent="0" lvl="0" marL="0" rtl="0" algn="r">
+            <a:pPr marL="0" lvl="0" indent="0" algn="r" rtl="0">
               <a:spcBef>
                 <a:spcPts val="0"/>
               </a:spcBef>
@@ -2321,11 +2454,11 @@
 </file>
 
 <file path=ppt/slideLayouts/slideLayout11.xml><?xml version="1.0" encoding="utf-8"?>
-<p:sldLayout xmlns:a="http://schemas.openxmlformats.org/drawingml/2006/main" xmlns:r="http://schemas.openxmlformats.org/officeDocument/2006/relationships" xmlns:mc="http://schemas.openxmlformats.org/markup-compatibility/2006" xmlns:mv="urn:schemas-microsoft-com:mac:vml" xmlns:p="http://schemas.openxmlformats.org/presentationml/2006/main" xmlns:c="http://schemas.openxmlformats.org/drawingml/2006/chart" xmlns:dgm="http://schemas.openxmlformats.org/drawingml/2006/diagram" xmlns:o="urn:schemas-microsoft-com:office:office" xmlns:v="urn:schemas-microsoft-com:vml" xmlns:pvml="urn:schemas-microsoft-com:office:powerpoint" xmlns:com="http://schemas.openxmlformats.org/drawingml/2006/compatibility" xmlns:p14="http://schemas.microsoft.com/office/powerpoint/2010/main" xmlns:p15="http://schemas.microsoft.com/office/powerpoint/2012/main" xmlns:ahyp="http://schemas.microsoft.com/office/drawing/2018/hyperlinkcolor" matchingName="Blank" type="blank">
+<p:sldLayout xmlns:a="http://schemas.openxmlformats.org/drawingml/2006/main" xmlns:r="http://schemas.openxmlformats.org/officeDocument/2006/relationships" xmlns:p="http://schemas.openxmlformats.org/presentationml/2006/main" matchingName="Blank" type="blank">
   <p:cSld name="BLANK">
     <p:spTree>
       <p:nvGrpSpPr>
-        <p:cNvPr id="48" name="Shape 48"/>
+        <p:cNvPr id="1" name="Shape 48"/>
         <p:cNvGrpSpPr/>
         <p:nvPr/>
       </p:nvGrpSpPr>
@@ -2340,9 +2473,11 @@
       <p:sp>
         <p:nvSpPr>
           <p:cNvPr id="49" name="Google Shape;49;p12"/>
-          <p:cNvSpPr txBox="1"/>
+          <p:cNvSpPr txBox="1">
+            <a:spLocks noGrp="1"/>
+          </p:cNvSpPr>
           <p:nvPr>
-            <p:ph idx="12" type="sldNum"/>
+            <p:ph type="sldNum" idx="12"/>
           </p:nvPr>
         </p:nvSpPr>
         <p:spPr>
@@ -2355,7 +2490,7 @@
           </a:prstGeom>
         </p:spPr>
         <p:txBody>
-          <a:bodyPr anchorCtr="0" anchor="ctr" bIns="91425" lIns="91425" spcFirstLastPara="1" rIns="91425" wrap="square" tIns="91425">
+          <a:bodyPr spcFirstLastPara="1" wrap="square" lIns="91425" tIns="91425" rIns="91425" bIns="91425" anchor="ctr" anchorCtr="0">
             <a:normAutofit/>
           </a:bodyPr>
           <a:lstStyle>
@@ -2397,7 +2532,7 @@
             </a:lvl9pPr>
           </a:lstStyle>
           <a:p>
-            <a:pPr indent="0" lvl="0" marL="0" rtl="0" algn="r">
+            <a:pPr marL="0" lvl="0" indent="0" algn="r" rtl="0">
               <a:spcBef>
                 <a:spcPts val="0"/>
               </a:spcBef>
@@ -2423,11 +2558,11 @@
 </file>
 
 <file path=ppt/slideLayouts/slideLayout2.xml><?xml version="1.0" encoding="utf-8"?>
-<p:sldLayout xmlns:a="http://schemas.openxmlformats.org/drawingml/2006/main" xmlns:r="http://schemas.openxmlformats.org/officeDocument/2006/relationships" xmlns:mc="http://schemas.openxmlformats.org/markup-compatibility/2006" xmlns:mv="urn:schemas-microsoft-com:mac:vml" xmlns:p="http://schemas.openxmlformats.org/presentationml/2006/main" xmlns:c="http://schemas.openxmlformats.org/drawingml/2006/chart" xmlns:dgm="http://schemas.openxmlformats.org/drawingml/2006/diagram" xmlns:o="urn:schemas-microsoft-com:office:office" xmlns:v="urn:schemas-microsoft-com:vml" xmlns:pvml="urn:schemas-microsoft-com:office:powerpoint" xmlns:com="http://schemas.openxmlformats.org/drawingml/2006/compatibility" xmlns:p14="http://schemas.microsoft.com/office/powerpoint/2010/main" xmlns:p15="http://schemas.microsoft.com/office/powerpoint/2012/main" xmlns:ahyp="http://schemas.microsoft.com/office/drawing/2018/hyperlinkcolor" matchingName="Section header" type="secHead">
+<p:sldLayout xmlns:a="http://schemas.openxmlformats.org/drawingml/2006/main" xmlns:r="http://schemas.openxmlformats.org/officeDocument/2006/relationships" xmlns:p="http://schemas.openxmlformats.org/presentationml/2006/main" matchingName="Section header" type="secHead">
   <p:cSld name="SECTION_HEADER">
     <p:spTree>
       <p:nvGrpSpPr>
-        <p:cNvPr id="13" name="Shape 13"/>
+        <p:cNvPr id="1" name="Shape 13"/>
         <p:cNvGrpSpPr/>
         <p:nvPr/>
       </p:nvGrpSpPr>
@@ -2442,7 +2577,9 @@
       <p:sp>
         <p:nvSpPr>
           <p:cNvPr id="14" name="Google Shape;14;p3"/>
-          <p:cNvSpPr txBox="1"/>
+          <p:cNvSpPr txBox="1">
+            <a:spLocks noGrp="1"/>
+          </p:cNvSpPr>
           <p:nvPr>
             <p:ph type="title"/>
           </p:nvPr>
@@ -2457,7 +2594,7 @@
           </a:prstGeom>
         </p:spPr>
         <p:txBody>
-          <a:bodyPr anchorCtr="0" anchor="ctr" bIns="91425" lIns="91425" spcFirstLastPara="1" rIns="91425" wrap="square" tIns="91425">
+          <a:bodyPr spcFirstLastPara="1" wrap="square" lIns="91425" tIns="91425" rIns="91425" bIns="91425" anchor="ctr" anchorCtr="0">
             <a:normAutofit/>
           </a:bodyPr>
           <a:lstStyle>
@@ -2561,15 +2698,19 @@
               <a:defRPr sz="3600"/>
             </a:lvl9pPr>
           </a:lstStyle>
-          <a:p/>
+          <a:p>
+            <a:endParaRPr/>
+          </a:p>
         </p:txBody>
       </p:sp>
       <p:sp>
         <p:nvSpPr>
           <p:cNvPr id="15" name="Google Shape;15;p3"/>
-          <p:cNvSpPr txBox="1"/>
+          <p:cNvSpPr txBox="1">
+            <a:spLocks noGrp="1"/>
+          </p:cNvSpPr>
           <p:nvPr>
-            <p:ph idx="12" type="sldNum"/>
+            <p:ph type="sldNum" idx="12"/>
           </p:nvPr>
         </p:nvSpPr>
         <p:spPr>
@@ -2582,7 +2723,7 @@
           </a:prstGeom>
         </p:spPr>
         <p:txBody>
-          <a:bodyPr anchorCtr="0" anchor="ctr" bIns="91425" lIns="91425" spcFirstLastPara="1" rIns="91425" wrap="square" tIns="91425">
+          <a:bodyPr spcFirstLastPara="1" wrap="square" lIns="91425" tIns="91425" rIns="91425" bIns="91425" anchor="ctr" anchorCtr="0">
             <a:normAutofit/>
           </a:bodyPr>
           <a:lstStyle>
@@ -2624,7 +2765,7 @@
             </a:lvl9pPr>
           </a:lstStyle>
           <a:p>
-            <a:pPr indent="0" lvl="0" marL="0" rtl="0" algn="r">
+            <a:pPr marL="0" lvl="0" indent="0" algn="r" rtl="0">
               <a:spcBef>
                 <a:spcPts val="0"/>
               </a:spcBef>
@@ -2650,11 +2791,11 @@
 </file>
 
 <file path=ppt/slideLayouts/slideLayout3.xml><?xml version="1.0" encoding="utf-8"?>
-<p:sldLayout xmlns:a="http://schemas.openxmlformats.org/drawingml/2006/main" xmlns:r="http://schemas.openxmlformats.org/officeDocument/2006/relationships" xmlns:mc="http://schemas.openxmlformats.org/markup-compatibility/2006" xmlns:mv="urn:schemas-microsoft-com:mac:vml" xmlns:p="http://schemas.openxmlformats.org/presentationml/2006/main" xmlns:c="http://schemas.openxmlformats.org/drawingml/2006/chart" xmlns:dgm="http://schemas.openxmlformats.org/drawingml/2006/diagram" xmlns:o="urn:schemas-microsoft-com:office:office" xmlns:v="urn:schemas-microsoft-com:vml" xmlns:pvml="urn:schemas-microsoft-com:office:powerpoint" xmlns:com="http://schemas.openxmlformats.org/drawingml/2006/compatibility" xmlns:p14="http://schemas.microsoft.com/office/powerpoint/2010/main" xmlns:p15="http://schemas.microsoft.com/office/powerpoint/2012/main" xmlns:ahyp="http://schemas.microsoft.com/office/drawing/2018/hyperlinkcolor" matchingName="Title and body" type="tx">
+<p:sldLayout xmlns:a="http://schemas.openxmlformats.org/drawingml/2006/main" xmlns:r="http://schemas.openxmlformats.org/officeDocument/2006/relationships" xmlns:p="http://schemas.openxmlformats.org/presentationml/2006/main" matchingName="Title and body" type="tx">
   <p:cSld name="TITLE_AND_BODY">
     <p:spTree>
       <p:nvGrpSpPr>
-        <p:cNvPr id="16" name="Shape 16"/>
+        <p:cNvPr id="1" name="Shape 16"/>
         <p:cNvGrpSpPr/>
         <p:nvPr/>
       </p:nvGrpSpPr>
@@ -2669,7 +2810,9 @@
       <p:sp>
         <p:nvSpPr>
           <p:cNvPr id="17" name="Google Shape;17;p4"/>
-          <p:cNvSpPr txBox="1"/>
+          <p:cNvSpPr txBox="1">
+            <a:spLocks noGrp="1"/>
+          </p:cNvSpPr>
           <p:nvPr>
             <p:ph type="title"/>
           </p:nvPr>
@@ -2684,7 +2827,7 @@
           </a:prstGeom>
         </p:spPr>
         <p:txBody>
-          <a:bodyPr anchorCtr="0" anchor="t" bIns="91425" lIns="91425" spcFirstLastPara="1" rIns="91425" wrap="square" tIns="91425">
+          <a:bodyPr spcFirstLastPara="1" wrap="square" lIns="91425" tIns="91425" rIns="91425" bIns="91425" anchor="t" anchorCtr="0">
             <a:normAutofit/>
           </a:bodyPr>
           <a:lstStyle>
@@ -2788,15 +2931,19 @@
               <a:defRPr/>
             </a:lvl9pPr>
           </a:lstStyle>
-          <a:p/>
+          <a:p>
+            <a:endParaRPr/>
+          </a:p>
         </p:txBody>
       </p:sp>
       <p:sp>
         <p:nvSpPr>
           <p:cNvPr id="18" name="Google Shape;18;p4"/>
-          <p:cNvSpPr txBox="1"/>
+          <p:cNvSpPr txBox="1">
+            <a:spLocks noGrp="1"/>
+          </p:cNvSpPr>
           <p:nvPr>
-            <p:ph idx="1" type="body"/>
+            <p:ph type="body" idx="1"/>
           </p:nvPr>
         </p:nvSpPr>
         <p:spPr>
@@ -2809,11 +2956,11 @@
           </a:prstGeom>
         </p:spPr>
         <p:txBody>
-          <a:bodyPr anchorCtr="0" anchor="t" bIns="91425" lIns="91425" spcFirstLastPara="1" rIns="91425" wrap="square" tIns="91425">
+          <a:bodyPr spcFirstLastPara="1" wrap="square" lIns="91425" tIns="91425" rIns="91425" bIns="91425" anchor="t" anchorCtr="0">
             <a:normAutofit/>
           </a:bodyPr>
           <a:lstStyle>
-            <a:lvl1pPr indent="-342900" lvl="0" marL="457200">
+            <a:lvl1pPr marL="457200" lvl="0" indent="-342900">
               <a:spcBef>
                 <a:spcPts val="0"/>
               </a:spcBef>
@@ -2824,7 +2971,7 @@
               <a:buChar char="●"/>
               <a:defRPr/>
             </a:lvl1pPr>
-            <a:lvl2pPr indent="-317500" lvl="1" marL="914400">
+            <a:lvl2pPr marL="914400" lvl="1" indent="-317500">
               <a:spcBef>
                 <a:spcPts val="0"/>
               </a:spcBef>
@@ -2835,7 +2982,7 @@
               <a:buChar char="○"/>
               <a:defRPr/>
             </a:lvl2pPr>
-            <a:lvl3pPr indent="-317500" lvl="2" marL="1371600">
+            <a:lvl3pPr marL="1371600" lvl="2" indent="-317500">
               <a:spcBef>
                 <a:spcPts val="0"/>
               </a:spcBef>
@@ -2846,7 +2993,7 @@
               <a:buChar char="■"/>
               <a:defRPr/>
             </a:lvl3pPr>
-            <a:lvl4pPr indent="-317500" lvl="3" marL="1828800">
+            <a:lvl4pPr marL="1828800" lvl="3" indent="-317500">
               <a:spcBef>
                 <a:spcPts val="0"/>
               </a:spcBef>
@@ -2857,7 +3004,7 @@
               <a:buChar char="●"/>
               <a:defRPr/>
             </a:lvl4pPr>
-            <a:lvl5pPr indent="-317500" lvl="4" marL="2286000">
+            <a:lvl5pPr marL="2286000" lvl="4" indent="-317500">
               <a:spcBef>
                 <a:spcPts val="0"/>
               </a:spcBef>
@@ -2868,7 +3015,7 @@
               <a:buChar char="○"/>
               <a:defRPr/>
             </a:lvl5pPr>
-            <a:lvl6pPr indent="-317500" lvl="5" marL="2743200">
+            <a:lvl6pPr marL="2743200" lvl="5" indent="-317500">
               <a:spcBef>
                 <a:spcPts val="0"/>
               </a:spcBef>
@@ -2879,7 +3026,7 @@
               <a:buChar char="■"/>
               <a:defRPr/>
             </a:lvl6pPr>
-            <a:lvl7pPr indent="-317500" lvl="6" marL="3200400">
+            <a:lvl7pPr marL="3200400" lvl="6" indent="-317500">
               <a:spcBef>
                 <a:spcPts val="0"/>
               </a:spcBef>
@@ -2890,7 +3037,7 @@
               <a:buChar char="●"/>
               <a:defRPr/>
             </a:lvl7pPr>
-            <a:lvl8pPr indent="-317500" lvl="7" marL="3657600">
+            <a:lvl8pPr marL="3657600" lvl="7" indent="-317500">
               <a:spcBef>
                 <a:spcPts val="0"/>
               </a:spcBef>
@@ -2901,7 +3048,7 @@
               <a:buChar char="○"/>
               <a:defRPr/>
             </a:lvl8pPr>
-            <a:lvl9pPr indent="-317500" lvl="8" marL="4114800">
+            <a:lvl9pPr marL="4114800" lvl="8" indent="-317500">
               <a:spcBef>
                 <a:spcPts val="0"/>
               </a:spcBef>
@@ -2913,15 +3060,19 @@
               <a:defRPr/>
             </a:lvl9pPr>
           </a:lstStyle>
-          <a:p/>
+          <a:p>
+            <a:endParaRPr/>
+          </a:p>
         </p:txBody>
       </p:sp>
       <p:sp>
         <p:nvSpPr>
           <p:cNvPr id="19" name="Google Shape;19;p4"/>
-          <p:cNvSpPr txBox="1"/>
+          <p:cNvSpPr txBox="1">
+            <a:spLocks noGrp="1"/>
+          </p:cNvSpPr>
           <p:nvPr>
-            <p:ph idx="12" type="sldNum"/>
+            <p:ph type="sldNum" idx="12"/>
           </p:nvPr>
         </p:nvSpPr>
         <p:spPr>
@@ -2934,7 +3085,7 @@
           </a:prstGeom>
         </p:spPr>
         <p:txBody>
-          <a:bodyPr anchorCtr="0" anchor="ctr" bIns="91425" lIns="91425" spcFirstLastPara="1" rIns="91425" wrap="square" tIns="91425">
+          <a:bodyPr spcFirstLastPara="1" wrap="square" lIns="91425" tIns="91425" rIns="91425" bIns="91425" anchor="ctr" anchorCtr="0">
             <a:normAutofit/>
           </a:bodyPr>
           <a:lstStyle>
@@ -2976,7 +3127,7 @@
             </a:lvl9pPr>
           </a:lstStyle>
           <a:p>
-            <a:pPr indent="0" lvl="0" marL="0" rtl="0" algn="r">
+            <a:pPr marL="0" lvl="0" indent="0" algn="r" rtl="0">
               <a:spcBef>
                 <a:spcPts val="0"/>
               </a:spcBef>
@@ -3002,11 +3153,11 @@
 </file>
 
 <file path=ppt/slideLayouts/slideLayout4.xml><?xml version="1.0" encoding="utf-8"?>
-<p:sldLayout xmlns:a="http://schemas.openxmlformats.org/drawingml/2006/main" xmlns:r="http://schemas.openxmlformats.org/officeDocument/2006/relationships" xmlns:mc="http://schemas.openxmlformats.org/markup-compatibility/2006" xmlns:mv="urn:schemas-microsoft-com:mac:vml" xmlns:p="http://schemas.openxmlformats.org/presentationml/2006/main" xmlns:c="http://schemas.openxmlformats.org/drawingml/2006/chart" xmlns:dgm="http://schemas.openxmlformats.org/drawingml/2006/diagram" xmlns:o="urn:schemas-microsoft-com:office:office" xmlns:v="urn:schemas-microsoft-com:vml" xmlns:pvml="urn:schemas-microsoft-com:office:powerpoint" xmlns:com="http://schemas.openxmlformats.org/drawingml/2006/compatibility" xmlns:p14="http://schemas.microsoft.com/office/powerpoint/2010/main" xmlns:p15="http://schemas.microsoft.com/office/powerpoint/2012/main" xmlns:ahyp="http://schemas.microsoft.com/office/drawing/2018/hyperlinkcolor" matchingName="Title and two columns" type="twoColTx">
+<p:sldLayout xmlns:a="http://schemas.openxmlformats.org/drawingml/2006/main" xmlns:r="http://schemas.openxmlformats.org/officeDocument/2006/relationships" xmlns:p="http://schemas.openxmlformats.org/presentationml/2006/main" matchingName="Title and two columns" type="twoColTx">
   <p:cSld name="TITLE_AND_TWO_COLUMNS">
     <p:spTree>
       <p:nvGrpSpPr>
-        <p:cNvPr id="20" name="Shape 20"/>
+        <p:cNvPr id="1" name="Shape 20"/>
         <p:cNvGrpSpPr/>
         <p:nvPr/>
       </p:nvGrpSpPr>
@@ -3021,7 +3172,9 @@
       <p:sp>
         <p:nvSpPr>
           <p:cNvPr id="21" name="Google Shape;21;p5"/>
-          <p:cNvSpPr txBox="1"/>
+          <p:cNvSpPr txBox="1">
+            <a:spLocks noGrp="1"/>
+          </p:cNvSpPr>
           <p:nvPr>
             <p:ph type="title"/>
           </p:nvPr>
@@ -3036,7 +3189,7 @@
           </a:prstGeom>
         </p:spPr>
         <p:txBody>
-          <a:bodyPr anchorCtr="0" anchor="t" bIns="91425" lIns="91425" spcFirstLastPara="1" rIns="91425" wrap="square" tIns="91425">
+          <a:bodyPr spcFirstLastPara="1" wrap="square" lIns="91425" tIns="91425" rIns="91425" bIns="91425" anchor="t" anchorCtr="0">
             <a:normAutofit/>
           </a:bodyPr>
           <a:lstStyle>
@@ -3140,15 +3293,19 @@
               <a:defRPr/>
             </a:lvl9pPr>
           </a:lstStyle>
-          <a:p/>
+          <a:p>
+            <a:endParaRPr/>
+          </a:p>
         </p:txBody>
       </p:sp>
       <p:sp>
         <p:nvSpPr>
           <p:cNvPr id="22" name="Google Shape;22;p5"/>
-          <p:cNvSpPr txBox="1"/>
+          <p:cNvSpPr txBox="1">
+            <a:spLocks noGrp="1"/>
+          </p:cNvSpPr>
           <p:nvPr>
-            <p:ph idx="1" type="body"/>
+            <p:ph type="body" idx="1"/>
           </p:nvPr>
         </p:nvSpPr>
         <p:spPr>
@@ -3161,11 +3318,11 @@
           </a:prstGeom>
         </p:spPr>
         <p:txBody>
-          <a:bodyPr anchorCtr="0" anchor="t" bIns="91425" lIns="91425" spcFirstLastPara="1" rIns="91425" wrap="square" tIns="91425">
+          <a:bodyPr spcFirstLastPara="1" wrap="square" lIns="91425" tIns="91425" rIns="91425" bIns="91425" anchor="t" anchorCtr="0">
             <a:normAutofit/>
           </a:bodyPr>
           <a:lstStyle>
-            <a:lvl1pPr indent="-317500" lvl="0" marL="457200">
+            <a:lvl1pPr marL="457200" lvl="0" indent="-317500">
               <a:spcBef>
                 <a:spcPts val="0"/>
               </a:spcBef>
@@ -3176,7 +3333,7 @@
               <a:buChar char="●"/>
               <a:defRPr sz="1400"/>
             </a:lvl1pPr>
-            <a:lvl2pPr indent="-304800" lvl="1" marL="914400">
+            <a:lvl2pPr marL="914400" lvl="1" indent="-304800">
               <a:spcBef>
                 <a:spcPts val="0"/>
               </a:spcBef>
@@ -3187,7 +3344,7 @@
               <a:buChar char="○"/>
               <a:defRPr sz="1200"/>
             </a:lvl2pPr>
-            <a:lvl3pPr indent="-304800" lvl="2" marL="1371600">
+            <a:lvl3pPr marL="1371600" lvl="2" indent="-304800">
               <a:spcBef>
                 <a:spcPts val="0"/>
               </a:spcBef>
@@ -3198,7 +3355,7 @@
               <a:buChar char="■"/>
               <a:defRPr sz="1200"/>
             </a:lvl3pPr>
-            <a:lvl4pPr indent="-304800" lvl="3" marL="1828800">
+            <a:lvl4pPr marL="1828800" lvl="3" indent="-304800">
               <a:spcBef>
                 <a:spcPts val="0"/>
               </a:spcBef>
@@ -3209,7 +3366,7 @@
               <a:buChar char="●"/>
               <a:defRPr sz="1200"/>
             </a:lvl4pPr>
-            <a:lvl5pPr indent="-304800" lvl="4" marL="2286000">
+            <a:lvl5pPr marL="2286000" lvl="4" indent="-304800">
               <a:spcBef>
                 <a:spcPts val="0"/>
               </a:spcBef>
@@ -3220,7 +3377,7 @@
               <a:buChar char="○"/>
               <a:defRPr sz="1200"/>
             </a:lvl5pPr>
-            <a:lvl6pPr indent="-304800" lvl="5" marL="2743200">
+            <a:lvl6pPr marL="2743200" lvl="5" indent="-304800">
               <a:spcBef>
                 <a:spcPts val="0"/>
               </a:spcBef>
@@ -3231,7 +3388,7 @@
               <a:buChar char="■"/>
               <a:defRPr sz="1200"/>
             </a:lvl6pPr>
-            <a:lvl7pPr indent="-304800" lvl="6" marL="3200400">
+            <a:lvl7pPr marL="3200400" lvl="6" indent="-304800">
               <a:spcBef>
                 <a:spcPts val="0"/>
               </a:spcBef>
@@ -3242,7 +3399,7 @@
               <a:buChar char="●"/>
               <a:defRPr sz="1200"/>
             </a:lvl7pPr>
-            <a:lvl8pPr indent="-304800" lvl="7" marL="3657600">
+            <a:lvl8pPr marL="3657600" lvl="7" indent="-304800">
               <a:spcBef>
                 <a:spcPts val="0"/>
               </a:spcBef>
@@ -3253,7 +3410,7 @@
               <a:buChar char="○"/>
               <a:defRPr sz="1200"/>
             </a:lvl8pPr>
-            <a:lvl9pPr indent="-304800" lvl="8" marL="4114800">
+            <a:lvl9pPr marL="4114800" lvl="8" indent="-304800">
               <a:spcBef>
                 <a:spcPts val="0"/>
               </a:spcBef>
@@ -3265,15 +3422,19 @@
               <a:defRPr sz="1200"/>
             </a:lvl9pPr>
           </a:lstStyle>
-          <a:p/>
+          <a:p>
+            <a:endParaRPr/>
+          </a:p>
         </p:txBody>
       </p:sp>
       <p:sp>
         <p:nvSpPr>
           <p:cNvPr id="23" name="Google Shape;23;p5"/>
-          <p:cNvSpPr txBox="1"/>
+          <p:cNvSpPr txBox="1">
+            <a:spLocks noGrp="1"/>
+          </p:cNvSpPr>
           <p:nvPr>
-            <p:ph idx="2" type="body"/>
+            <p:ph type="body" idx="2"/>
           </p:nvPr>
         </p:nvSpPr>
         <p:spPr>
@@ -3286,11 +3447,11 @@
           </a:prstGeom>
         </p:spPr>
         <p:txBody>
-          <a:bodyPr anchorCtr="0" anchor="t" bIns="91425" lIns="91425" spcFirstLastPara="1" rIns="91425" wrap="square" tIns="91425">
+          <a:bodyPr spcFirstLastPara="1" wrap="square" lIns="91425" tIns="91425" rIns="91425" bIns="91425" anchor="t" anchorCtr="0">
             <a:normAutofit/>
           </a:bodyPr>
           <a:lstStyle>
-            <a:lvl1pPr indent="-317500" lvl="0" marL="457200">
+            <a:lvl1pPr marL="457200" lvl="0" indent="-317500">
               <a:spcBef>
                 <a:spcPts val="0"/>
               </a:spcBef>
@@ -3301,7 +3462,7 @@
               <a:buChar char="●"/>
               <a:defRPr sz="1400"/>
             </a:lvl1pPr>
-            <a:lvl2pPr indent="-304800" lvl="1" marL="914400">
+            <a:lvl2pPr marL="914400" lvl="1" indent="-304800">
               <a:spcBef>
                 <a:spcPts val="0"/>
               </a:spcBef>
@@ -3312,7 +3473,7 @@
               <a:buChar char="○"/>
               <a:defRPr sz="1200"/>
             </a:lvl2pPr>
-            <a:lvl3pPr indent="-304800" lvl="2" marL="1371600">
+            <a:lvl3pPr marL="1371600" lvl="2" indent="-304800">
               <a:spcBef>
                 <a:spcPts val="0"/>
               </a:spcBef>
@@ -3323,7 +3484,7 @@
               <a:buChar char="■"/>
               <a:defRPr sz="1200"/>
             </a:lvl3pPr>
-            <a:lvl4pPr indent="-304800" lvl="3" marL="1828800">
+            <a:lvl4pPr marL="1828800" lvl="3" indent="-304800">
               <a:spcBef>
                 <a:spcPts val="0"/>
               </a:spcBef>
@@ -3334,7 +3495,7 @@
               <a:buChar char="●"/>
               <a:defRPr sz="1200"/>
             </a:lvl4pPr>
-            <a:lvl5pPr indent="-304800" lvl="4" marL="2286000">
+            <a:lvl5pPr marL="2286000" lvl="4" indent="-304800">
               <a:spcBef>
                 <a:spcPts val="0"/>
               </a:spcBef>
@@ -3345,7 +3506,7 @@
               <a:buChar char="○"/>
               <a:defRPr sz="1200"/>
             </a:lvl5pPr>
-            <a:lvl6pPr indent="-304800" lvl="5" marL="2743200">
+            <a:lvl6pPr marL="2743200" lvl="5" indent="-304800">
               <a:spcBef>
                 <a:spcPts val="0"/>
               </a:spcBef>
@@ -3356,7 +3517,7 @@
               <a:buChar char="■"/>
               <a:defRPr sz="1200"/>
             </a:lvl6pPr>
-            <a:lvl7pPr indent="-304800" lvl="6" marL="3200400">
+            <a:lvl7pPr marL="3200400" lvl="6" indent="-304800">
               <a:spcBef>
                 <a:spcPts val="0"/>
               </a:spcBef>
@@ -3367,7 +3528,7 @@
               <a:buChar char="●"/>
               <a:defRPr sz="1200"/>
             </a:lvl7pPr>
-            <a:lvl8pPr indent="-304800" lvl="7" marL="3657600">
+            <a:lvl8pPr marL="3657600" lvl="7" indent="-304800">
               <a:spcBef>
                 <a:spcPts val="0"/>
               </a:spcBef>
@@ -3378,7 +3539,7 @@
               <a:buChar char="○"/>
               <a:defRPr sz="1200"/>
             </a:lvl8pPr>
-            <a:lvl9pPr indent="-304800" lvl="8" marL="4114800">
+            <a:lvl9pPr marL="4114800" lvl="8" indent="-304800">
               <a:spcBef>
                 <a:spcPts val="0"/>
               </a:spcBef>
@@ -3390,15 +3551,19 @@
               <a:defRPr sz="1200"/>
             </a:lvl9pPr>
           </a:lstStyle>
-          <a:p/>
+          <a:p>
+            <a:endParaRPr/>
+          </a:p>
         </p:txBody>
       </p:sp>
       <p:sp>
         <p:nvSpPr>
           <p:cNvPr id="24" name="Google Shape;24;p5"/>
-          <p:cNvSpPr txBox="1"/>
+          <p:cNvSpPr txBox="1">
+            <a:spLocks noGrp="1"/>
+          </p:cNvSpPr>
           <p:nvPr>
-            <p:ph idx="12" type="sldNum"/>
+            <p:ph type="sldNum" idx="12"/>
           </p:nvPr>
         </p:nvSpPr>
         <p:spPr>
@@ -3411,7 +3576,7 @@
           </a:prstGeom>
         </p:spPr>
         <p:txBody>
-          <a:bodyPr anchorCtr="0" anchor="ctr" bIns="91425" lIns="91425" spcFirstLastPara="1" rIns="91425" wrap="square" tIns="91425">
+          <a:bodyPr spcFirstLastPara="1" wrap="square" lIns="91425" tIns="91425" rIns="91425" bIns="91425" anchor="ctr" anchorCtr="0">
             <a:normAutofit/>
           </a:bodyPr>
           <a:lstStyle>
@@ -3453,7 +3618,7 @@
             </a:lvl9pPr>
           </a:lstStyle>
           <a:p>
-            <a:pPr indent="0" lvl="0" marL="0" rtl="0" algn="r">
+            <a:pPr marL="0" lvl="0" indent="0" algn="r" rtl="0">
               <a:spcBef>
                 <a:spcPts val="0"/>
               </a:spcBef>
@@ -3479,11 +3644,11 @@
 </file>
 
 <file path=ppt/slideLayouts/slideLayout5.xml><?xml version="1.0" encoding="utf-8"?>
-<p:sldLayout xmlns:a="http://schemas.openxmlformats.org/drawingml/2006/main" xmlns:r="http://schemas.openxmlformats.org/officeDocument/2006/relationships" xmlns:mc="http://schemas.openxmlformats.org/markup-compatibility/2006" xmlns:mv="urn:schemas-microsoft-com:mac:vml" xmlns:p="http://schemas.openxmlformats.org/presentationml/2006/main" xmlns:c="http://schemas.openxmlformats.org/drawingml/2006/chart" xmlns:dgm="http://schemas.openxmlformats.org/drawingml/2006/diagram" xmlns:o="urn:schemas-microsoft-com:office:office" xmlns:v="urn:schemas-microsoft-com:vml" xmlns:pvml="urn:schemas-microsoft-com:office:powerpoint" xmlns:com="http://schemas.openxmlformats.org/drawingml/2006/compatibility" xmlns:p14="http://schemas.microsoft.com/office/powerpoint/2010/main" xmlns:p15="http://schemas.microsoft.com/office/powerpoint/2012/main" xmlns:ahyp="http://schemas.microsoft.com/office/drawing/2018/hyperlinkcolor" matchingName="Title only" type="titleOnly">
+<p:sldLayout xmlns:a="http://schemas.openxmlformats.org/drawingml/2006/main" xmlns:r="http://schemas.openxmlformats.org/officeDocument/2006/relationships" xmlns:p="http://schemas.openxmlformats.org/presentationml/2006/main" matchingName="Title only" type="titleOnly">
   <p:cSld name="TITLE_ONLY">
     <p:spTree>
       <p:nvGrpSpPr>
-        <p:cNvPr id="25" name="Shape 25"/>
+        <p:cNvPr id="1" name="Shape 25"/>
         <p:cNvGrpSpPr/>
         <p:nvPr/>
       </p:nvGrpSpPr>
@@ -3498,7 +3663,9 @@
       <p:sp>
         <p:nvSpPr>
           <p:cNvPr id="26" name="Google Shape;26;p6"/>
-          <p:cNvSpPr txBox="1"/>
+          <p:cNvSpPr txBox="1">
+            <a:spLocks noGrp="1"/>
+          </p:cNvSpPr>
           <p:nvPr>
             <p:ph type="title"/>
           </p:nvPr>
@@ -3513,7 +3680,7 @@
           </a:prstGeom>
         </p:spPr>
         <p:txBody>
-          <a:bodyPr anchorCtr="0" anchor="t" bIns="91425" lIns="91425" spcFirstLastPara="1" rIns="91425" wrap="square" tIns="91425">
+          <a:bodyPr spcFirstLastPara="1" wrap="square" lIns="91425" tIns="91425" rIns="91425" bIns="91425" anchor="t" anchorCtr="0">
             <a:normAutofit/>
           </a:bodyPr>
           <a:lstStyle>
@@ -3617,15 +3784,19 @@
               <a:defRPr/>
             </a:lvl9pPr>
           </a:lstStyle>
-          <a:p/>
+          <a:p>
+            <a:endParaRPr/>
+          </a:p>
         </p:txBody>
       </p:sp>
       <p:sp>
         <p:nvSpPr>
           <p:cNvPr id="27" name="Google Shape;27;p6"/>
-          <p:cNvSpPr txBox="1"/>
+          <p:cNvSpPr txBox="1">
+            <a:spLocks noGrp="1"/>
+          </p:cNvSpPr>
           <p:nvPr>
-            <p:ph idx="12" type="sldNum"/>
+            <p:ph type="sldNum" idx="12"/>
           </p:nvPr>
         </p:nvSpPr>
         <p:spPr>
@@ -3638,7 +3809,7 @@
           </a:prstGeom>
         </p:spPr>
         <p:txBody>
-          <a:bodyPr anchorCtr="0" anchor="ctr" bIns="91425" lIns="91425" spcFirstLastPara="1" rIns="91425" wrap="square" tIns="91425">
+          <a:bodyPr spcFirstLastPara="1" wrap="square" lIns="91425" tIns="91425" rIns="91425" bIns="91425" anchor="ctr" anchorCtr="0">
             <a:normAutofit/>
           </a:bodyPr>
           <a:lstStyle>
@@ -3680,7 +3851,7 @@
             </a:lvl9pPr>
           </a:lstStyle>
           <a:p>
-            <a:pPr indent="0" lvl="0" marL="0" rtl="0" algn="r">
+            <a:pPr marL="0" lvl="0" indent="0" algn="r" rtl="0">
               <a:spcBef>
                 <a:spcPts val="0"/>
               </a:spcBef>
@@ -3706,11 +3877,11 @@
 </file>
 
 <file path=ppt/slideLayouts/slideLayout6.xml><?xml version="1.0" encoding="utf-8"?>
-<p:sldLayout xmlns:a="http://schemas.openxmlformats.org/drawingml/2006/main" xmlns:r="http://schemas.openxmlformats.org/officeDocument/2006/relationships" xmlns:mc="http://schemas.openxmlformats.org/markup-compatibility/2006" xmlns:mv="urn:schemas-microsoft-com:mac:vml" xmlns:p="http://schemas.openxmlformats.org/presentationml/2006/main" xmlns:c="http://schemas.openxmlformats.org/drawingml/2006/chart" xmlns:dgm="http://schemas.openxmlformats.org/drawingml/2006/diagram" xmlns:o="urn:schemas-microsoft-com:office:office" xmlns:v="urn:schemas-microsoft-com:vml" xmlns:pvml="urn:schemas-microsoft-com:office:powerpoint" xmlns:com="http://schemas.openxmlformats.org/drawingml/2006/compatibility" xmlns:p14="http://schemas.microsoft.com/office/powerpoint/2010/main" xmlns:p15="http://schemas.microsoft.com/office/powerpoint/2012/main" xmlns:ahyp="http://schemas.microsoft.com/office/drawing/2018/hyperlinkcolor" matchingName="One column text">
+<p:sldLayout xmlns:a="http://schemas.openxmlformats.org/drawingml/2006/main" xmlns:r="http://schemas.openxmlformats.org/officeDocument/2006/relationships" xmlns:p="http://schemas.openxmlformats.org/presentationml/2006/main" matchingName="One column text">
   <p:cSld name="ONE_COLUMN_TEXT">
     <p:spTree>
       <p:nvGrpSpPr>
-        <p:cNvPr id="28" name="Shape 28"/>
+        <p:cNvPr id="1" name="Shape 28"/>
         <p:cNvGrpSpPr/>
         <p:nvPr/>
       </p:nvGrpSpPr>
@@ -3725,7 +3896,9 @@
       <p:sp>
         <p:nvSpPr>
           <p:cNvPr id="29" name="Google Shape;29;p7"/>
-          <p:cNvSpPr txBox="1"/>
+          <p:cNvSpPr txBox="1">
+            <a:spLocks noGrp="1"/>
+          </p:cNvSpPr>
           <p:nvPr>
             <p:ph type="title"/>
           </p:nvPr>
@@ -3740,7 +3913,7 @@
           </a:prstGeom>
         </p:spPr>
         <p:txBody>
-          <a:bodyPr anchorCtr="0" anchor="b" bIns="91425" lIns="91425" spcFirstLastPara="1" rIns="91425" wrap="square" tIns="91425">
+          <a:bodyPr spcFirstLastPara="1" wrap="square" lIns="91425" tIns="91425" rIns="91425" bIns="91425" anchor="b" anchorCtr="0">
             <a:normAutofit/>
           </a:bodyPr>
           <a:lstStyle>
@@ -3844,15 +4017,19 @@
               <a:defRPr sz="2400"/>
             </a:lvl9pPr>
           </a:lstStyle>
-          <a:p/>
+          <a:p>
+            <a:endParaRPr/>
+          </a:p>
         </p:txBody>
       </p:sp>
       <p:sp>
         <p:nvSpPr>
           <p:cNvPr id="30" name="Google Shape;30;p7"/>
-          <p:cNvSpPr txBox="1"/>
+          <p:cNvSpPr txBox="1">
+            <a:spLocks noGrp="1"/>
+          </p:cNvSpPr>
           <p:nvPr>
-            <p:ph idx="1" type="body"/>
+            <p:ph type="body" idx="1"/>
           </p:nvPr>
         </p:nvSpPr>
         <p:spPr>
@@ -3865,11 +4042,11 @@
           </a:prstGeom>
         </p:spPr>
         <p:txBody>
-          <a:bodyPr anchorCtr="0" anchor="t" bIns="91425" lIns="91425" spcFirstLastPara="1" rIns="91425" wrap="square" tIns="91425">
+          <a:bodyPr spcFirstLastPara="1" wrap="square" lIns="91425" tIns="91425" rIns="91425" bIns="91425" anchor="t" anchorCtr="0">
             <a:normAutofit/>
           </a:bodyPr>
           <a:lstStyle>
-            <a:lvl1pPr indent="-304800" lvl="0" marL="457200">
+            <a:lvl1pPr marL="457200" lvl="0" indent="-304800">
               <a:spcBef>
                 <a:spcPts val="0"/>
               </a:spcBef>
@@ -3880,7 +4057,7 @@
               <a:buChar char="●"/>
               <a:defRPr sz="1200"/>
             </a:lvl1pPr>
-            <a:lvl2pPr indent="-304800" lvl="1" marL="914400">
+            <a:lvl2pPr marL="914400" lvl="1" indent="-304800">
               <a:spcBef>
                 <a:spcPts val="0"/>
               </a:spcBef>
@@ -3891,7 +4068,7 @@
               <a:buChar char="○"/>
               <a:defRPr sz="1200"/>
             </a:lvl2pPr>
-            <a:lvl3pPr indent="-304800" lvl="2" marL="1371600">
+            <a:lvl3pPr marL="1371600" lvl="2" indent="-304800">
               <a:spcBef>
                 <a:spcPts val="0"/>
               </a:spcBef>
@@ -3902,7 +4079,7 @@
               <a:buChar char="■"/>
               <a:defRPr sz="1200"/>
             </a:lvl3pPr>
-            <a:lvl4pPr indent="-304800" lvl="3" marL="1828800">
+            <a:lvl4pPr marL="1828800" lvl="3" indent="-304800">
               <a:spcBef>
                 <a:spcPts val="0"/>
               </a:spcBef>
@@ -3913,7 +4090,7 @@
               <a:buChar char="●"/>
               <a:defRPr sz="1200"/>
             </a:lvl4pPr>
-            <a:lvl5pPr indent="-304800" lvl="4" marL="2286000">
+            <a:lvl5pPr marL="2286000" lvl="4" indent="-304800">
               <a:spcBef>
                 <a:spcPts val="0"/>
               </a:spcBef>
@@ -3924,7 +4101,7 @@
               <a:buChar char="○"/>
               <a:defRPr sz="1200"/>
             </a:lvl5pPr>
-            <a:lvl6pPr indent="-304800" lvl="5" marL="2743200">
+            <a:lvl6pPr marL="2743200" lvl="5" indent="-304800">
               <a:spcBef>
                 <a:spcPts val="0"/>
               </a:spcBef>
@@ -3935,7 +4112,7 @@
               <a:buChar char="■"/>
               <a:defRPr sz="1200"/>
             </a:lvl6pPr>
-            <a:lvl7pPr indent="-304800" lvl="6" marL="3200400">
+            <a:lvl7pPr marL="3200400" lvl="6" indent="-304800">
               <a:spcBef>
                 <a:spcPts val="0"/>
               </a:spcBef>
@@ -3946,7 +4123,7 @@
               <a:buChar char="●"/>
               <a:defRPr sz="1200"/>
             </a:lvl7pPr>
-            <a:lvl8pPr indent="-304800" lvl="7" marL="3657600">
+            <a:lvl8pPr marL="3657600" lvl="7" indent="-304800">
               <a:spcBef>
                 <a:spcPts val="0"/>
               </a:spcBef>
@@ -3957,7 +4134,7 @@
               <a:buChar char="○"/>
               <a:defRPr sz="1200"/>
             </a:lvl8pPr>
-            <a:lvl9pPr indent="-304800" lvl="8" marL="4114800">
+            <a:lvl9pPr marL="4114800" lvl="8" indent="-304800">
               <a:spcBef>
                 <a:spcPts val="0"/>
               </a:spcBef>
@@ -3969,15 +4146,19 @@
               <a:defRPr sz="1200"/>
             </a:lvl9pPr>
           </a:lstStyle>
-          <a:p/>
+          <a:p>
+            <a:endParaRPr/>
+          </a:p>
         </p:txBody>
       </p:sp>
       <p:sp>
         <p:nvSpPr>
           <p:cNvPr id="31" name="Google Shape;31;p7"/>
-          <p:cNvSpPr txBox="1"/>
+          <p:cNvSpPr txBox="1">
+            <a:spLocks noGrp="1"/>
+          </p:cNvSpPr>
           <p:nvPr>
-            <p:ph idx="12" type="sldNum"/>
+            <p:ph type="sldNum" idx="12"/>
           </p:nvPr>
         </p:nvSpPr>
         <p:spPr>
@@ -3990,7 +4171,7 @@
           </a:prstGeom>
         </p:spPr>
         <p:txBody>
-          <a:bodyPr anchorCtr="0" anchor="ctr" bIns="91425" lIns="91425" spcFirstLastPara="1" rIns="91425" wrap="square" tIns="91425">
+          <a:bodyPr spcFirstLastPara="1" wrap="square" lIns="91425" tIns="91425" rIns="91425" bIns="91425" anchor="ctr" anchorCtr="0">
             <a:normAutofit/>
           </a:bodyPr>
           <a:lstStyle>
@@ -4032,7 +4213,7 @@
             </a:lvl9pPr>
           </a:lstStyle>
           <a:p>
-            <a:pPr indent="0" lvl="0" marL="0" rtl="0" algn="r">
+            <a:pPr marL="0" lvl="0" indent="0" algn="r" rtl="0">
               <a:spcBef>
                 <a:spcPts val="0"/>
               </a:spcBef>
@@ -4058,11 +4239,11 @@
 </file>
 
 <file path=ppt/slideLayouts/slideLayout7.xml><?xml version="1.0" encoding="utf-8"?>
-<p:sldLayout xmlns:a="http://schemas.openxmlformats.org/drawingml/2006/main" xmlns:r="http://schemas.openxmlformats.org/officeDocument/2006/relationships" xmlns:mc="http://schemas.openxmlformats.org/markup-compatibility/2006" xmlns:mv="urn:schemas-microsoft-com:mac:vml" xmlns:p="http://schemas.openxmlformats.org/presentationml/2006/main" xmlns:c="http://schemas.openxmlformats.org/drawingml/2006/chart" xmlns:dgm="http://schemas.openxmlformats.org/drawingml/2006/diagram" xmlns:o="urn:schemas-microsoft-com:office:office" xmlns:v="urn:schemas-microsoft-com:vml" xmlns:pvml="urn:schemas-microsoft-com:office:powerpoint" xmlns:com="http://schemas.openxmlformats.org/drawingml/2006/compatibility" xmlns:p14="http://schemas.microsoft.com/office/powerpoint/2010/main" xmlns:p15="http://schemas.microsoft.com/office/powerpoint/2012/main" xmlns:ahyp="http://schemas.microsoft.com/office/drawing/2018/hyperlinkcolor" matchingName="Main point">
+<p:sldLayout xmlns:a="http://schemas.openxmlformats.org/drawingml/2006/main" xmlns:r="http://schemas.openxmlformats.org/officeDocument/2006/relationships" xmlns:p="http://schemas.openxmlformats.org/presentationml/2006/main" matchingName="Main point">
   <p:cSld name="MAIN_POINT">
     <p:spTree>
       <p:nvGrpSpPr>
-        <p:cNvPr id="32" name="Shape 32"/>
+        <p:cNvPr id="1" name="Shape 32"/>
         <p:cNvGrpSpPr/>
         <p:nvPr/>
       </p:nvGrpSpPr>
@@ -4077,7 +4258,9 @@
       <p:sp>
         <p:nvSpPr>
           <p:cNvPr id="33" name="Google Shape;33;p8"/>
-          <p:cNvSpPr txBox="1"/>
+          <p:cNvSpPr txBox="1">
+            <a:spLocks noGrp="1"/>
+          </p:cNvSpPr>
           <p:nvPr>
             <p:ph type="title"/>
           </p:nvPr>
@@ -4092,7 +4275,7 @@
           </a:prstGeom>
         </p:spPr>
         <p:txBody>
-          <a:bodyPr anchorCtr="0" anchor="ctr" bIns="91425" lIns="91425" spcFirstLastPara="1" rIns="91425" wrap="square" tIns="91425">
+          <a:bodyPr spcFirstLastPara="1" wrap="square" lIns="91425" tIns="91425" rIns="91425" bIns="91425" anchor="ctr" anchorCtr="0">
             <a:normAutofit/>
           </a:bodyPr>
           <a:lstStyle>
@@ -4196,15 +4379,19 @@
               <a:defRPr sz="4800"/>
             </a:lvl9pPr>
           </a:lstStyle>
-          <a:p/>
+          <a:p>
+            <a:endParaRPr/>
+          </a:p>
         </p:txBody>
       </p:sp>
       <p:sp>
         <p:nvSpPr>
           <p:cNvPr id="34" name="Google Shape;34;p8"/>
-          <p:cNvSpPr txBox="1"/>
+          <p:cNvSpPr txBox="1">
+            <a:spLocks noGrp="1"/>
+          </p:cNvSpPr>
           <p:nvPr>
-            <p:ph idx="12" type="sldNum"/>
+            <p:ph type="sldNum" idx="12"/>
           </p:nvPr>
         </p:nvSpPr>
         <p:spPr>
@@ -4217,7 +4404,7 @@
           </a:prstGeom>
         </p:spPr>
         <p:txBody>
-          <a:bodyPr anchorCtr="0" anchor="ctr" bIns="91425" lIns="91425" spcFirstLastPara="1" rIns="91425" wrap="square" tIns="91425">
+          <a:bodyPr spcFirstLastPara="1" wrap="square" lIns="91425" tIns="91425" rIns="91425" bIns="91425" anchor="ctr" anchorCtr="0">
             <a:normAutofit/>
           </a:bodyPr>
           <a:lstStyle>
@@ -4259,7 +4446,7 @@
             </a:lvl9pPr>
           </a:lstStyle>
           <a:p>
-            <a:pPr indent="0" lvl="0" marL="0" rtl="0" algn="r">
+            <a:pPr marL="0" lvl="0" indent="0" algn="r" rtl="0">
               <a:spcBef>
                 <a:spcPts val="0"/>
               </a:spcBef>
@@ -4285,11 +4472,11 @@
 </file>
 
 <file path=ppt/slideLayouts/slideLayout8.xml><?xml version="1.0" encoding="utf-8"?>
-<p:sldLayout xmlns:a="http://schemas.openxmlformats.org/drawingml/2006/main" xmlns:r="http://schemas.openxmlformats.org/officeDocument/2006/relationships" xmlns:mc="http://schemas.openxmlformats.org/markup-compatibility/2006" xmlns:mv="urn:schemas-microsoft-com:mac:vml" xmlns:p="http://schemas.openxmlformats.org/presentationml/2006/main" xmlns:c="http://schemas.openxmlformats.org/drawingml/2006/chart" xmlns:dgm="http://schemas.openxmlformats.org/drawingml/2006/diagram" xmlns:o="urn:schemas-microsoft-com:office:office" xmlns:v="urn:schemas-microsoft-com:vml" xmlns:pvml="urn:schemas-microsoft-com:office:powerpoint" xmlns:com="http://schemas.openxmlformats.org/drawingml/2006/compatibility" xmlns:p14="http://schemas.microsoft.com/office/powerpoint/2010/main" xmlns:p15="http://schemas.microsoft.com/office/powerpoint/2012/main" xmlns:ahyp="http://schemas.microsoft.com/office/drawing/2018/hyperlinkcolor" matchingName="Section title and description">
+<p:sldLayout xmlns:a="http://schemas.openxmlformats.org/drawingml/2006/main" xmlns:r="http://schemas.openxmlformats.org/officeDocument/2006/relationships" xmlns:p="http://schemas.openxmlformats.org/presentationml/2006/main" matchingName="Section title and description">
   <p:cSld name="SECTION_TITLE_AND_DESCRIPTION">
     <p:spTree>
       <p:nvGrpSpPr>
-        <p:cNvPr id="35" name="Shape 35"/>
+        <p:cNvPr id="1" name="Shape 35"/>
         <p:cNvGrpSpPr/>
         <p:nvPr/>
       </p:nvGrpSpPr>
@@ -4323,12 +4510,12 @@
           </a:ln>
         </p:spPr>
         <p:txBody>
-          <a:bodyPr anchorCtr="0" anchor="ctr" bIns="91425" lIns="91425" spcFirstLastPara="1" rIns="91425" wrap="square" tIns="91425">
+          <a:bodyPr spcFirstLastPara="1" wrap="square" lIns="91425" tIns="91425" rIns="91425" bIns="91425" anchor="ctr" anchorCtr="0">
             <a:noAutofit/>
           </a:bodyPr>
           <a:lstStyle/>
           <a:p>
-            <a:pPr indent="0" lvl="0" marL="0" rtl="0" algn="l">
+            <a:pPr marL="0" lvl="0" indent="0" algn="l" rtl="0">
               <a:spcBef>
                 <a:spcPts val="0"/>
               </a:spcBef>
@@ -4337,9 +4524,6 @@
               </a:spcAft>
               <a:buNone/>
             </a:pPr>
-            <a:r>
-              <a:t/>
-            </a:r>
             <a:endParaRPr/>
           </a:p>
         </p:txBody>
@@ -4347,7 +4531,9 @@
       <p:sp>
         <p:nvSpPr>
           <p:cNvPr id="37" name="Google Shape;37;p9"/>
-          <p:cNvSpPr txBox="1"/>
+          <p:cNvSpPr txBox="1">
+            <a:spLocks noGrp="1"/>
+          </p:cNvSpPr>
           <p:nvPr>
             <p:ph type="title"/>
           </p:nvPr>
@@ -4362,7 +4548,7 @@
           </a:prstGeom>
         </p:spPr>
         <p:txBody>
-          <a:bodyPr anchorCtr="0" anchor="b" bIns="91425" lIns="91425" spcFirstLastPara="1" rIns="91425" wrap="square" tIns="91425">
+          <a:bodyPr spcFirstLastPara="1" wrap="square" lIns="91425" tIns="91425" rIns="91425" bIns="91425" anchor="b" anchorCtr="0">
             <a:normAutofit/>
           </a:bodyPr>
           <a:lstStyle>
@@ -4466,15 +4652,19 @@
               <a:defRPr sz="4200"/>
             </a:lvl9pPr>
           </a:lstStyle>
-          <a:p/>
+          <a:p>
+            <a:endParaRPr/>
+          </a:p>
         </p:txBody>
       </p:sp>
       <p:sp>
         <p:nvSpPr>
           <p:cNvPr id="38" name="Google Shape;38;p9"/>
-          <p:cNvSpPr txBox="1"/>
+          <p:cNvSpPr txBox="1">
+            <a:spLocks noGrp="1"/>
+          </p:cNvSpPr>
           <p:nvPr>
-            <p:ph idx="1" type="subTitle"/>
+            <p:ph type="subTitle" idx="1"/>
           </p:nvPr>
         </p:nvSpPr>
         <p:spPr>
@@ -4487,7 +4677,7 @@
           </a:prstGeom>
         </p:spPr>
         <p:txBody>
-          <a:bodyPr anchorCtr="0" anchor="t" bIns="91425" lIns="91425" spcFirstLastPara="1" rIns="91425" wrap="square" tIns="91425">
+          <a:bodyPr spcFirstLastPara="1" wrap="square" lIns="91425" tIns="91425" rIns="91425" bIns="91425" anchor="t" anchorCtr="0">
             <a:normAutofit/>
           </a:bodyPr>
           <a:lstStyle>
@@ -4618,15 +4808,19 @@
               <a:defRPr sz="2100"/>
             </a:lvl9pPr>
           </a:lstStyle>
-          <a:p/>
+          <a:p>
+            <a:endParaRPr/>
+          </a:p>
         </p:txBody>
       </p:sp>
       <p:sp>
         <p:nvSpPr>
           <p:cNvPr id="39" name="Google Shape;39;p9"/>
-          <p:cNvSpPr txBox="1"/>
+          <p:cNvSpPr txBox="1">
+            <a:spLocks noGrp="1"/>
+          </p:cNvSpPr>
           <p:nvPr>
-            <p:ph idx="2" type="body"/>
+            <p:ph type="body" idx="2"/>
           </p:nvPr>
         </p:nvSpPr>
         <p:spPr>
@@ -4639,11 +4833,11 @@
           </a:prstGeom>
         </p:spPr>
         <p:txBody>
-          <a:bodyPr anchorCtr="0" anchor="ctr" bIns="91425" lIns="91425" spcFirstLastPara="1" rIns="91425" wrap="square" tIns="91425">
+          <a:bodyPr spcFirstLastPara="1" wrap="square" lIns="91425" tIns="91425" rIns="91425" bIns="91425" anchor="ctr" anchorCtr="0">
             <a:normAutofit/>
           </a:bodyPr>
           <a:lstStyle>
-            <a:lvl1pPr indent="-342900" lvl="0" marL="457200">
+            <a:lvl1pPr marL="457200" lvl="0" indent="-342900">
               <a:spcBef>
                 <a:spcPts val="0"/>
               </a:spcBef>
@@ -4654,7 +4848,7 @@
               <a:buChar char="●"/>
               <a:defRPr/>
             </a:lvl1pPr>
-            <a:lvl2pPr indent="-317500" lvl="1" marL="914400">
+            <a:lvl2pPr marL="914400" lvl="1" indent="-317500">
               <a:spcBef>
                 <a:spcPts val="0"/>
               </a:spcBef>
@@ -4665,7 +4859,7 @@
               <a:buChar char="○"/>
               <a:defRPr/>
             </a:lvl2pPr>
-            <a:lvl3pPr indent="-317500" lvl="2" marL="1371600">
+            <a:lvl3pPr marL="1371600" lvl="2" indent="-317500">
               <a:spcBef>
                 <a:spcPts val="0"/>
               </a:spcBef>
@@ -4676,7 +4870,7 @@
               <a:buChar char="■"/>
               <a:defRPr/>
             </a:lvl3pPr>
-            <a:lvl4pPr indent="-317500" lvl="3" marL="1828800">
+            <a:lvl4pPr marL="1828800" lvl="3" indent="-317500">
               <a:spcBef>
                 <a:spcPts val="0"/>
               </a:spcBef>
@@ -4687,7 +4881,7 @@
               <a:buChar char="●"/>
               <a:defRPr/>
             </a:lvl4pPr>
-            <a:lvl5pPr indent="-317500" lvl="4" marL="2286000">
+            <a:lvl5pPr marL="2286000" lvl="4" indent="-317500">
               <a:spcBef>
                 <a:spcPts val="0"/>
               </a:spcBef>
@@ -4698,7 +4892,7 @@
               <a:buChar char="○"/>
               <a:defRPr/>
             </a:lvl5pPr>
-            <a:lvl6pPr indent="-317500" lvl="5" marL="2743200">
+            <a:lvl6pPr marL="2743200" lvl="5" indent="-317500">
               <a:spcBef>
                 <a:spcPts val="0"/>
               </a:spcBef>
@@ -4709,7 +4903,7 @@
               <a:buChar char="■"/>
               <a:defRPr/>
             </a:lvl6pPr>
-            <a:lvl7pPr indent="-317500" lvl="6" marL="3200400">
+            <a:lvl7pPr marL="3200400" lvl="6" indent="-317500">
               <a:spcBef>
                 <a:spcPts val="0"/>
               </a:spcBef>
@@ -4720,7 +4914,7 @@
               <a:buChar char="●"/>
               <a:defRPr/>
             </a:lvl7pPr>
-            <a:lvl8pPr indent="-317500" lvl="7" marL="3657600">
+            <a:lvl8pPr marL="3657600" lvl="7" indent="-317500">
               <a:spcBef>
                 <a:spcPts val="0"/>
               </a:spcBef>
@@ -4731,7 +4925,7 @@
               <a:buChar char="○"/>
               <a:defRPr/>
             </a:lvl8pPr>
-            <a:lvl9pPr indent="-317500" lvl="8" marL="4114800">
+            <a:lvl9pPr marL="4114800" lvl="8" indent="-317500">
               <a:spcBef>
                 <a:spcPts val="0"/>
               </a:spcBef>
@@ -4743,15 +4937,19 @@
               <a:defRPr/>
             </a:lvl9pPr>
           </a:lstStyle>
-          <a:p/>
+          <a:p>
+            <a:endParaRPr/>
+          </a:p>
         </p:txBody>
       </p:sp>
       <p:sp>
         <p:nvSpPr>
           <p:cNvPr id="40" name="Google Shape;40;p9"/>
-          <p:cNvSpPr txBox="1"/>
+          <p:cNvSpPr txBox="1">
+            <a:spLocks noGrp="1"/>
+          </p:cNvSpPr>
           <p:nvPr>
-            <p:ph idx="12" type="sldNum"/>
+            <p:ph type="sldNum" idx="12"/>
           </p:nvPr>
         </p:nvSpPr>
         <p:spPr>
@@ -4764,7 +4962,7 @@
           </a:prstGeom>
         </p:spPr>
         <p:txBody>
-          <a:bodyPr anchorCtr="0" anchor="ctr" bIns="91425" lIns="91425" spcFirstLastPara="1" rIns="91425" wrap="square" tIns="91425">
+          <a:bodyPr spcFirstLastPara="1" wrap="square" lIns="91425" tIns="91425" rIns="91425" bIns="91425" anchor="ctr" anchorCtr="0">
             <a:normAutofit/>
           </a:bodyPr>
           <a:lstStyle>
@@ -4806,7 +5004,7 @@
             </a:lvl9pPr>
           </a:lstStyle>
           <a:p>
-            <a:pPr indent="0" lvl="0" marL="0" rtl="0" algn="r">
+            <a:pPr marL="0" lvl="0" indent="0" algn="r" rtl="0">
               <a:spcBef>
                 <a:spcPts val="0"/>
               </a:spcBef>
@@ -4832,11 +5030,11 @@
 </file>
 
 <file path=ppt/slideLayouts/slideLayout9.xml><?xml version="1.0" encoding="utf-8"?>
-<p:sldLayout xmlns:a="http://schemas.openxmlformats.org/drawingml/2006/main" xmlns:r="http://schemas.openxmlformats.org/officeDocument/2006/relationships" xmlns:mc="http://schemas.openxmlformats.org/markup-compatibility/2006" xmlns:mv="urn:schemas-microsoft-com:mac:vml" xmlns:p="http://schemas.openxmlformats.org/presentationml/2006/main" xmlns:c="http://schemas.openxmlformats.org/drawingml/2006/chart" xmlns:dgm="http://schemas.openxmlformats.org/drawingml/2006/diagram" xmlns:o="urn:schemas-microsoft-com:office:office" xmlns:v="urn:schemas-microsoft-com:vml" xmlns:pvml="urn:schemas-microsoft-com:office:powerpoint" xmlns:com="http://schemas.openxmlformats.org/drawingml/2006/compatibility" xmlns:p14="http://schemas.microsoft.com/office/powerpoint/2010/main" xmlns:p15="http://schemas.microsoft.com/office/powerpoint/2012/main" xmlns:ahyp="http://schemas.microsoft.com/office/drawing/2018/hyperlinkcolor" matchingName="Caption">
+<p:sldLayout xmlns:a="http://schemas.openxmlformats.org/drawingml/2006/main" xmlns:r="http://schemas.openxmlformats.org/officeDocument/2006/relationships" xmlns:p="http://schemas.openxmlformats.org/presentationml/2006/main" matchingName="Caption">
   <p:cSld name="CAPTION_ONLY">
     <p:spTree>
       <p:nvGrpSpPr>
-        <p:cNvPr id="41" name="Shape 41"/>
+        <p:cNvPr id="1" name="Shape 41"/>
         <p:cNvGrpSpPr/>
         <p:nvPr/>
       </p:nvGrpSpPr>
@@ -4851,9 +5049,11 @@
       <p:sp>
         <p:nvSpPr>
           <p:cNvPr id="42" name="Google Shape;42;p10"/>
-          <p:cNvSpPr txBox="1"/>
+          <p:cNvSpPr txBox="1">
+            <a:spLocks noGrp="1"/>
+          </p:cNvSpPr>
           <p:nvPr>
-            <p:ph idx="1" type="body"/>
+            <p:ph type="body" idx="1"/>
           </p:nvPr>
         </p:nvSpPr>
         <p:spPr>
@@ -4866,11 +5066,11 @@
           </a:prstGeom>
         </p:spPr>
         <p:txBody>
-          <a:bodyPr anchorCtr="0" anchor="ctr" bIns="91425" lIns="91425" spcFirstLastPara="1" rIns="91425" wrap="square" tIns="91425">
+          <a:bodyPr spcFirstLastPara="1" wrap="square" lIns="91425" tIns="91425" rIns="91425" bIns="91425" anchor="ctr" anchorCtr="0">
             <a:normAutofit/>
           </a:bodyPr>
           <a:lstStyle>
-            <a:lvl1pPr indent="-228600" lvl="0" marL="457200">
+            <a:lvl1pPr marL="457200" lvl="0" indent="-228600">
               <a:lnSpc>
                 <a:spcPct val="100000"/>
               </a:lnSpc>
@@ -4885,15 +5085,19 @@
               <a:defRPr/>
             </a:lvl1pPr>
           </a:lstStyle>
-          <a:p/>
+          <a:p>
+            <a:endParaRPr/>
+          </a:p>
         </p:txBody>
       </p:sp>
       <p:sp>
         <p:nvSpPr>
           <p:cNvPr id="43" name="Google Shape;43;p10"/>
-          <p:cNvSpPr txBox="1"/>
+          <p:cNvSpPr txBox="1">
+            <a:spLocks noGrp="1"/>
+          </p:cNvSpPr>
           <p:nvPr>
-            <p:ph idx="12" type="sldNum"/>
+            <p:ph type="sldNum" idx="12"/>
           </p:nvPr>
         </p:nvSpPr>
         <p:spPr>
@@ -4906,7 +5110,7 @@
           </a:prstGeom>
         </p:spPr>
         <p:txBody>
-          <a:bodyPr anchorCtr="0" anchor="ctr" bIns="91425" lIns="91425" spcFirstLastPara="1" rIns="91425" wrap="square" tIns="91425">
+          <a:bodyPr spcFirstLastPara="1" wrap="square" lIns="91425" tIns="91425" rIns="91425" bIns="91425" anchor="ctr" anchorCtr="0">
             <a:normAutofit/>
           </a:bodyPr>
           <a:lstStyle>
@@ -4948,7 +5152,7 @@
             </a:lvl9pPr>
           </a:lstStyle>
           <a:p>
-            <a:pPr indent="0" lvl="0" marL="0" rtl="0" algn="r">
+            <a:pPr marL="0" lvl="0" indent="0" algn="r" rtl="0">
               <a:spcBef>
                 <a:spcPts val="0"/>
               </a:spcBef>
@@ -4974,18 +5178,19 @@
 </file>
 
 <file path=ppt/slideMasters/slideMaster1.xml><?xml version="1.0" encoding="utf-8"?>
-<p:sldMaster xmlns:a="http://schemas.openxmlformats.org/drawingml/2006/main" xmlns:r="http://schemas.openxmlformats.org/officeDocument/2006/relationships" xmlns:mc="http://schemas.openxmlformats.org/markup-compatibility/2006" xmlns:mv="urn:schemas-microsoft-com:mac:vml" xmlns:p="http://schemas.openxmlformats.org/presentationml/2006/main" xmlns:c="http://schemas.openxmlformats.org/drawingml/2006/chart" xmlns:dgm="http://schemas.openxmlformats.org/drawingml/2006/diagram" xmlns:o="urn:schemas-microsoft-com:office:office" xmlns:v="urn:schemas-microsoft-com:vml" xmlns:pvml="urn:schemas-microsoft-com:office:powerpoint" xmlns:com="http://schemas.openxmlformats.org/drawingml/2006/compatibility" xmlns:p14="http://schemas.microsoft.com/office/powerpoint/2010/main" xmlns:p15="http://schemas.microsoft.com/office/powerpoint/2012/main" xmlns:ahyp="http://schemas.microsoft.com/office/drawing/2018/hyperlinkcolor">
+<p:sldMaster xmlns:a="http://schemas.openxmlformats.org/drawingml/2006/main" xmlns:r="http://schemas.openxmlformats.org/officeDocument/2006/relationships" xmlns:p="http://schemas.openxmlformats.org/presentationml/2006/main">
   <p:cSld name="simple-light-2">
     <p:bg>
       <p:bgPr>
         <a:solidFill>
           <a:schemeClr val="lt1"/>
         </a:solidFill>
+        <a:effectLst/>
       </p:bgPr>
     </p:bg>
     <p:spTree>
       <p:nvGrpSpPr>
-        <p:cNvPr id="5" name="Shape 5"/>
+        <p:cNvPr id="1" name="Shape 5"/>
         <p:cNvGrpSpPr/>
         <p:nvPr/>
       </p:nvGrpSpPr>
@@ -5000,7 +5205,9 @@
       <p:sp>
         <p:nvSpPr>
           <p:cNvPr id="6" name="Google Shape;6;p1"/>
-          <p:cNvSpPr txBox="1"/>
+          <p:cNvSpPr txBox="1">
+            <a:spLocks noGrp="1"/>
+          </p:cNvSpPr>
           <p:nvPr>
             <p:ph type="title"/>
           </p:nvPr>
@@ -5019,7 +5226,7 @@
           </a:ln>
         </p:spPr>
         <p:txBody>
-          <a:bodyPr anchorCtr="0" anchor="t" bIns="91425" lIns="91425" spcFirstLastPara="1" rIns="91425" wrap="square" tIns="91425">
+          <a:bodyPr spcFirstLastPara="1" wrap="square" lIns="91425" tIns="91425" rIns="91425" bIns="91425" anchor="t" anchorCtr="0">
             <a:normAutofit/>
           </a:bodyPr>
           <a:lstStyle>
@@ -5186,15 +5393,19 @@
               </a:defRPr>
             </a:lvl9pPr>
           </a:lstStyle>
-          <a:p/>
+          <a:p>
+            <a:endParaRPr/>
+          </a:p>
         </p:txBody>
       </p:sp>
       <p:sp>
         <p:nvSpPr>
           <p:cNvPr id="7" name="Google Shape;7;p1"/>
-          <p:cNvSpPr txBox="1"/>
+          <p:cNvSpPr txBox="1">
+            <a:spLocks noGrp="1"/>
+          </p:cNvSpPr>
           <p:nvPr>
-            <p:ph idx="1" type="body"/>
+            <p:ph type="body" idx="1"/>
           </p:nvPr>
         </p:nvSpPr>
         <p:spPr>
@@ -5211,11 +5422,11 @@
           </a:ln>
         </p:spPr>
         <p:txBody>
-          <a:bodyPr anchorCtr="0" anchor="t" bIns="91425" lIns="91425" spcFirstLastPara="1" rIns="91425" wrap="square" tIns="91425">
+          <a:bodyPr spcFirstLastPara="1" wrap="square" lIns="91425" tIns="91425" rIns="91425" bIns="91425" anchor="t" anchorCtr="0">
             <a:normAutofit/>
           </a:bodyPr>
           <a:lstStyle>
-            <a:lvl1pPr indent="-342900" lvl="0" marL="457200">
+            <a:lvl1pPr marL="457200" lvl="0" indent="-342900">
               <a:lnSpc>
                 <a:spcPct val="115000"/>
               </a:lnSpc>
@@ -5236,7 +5447,7 @@
                 </a:solidFill>
               </a:defRPr>
             </a:lvl1pPr>
-            <a:lvl2pPr indent="-317500" lvl="1" marL="914400">
+            <a:lvl2pPr marL="914400" lvl="1" indent="-317500">
               <a:lnSpc>
                 <a:spcPct val="115000"/>
               </a:lnSpc>
@@ -5257,7 +5468,7 @@
                 </a:solidFill>
               </a:defRPr>
             </a:lvl2pPr>
-            <a:lvl3pPr indent="-317500" lvl="2" marL="1371600">
+            <a:lvl3pPr marL="1371600" lvl="2" indent="-317500">
               <a:lnSpc>
                 <a:spcPct val="115000"/>
               </a:lnSpc>
@@ -5278,7 +5489,7 @@
                 </a:solidFill>
               </a:defRPr>
             </a:lvl3pPr>
-            <a:lvl4pPr indent="-317500" lvl="3" marL="1828800">
+            <a:lvl4pPr marL="1828800" lvl="3" indent="-317500">
               <a:lnSpc>
                 <a:spcPct val="115000"/>
               </a:lnSpc>
@@ -5299,7 +5510,7 @@
                 </a:solidFill>
               </a:defRPr>
             </a:lvl4pPr>
-            <a:lvl5pPr indent="-317500" lvl="4" marL="2286000">
+            <a:lvl5pPr marL="2286000" lvl="4" indent="-317500">
               <a:lnSpc>
                 <a:spcPct val="115000"/>
               </a:lnSpc>
@@ -5320,7 +5531,7 @@
                 </a:solidFill>
               </a:defRPr>
             </a:lvl5pPr>
-            <a:lvl6pPr indent="-317500" lvl="5" marL="2743200">
+            <a:lvl6pPr marL="2743200" lvl="5" indent="-317500">
               <a:lnSpc>
                 <a:spcPct val="115000"/>
               </a:lnSpc>
@@ -5341,7 +5552,7 @@
                 </a:solidFill>
               </a:defRPr>
             </a:lvl6pPr>
-            <a:lvl7pPr indent="-317500" lvl="6" marL="3200400">
+            <a:lvl7pPr marL="3200400" lvl="6" indent="-317500">
               <a:lnSpc>
                 <a:spcPct val="115000"/>
               </a:lnSpc>
@@ -5362,7 +5573,7 @@
                 </a:solidFill>
               </a:defRPr>
             </a:lvl7pPr>
-            <a:lvl8pPr indent="-317500" lvl="7" marL="3657600">
+            <a:lvl8pPr marL="3657600" lvl="7" indent="-317500">
               <a:lnSpc>
                 <a:spcPct val="115000"/>
               </a:lnSpc>
@@ -5383,7 +5594,7 @@
                 </a:solidFill>
               </a:defRPr>
             </a:lvl8pPr>
-            <a:lvl9pPr indent="-317500" lvl="8" marL="4114800">
+            <a:lvl9pPr marL="4114800" lvl="8" indent="-317500">
               <a:lnSpc>
                 <a:spcPct val="115000"/>
               </a:lnSpc>
@@ -5405,15 +5616,19 @@
               </a:defRPr>
             </a:lvl9pPr>
           </a:lstStyle>
-          <a:p/>
+          <a:p>
+            <a:endParaRPr/>
+          </a:p>
         </p:txBody>
       </p:sp>
       <p:sp>
         <p:nvSpPr>
           <p:cNvPr id="8" name="Google Shape;8;p1"/>
-          <p:cNvSpPr txBox="1"/>
+          <p:cNvSpPr txBox="1">
+            <a:spLocks noGrp="1"/>
+          </p:cNvSpPr>
           <p:nvPr>
-            <p:ph idx="12" type="sldNum"/>
+            <p:ph type="sldNum" idx="12"/>
           </p:nvPr>
         </p:nvSpPr>
         <p:spPr>
@@ -5430,7 +5645,7 @@
           </a:ln>
         </p:spPr>
         <p:txBody>
-          <a:bodyPr anchorCtr="0" anchor="ctr" bIns="91425" lIns="91425" spcFirstLastPara="1" rIns="91425" wrap="square" tIns="91425">
+          <a:bodyPr spcFirstLastPara="1" wrap="square" lIns="91425" tIns="91425" rIns="91425" bIns="91425" anchor="ctr" anchorCtr="0">
             <a:normAutofit/>
           </a:bodyPr>
           <a:lstStyle>
@@ -5508,7 +5723,7 @@
             </a:lvl9pPr>
           </a:lstStyle>
           <a:p>
-            <a:pPr indent="0" lvl="0" marL="0" rtl="0" algn="r">
+            <a:pPr marL="0" lvl="0" indent="0" algn="r" rtl="0">
               <a:spcBef>
                 <a:spcPts val="0"/>
               </a:spcBef>
@@ -5527,7 +5742,7 @@
       </p:sp>
     </p:spTree>
   </p:cSld>
-  <p:clrMap accent1="accent1" accent2="accent2" accent3="accent3" accent4="accent4" accent5="accent5" accent6="accent6" bg1="lt1" bg2="dk2" tx1="dk1" tx2="lt2" folHlink="folHlink" hlink="hlink"/>
+  <p:clrMap bg1="lt1" tx1="dk1" bg2="dk2" tx2="lt2" accent1="accent1" accent2="accent2" accent3="accent3" accent4="accent4" accent5="accent5" accent6="accent6" hlink="hlink" folHlink="folHlink"/>
   <p:sldLayoutIdLst>
     <p:sldLayoutId id="2147483648" r:id="rId1"/>
     <p:sldLayoutId id="2147483649" r:id="rId2"/>
@@ -5541,10 +5756,10 @@
     <p:sldLayoutId id="2147483657" r:id="rId10"/>
     <p:sldLayoutId id="2147483658" r:id="rId11"/>
   </p:sldLayoutIdLst>
-  <p:hf dt="0" ftr="0" hdr="0" sldNum="0"/>
+  <p:hf hdr="0" ftr="0" dt="0"/>
   <p:txStyles>
     <p:titleStyle>
-      <a:defPPr lvl="0" marR="0" rtl="0" algn="l">
+      <a:defPPr marR="0" lvl="0" algn="l" rtl="0">
         <a:lnSpc>
           <a:spcPct val="100000"/>
         </a:lnSpc>
@@ -5555,7 +5770,7 @@
           <a:spcPts val="0"/>
         </a:spcAft>
       </a:defPPr>
-      <a:lvl1pPr lvl="0" marR="0" rtl="0" algn="l">
+      <a:lvl1pPr marR="0" lvl="0" algn="l" rtl="0">
         <a:lnSpc>
           <a:spcPct val="100000"/>
         </a:lnSpc>
@@ -5569,7 +5784,7 @@
           <a:srgbClr val="000000"/>
         </a:buClr>
         <a:buFont typeface="Arial"/>
-        <a:defRPr b="0" i="0" sz="1400" u="none" cap="none" strike="noStrike">
+        <a:defRPr sz="1400" b="0" i="0" u="none" strike="noStrike" cap="none">
           <a:solidFill>
             <a:srgbClr val="000000"/>
           </a:solidFill>
@@ -5579,7 +5794,7 @@
           <a:sym typeface="Arial"/>
         </a:defRPr>
       </a:lvl1pPr>
-      <a:lvl2pPr lvl="1" marR="0" rtl="0" algn="l">
+      <a:lvl2pPr marR="0" lvl="1" algn="l" rtl="0">
         <a:lnSpc>
           <a:spcPct val="100000"/>
         </a:lnSpc>
@@ -5593,7 +5808,7 @@
           <a:srgbClr val="000000"/>
         </a:buClr>
         <a:buFont typeface="Arial"/>
-        <a:defRPr b="0" i="0" sz="1400" u="none" cap="none" strike="noStrike">
+        <a:defRPr sz="1400" b="0" i="0" u="none" strike="noStrike" cap="none">
           <a:solidFill>
             <a:srgbClr val="000000"/>
           </a:solidFill>
@@ -5603,7 +5818,7 @@
           <a:sym typeface="Arial"/>
         </a:defRPr>
       </a:lvl2pPr>
-      <a:lvl3pPr lvl="2" marR="0" rtl="0" algn="l">
+      <a:lvl3pPr marR="0" lvl="2" algn="l" rtl="0">
         <a:lnSpc>
           <a:spcPct val="100000"/>
         </a:lnSpc>
@@ -5617,7 +5832,7 @@
           <a:srgbClr val="000000"/>
         </a:buClr>
         <a:buFont typeface="Arial"/>
-        <a:defRPr b="0" i="0" sz="1400" u="none" cap="none" strike="noStrike">
+        <a:defRPr sz="1400" b="0" i="0" u="none" strike="noStrike" cap="none">
           <a:solidFill>
             <a:srgbClr val="000000"/>
           </a:solidFill>
@@ -5627,7 +5842,7 @@
           <a:sym typeface="Arial"/>
         </a:defRPr>
       </a:lvl3pPr>
-      <a:lvl4pPr lvl="3" marR="0" rtl="0" algn="l">
+      <a:lvl4pPr marR="0" lvl="3" algn="l" rtl="0">
         <a:lnSpc>
           <a:spcPct val="100000"/>
         </a:lnSpc>
@@ -5641,7 +5856,7 @@
           <a:srgbClr val="000000"/>
         </a:buClr>
         <a:buFont typeface="Arial"/>
-        <a:defRPr b="0" i="0" sz="1400" u="none" cap="none" strike="noStrike">
+        <a:defRPr sz="1400" b="0" i="0" u="none" strike="noStrike" cap="none">
           <a:solidFill>
             <a:srgbClr val="000000"/>
           </a:solidFill>
@@ -5651,7 +5866,7 @@
           <a:sym typeface="Arial"/>
         </a:defRPr>
       </a:lvl4pPr>
-      <a:lvl5pPr lvl="4" marR="0" rtl="0" algn="l">
+      <a:lvl5pPr marR="0" lvl="4" algn="l" rtl="0">
         <a:lnSpc>
           <a:spcPct val="100000"/>
         </a:lnSpc>
@@ -5665,7 +5880,7 @@
           <a:srgbClr val="000000"/>
         </a:buClr>
         <a:buFont typeface="Arial"/>
-        <a:defRPr b="0" i="0" sz="1400" u="none" cap="none" strike="noStrike">
+        <a:defRPr sz="1400" b="0" i="0" u="none" strike="noStrike" cap="none">
           <a:solidFill>
             <a:srgbClr val="000000"/>
           </a:solidFill>
@@ -5675,7 +5890,7 @@
           <a:sym typeface="Arial"/>
         </a:defRPr>
       </a:lvl5pPr>
-      <a:lvl6pPr lvl="5" marR="0" rtl="0" algn="l">
+      <a:lvl6pPr marR="0" lvl="5" algn="l" rtl="0">
         <a:lnSpc>
           <a:spcPct val="100000"/>
         </a:lnSpc>
@@ -5689,7 +5904,7 @@
           <a:srgbClr val="000000"/>
         </a:buClr>
         <a:buFont typeface="Arial"/>
-        <a:defRPr b="0" i="0" sz="1400" u="none" cap="none" strike="noStrike">
+        <a:defRPr sz="1400" b="0" i="0" u="none" strike="noStrike" cap="none">
           <a:solidFill>
             <a:srgbClr val="000000"/>
           </a:solidFill>
@@ -5699,7 +5914,7 @@
           <a:sym typeface="Arial"/>
         </a:defRPr>
       </a:lvl6pPr>
-      <a:lvl7pPr lvl="6" marR="0" rtl="0" algn="l">
+      <a:lvl7pPr marR="0" lvl="6" algn="l" rtl="0">
         <a:lnSpc>
           <a:spcPct val="100000"/>
         </a:lnSpc>
@@ -5713,7 +5928,7 @@
           <a:srgbClr val="000000"/>
         </a:buClr>
         <a:buFont typeface="Arial"/>
-        <a:defRPr b="0" i="0" sz="1400" u="none" cap="none" strike="noStrike">
+        <a:defRPr sz="1400" b="0" i="0" u="none" strike="noStrike" cap="none">
           <a:solidFill>
             <a:srgbClr val="000000"/>
           </a:solidFill>
@@ -5723,7 +5938,7 @@
           <a:sym typeface="Arial"/>
         </a:defRPr>
       </a:lvl7pPr>
-      <a:lvl8pPr lvl="7" marR="0" rtl="0" algn="l">
+      <a:lvl8pPr marR="0" lvl="7" algn="l" rtl="0">
         <a:lnSpc>
           <a:spcPct val="100000"/>
         </a:lnSpc>
@@ -5737,7 +5952,7 @@
           <a:srgbClr val="000000"/>
         </a:buClr>
         <a:buFont typeface="Arial"/>
-        <a:defRPr b="0" i="0" sz="1400" u="none" cap="none" strike="noStrike">
+        <a:defRPr sz="1400" b="0" i="0" u="none" strike="noStrike" cap="none">
           <a:solidFill>
             <a:srgbClr val="000000"/>
           </a:solidFill>
@@ -5747,7 +5962,7 @@
           <a:sym typeface="Arial"/>
         </a:defRPr>
       </a:lvl8pPr>
-      <a:lvl9pPr lvl="8" marR="0" rtl="0" algn="l">
+      <a:lvl9pPr marR="0" lvl="8" algn="l" rtl="0">
         <a:lnSpc>
           <a:spcPct val="100000"/>
         </a:lnSpc>
@@ -5761,7 +5976,7 @@
           <a:srgbClr val="000000"/>
         </a:buClr>
         <a:buFont typeface="Arial"/>
-        <a:defRPr b="0" i="0" sz="1400" u="none" cap="none" strike="noStrike">
+        <a:defRPr sz="1400" b="0" i="0" u="none" strike="noStrike" cap="none">
           <a:solidFill>
             <a:srgbClr val="000000"/>
           </a:solidFill>
@@ -5773,7 +5988,7 @@
       </a:lvl9pPr>
     </p:titleStyle>
     <p:bodyStyle>
-      <a:defPPr lvl="0" marR="0" rtl="0" algn="l">
+      <a:defPPr marR="0" lvl="0" algn="l" rtl="0">
         <a:lnSpc>
           <a:spcPct val="100000"/>
         </a:lnSpc>
@@ -5784,7 +5999,7 @@
           <a:spcPts val="0"/>
         </a:spcAft>
       </a:defPPr>
-      <a:lvl1pPr lvl="0" marR="0" rtl="0" algn="l">
+      <a:lvl1pPr marR="0" lvl="0" algn="l" rtl="0">
         <a:lnSpc>
           <a:spcPct val="100000"/>
         </a:lnSpc>
@@ -5798,7 +6013,7 @@
           <a:srgbClr val="000000"/>
         </a:buClr>
         <a:buFont typeface="Arial"/>
-        <a:defRPr b="0" i="0" sz="1400" u="none" cap="none" strike="noStrike">
+        <a:defRPr sz="1400" b="0" i="0" u="none" strike="noStrike" cap="none">
           <a:solidFill>
             <a:srgbClr val="000000"/>
           </a:solidFill>
@@ -5808,7 +6023,7 @@
           <a:sym typeface="Arial"/>
         </a:defRPr>
       </a:lvl1pPr>
-      <a:lvl2pPr lvl="1" marR="0" rtl="0" algn="l">
+      <a:lvl2pPr marR="0" lvl="1" algn="l" rtl="0">
         <a:lnSpc>
           <a:spcPct val="100000"/>
         </a:lnSpc>
@@ -5822,7 +6037,7 @@
           <a:srgbClr val="000000"/>
         </a:buClr>
         <a:buFont typeface="Arial"/>
-        <a:defRPr b="0" i="0" sz="1400" u="none" cap="none" strike="noStrike">
+        <a:defRPr sz="1400" b="0" i="0" u="none" strike="noStrike" cap="none">
           <a:solidFill>
             <a:srgbClr val="000000"/>
           </a:solidFill>
@@ -5832,7 +6047,7 @@
           <a:sym typeface="Arial"/>
         </a:defRPr>
       </a:lvl2pPr>
-      <a:lvl3pPr lvl="2" marR="0" rtl="0" algn="l">
+      <a:lvl3pPr marR="0" lvl="2" algn="l" rtl="0">
         <a:lnSpc>
           <a:spcPct val="100000"/>
         </a:lnSpc>
@@ -5846,7 +6061,7 @@
           <a:srgbClr val="000000"/>
         </a:buClr>
         <a:buFont typeface="Arial"/>
-        <a:defRPr b="0" i="0" sz="1400" u="none" cap="none" strike="noStrike">
+        <a:defRPr sz="1400" b="0" i="0" u="none" strike="noStrike" cap="none">
           <a:solidFill>
             <a:srgbClr val="000000"/>
           </a:solidFill>
@@ -5856,7 +6071,7 @@
           <a:sym typeface="Arial"/>
         </a:defRPr>
       </a:lvl3pPr>
-      <a:lvl4pPr lvl="3" marR="0" rtl="0" algn="l">
+      <a:lvl4pPr marR="0" lvl="3" algn="l" rtl="0">
         <a:lnSpc>
           <a:spcPct val="100000"/>
         </a:lnSpc>
@@ -5870,7 +6085,7 @@
           <a:srgbClr val="000000"/>
         </a:buClr>
         <a:buFont typeface="Arial"/>
-        <a:defRPr b="0" i="0" sz="1400" u="none" cap="none" strike="noStrike">
+        <a:defRPr sz="1400" b="0" i="0" u="none" strike="noStrike" cap="none">
           <a:solidFill>
             <a:srgbClr val="000000"/>
           </a:solidFill>
@@ -5880,7 +6095,7 @@
           <a:sym typeface="Arial"/>
         </a:defRPr>
       </a:lvl4pPr>
-      <a:lvl5pPr lvl="4" marR="0" rtl="0" algn="l">
+      <a:lvl5pPr marR="0" lvl="4" algn="l" rtl="0">
         <a:lnSpc>
           <a:spcPct val="100000"/>
         </a:lnSpc>
@@ -5894,7 +6109,7 @@
           <a:srgbClr val="000000"/>
         </a:buClr>
         <a:buFont typeface="Arial"/>
-        <a:defRPr b="0" i="0" sz="1400" u="none" cap="none" strike="noStrike">
+        <a:defRPr sz="1400" b="0" i="0" u="none" strike="noStrike" cap="none">
           <a:solidFill>
             <a:srgbClr val="000000"/>
           </a:solidFill>
@@ -5904,7 +6119,7 @@
           <a:sym typeface="Arial"/>
         </a:defRPr>
       </a:lvl5pPr>
-      <a:lvl6pPr lvl="5" marR="0" rtl="0" algn="l">
+      <a:lvl6pPr marR="0" lvl="5" algn="l" rtl="0">
         <a:lnSpc>
           <a:spcPct val="100000"/>
         </a:lnSpc>
@@ -5918,7 +6133,7 @@
           <a:srgbClr val="000000"/>
         </a:buClr>
         <a:buFont typeface="Arial"/>
-        <a:defRPr b="0" i="0" sz="1400" u="none" cap="none" strike="noStrike">
+        <a:defRPr sz="1400" b="0" i="0" u="none" strike="noStrike" cap="none">
           <a:solidFill>
             <a:srgbClr val="000000"/>
           </a:solidFill>
@@ -5928,7 +6143,7 @@
           <a:sym typeface="Arial"/>
         </a:defRPr>
       </a:lvl6pPr>
-      <a:lvl7pPr lvl="6" marR="0" rtl="0" algn="l">
+      <a:lvl7pPr marR="0" lvl="6" algn="l" rtl="0">
         <a:lnSpc>
           <a:spcPct val="100000"/>
         </a:lnSpc>
@@ -5942,7 +6157,7 @@
           <a:srgbClr val="000000"/>
         </a:buClr>
         <a:buFont typeface="Arial"/>
-        <a:defRPr b="0" i="0" sz="1400" u="none" cap="none" strike="noStrike">
+        <a:defRPr sz="1400" b="0" i="0" u="none" strike="noStrike" cap="none">
           <a:solidFill>
             <a:srgbClr val="000000"/>
           </a:solidFill>
@@ -5952,7 +6167,7 @@
           <a:sym typeface="Arial"/>
         </a:defRPr>
       </a:lvl7pPr>
-      <a:lvl8pPr lvl="7" marR="0" rtl="0" algn="l">
+      <a:lvl8pPr marR="0" lvl="7" algn="l" rtl="0">
         <a:lnSpc>
           <a:spcPct val="100000"/>
         </a:lnSpc>
@@ -5966,7 +6181,7 @@
           <a:srgbClr val="000000"/>
         </a:buClr>
         <a:buFont typeface="Arial"/>
-        <a:defRPr b="0" i="0" sz="1400" u="none" cap="none" strike="noStrike">
+        <a:defRPr sz="1400" b="0" i="0" u="none" strike="noStrike" cap="none">
           <a:solidFill>
             <a:srgbClr val="000000"/>
           </a:solidFill>
@@ -5976,7 +6191,7 @@
           <a:sym typeface="Arial"/>
         </a:defRPr>
       </a:lvl8pPr>
-      <a:lvl9pPr lvl="8" marR="0" rtl="0" algn="l">
+      <a:lvl9pPr marR="0" lvl="8" algn="l" rtl="0">
         <a:lnSpc>
           <a:spcPct val="100000"/>
         </a:lnSpc>
@@ -5990,7 +6205,7 @@
           <a:srgbClr val="000000"/>
         </a:buClr>
         <a:buFont typeface="Arial"/>
-        <a:defRPr b="0" i="0" sz="1400" u="none" cap="none" strike="noStrike">
+        <a:defRPr sz="1400" b="0" i="0" u="none" strike="noStrike" cap="none">
           <a:solidFill>
             <a:srgbClr val="000000"/>
           </a:solidFill>
@@ -6002,7 +6217,7 @@
       </a:lvl9pPr>
     </p:bodyStyle>
     <p:otherStyle>
-      <a:defPPr lvl="0" marR="0" rtl="0" algn="l">
+      <a:defPPr marR="0" lvl="0" algn="l" rtl="0">
         <a:lnSpc>
           <a:spcPct val="100000"/>
         </a:lnSpc>
@@ -6013,7 +6228,7 @@
           <a:spcPts val="0"/>
         </a:spcAft>
       </a:defPPr>
-      <a:lvl1pPr lvl="0" marR="0" rtl="0" algn="l">
+      <a:lvl1pPr marR="0" lvl="0" algn="l" rtl="0">
         <a:lnSpc>
           <a:spcPct val="100000"/>
         </a:lnSpc>
@@ -6027,7 +6242,7 @@
           <a:srgbClr val="000000"/>
         </a:buClr>
         <a:buFont typeface="Arial"/>
-        <a:defRPr b="0" i="0" sz="1400" u="none" cap="none" strike="noStrike">
+        <a:defRPr sz="1400" b="0" i="0" u="none" strike="noStrike" cap="none">
           <a:solidFill>
             <a:srgbClr val="000000"/>
           </a:solidFill>
@@ -6037,7 +6252,7 @@
           <a:sym typeface="Arial"/>
         </a:defRPr>
       </a:lvl1pPr>
-      <a:lvl2pPr lvl="1" marR="0" rtl="0" algn="l">
+      <a:lvl2pPr marR="0" lvl="1" algn="l" rtl="0">
         <a:lnSpc>
           <a:spcPct val="100000"/>
         </a:lnSpc>
@@ -6051,7 +6266,7 @@
           <a:srgbClr val="000000"/>
         </a:buClr>
         <a:buFont typeface="Arial"/>
-        <a:defRPr b="0" i="0" sz="1400" u="none" cap="none" strike="noStrike">
+        <a:defRPr sz="1400" b="0" i="0" u="none" strike="noStrike" cap="none">
           <a:solidFill>
             <a:srgbClr val="000000"/>
           </a:solidFill>
@@ -6061,7 +6276,7 @@
           <a:sym typeface="Arial"/>
         </a:defRPr>
       </a:lvl2pPr>
-      <a:lvl3pPr lvl="2" marR="0" rtl="0" algn="l">
+      <a:lvl3pPr marR="0" lvl="2" algn="l" rtl="0">
         <a:lnSpc>
           <a:spcPct val="100000"/>
         </a:lnSpc>
@@ -6075,7 +6290,7 @@
           <a:srgbClr val="000000"/>
         </a:buClr>
         <a:buFont typeface="Arial"/>
-        <a:defRPr b="0" i="0" sz="1400" u="none" cap="none" strike="noStrike">
+        <a:defRPr sz="1400" b="0" i="0" u="none" strike="noStrike" cap="none">
           <a:solidFill>
             <a:srgbClr val="000000"/>
           </a:solidFill>
@@ -6085,7 +6300,7 @@
           <a:sym typeface="Arial"/>
         </a:defRPr>
       </a:lvl3pPr>
-      <a:lvl4pPr lvl="3" marR="0" rtl="0" algn="l">
+      <a:lvl4pPr marR="0" lvl="3" algn="l" rtl="0">
         <a:lnSpc>
           <a:spcPct val="100000"/>
         </a:lnSpc>
@@ -6099,7 +6314,7 @@
           <a:srgbClr val="000000"/>
         </a:buClr>
         <a:buFont typeface="Arial"/>
-        <a:defRPr b="0" i="0" sz="1400" u="none" cap="none" strike="noStrike">
+        <a:defRPr sz="1400" b="0" i="0" u="none" strike="noStrike" cap="none">
           <a:solidFill>
             <a:srgbClr val="000000"/>
           </a:solidFill>
@@ -6109,7 +6324,7 @@
           <a:sym typeface="Arial"/>
         </a:defRPr>
       </a:lvl4pPr>
-      <a:lvl5pPr lvl="4" marR="0" rtl="0" algn="l">
+      <a:lvl5pPr marR="0" lvl="4" algn="l" rtl="0">
         <a:lnSpc>
           <a:spcPct val="100000"/>
         </a:lnSpc>
@@ -6123,7 +6338,7 @@
           <a:srgbClr val="000000"/>
         </a:buClr>
         <a:buFont typeface="Arial"/>
-        <a:defRPr b="0" i="0" sz="1400" u="none" cap="none" strike="noStrike">
+        <a:defRPr sz="1400" b="0" i="0" u="none" strike="noStrike" cap="none">
           <a:solidFill>
             <a:srgbClr val="000000"/>
           </a:solidFill>
@@ -6133,7 +6348,7 @@
           <a:sym typeface="Arial"/>
         </a:defRPr>
       </a:lvl5pPr>
-      <a:lvl6pPr lvl="5" marR="0" rtl="0" algn="l">
+      <a:lvl6pPr marR="0" lvl="5" algn="l" rtl="0">
         <a:lnSpc>
           <a:spcPct val="100000"/>
         </a:lnSpc>
@@ -6147,7 +6362,7 @@
           <a:srgbClr val="000000"/>
         </a:buClr>
         <a:buFont typeface="Arial"/>
-        <a:defRPr b="0" i="0" sz="1400" u="none" cap="none" strike="noStrike">
+        <a:defRPr sz="1400" b="0" i="0" u="none" strike="noStrike" cap="none">
           <a:solidFill>
             <a:srgbClr val="000000"/>
           </a:solidFill>
@@ -6157,7 +6372,7 @@
           <a:sym typeface="Arial"/>
         </a:defRPr>
       </a:lvl6pPr>
-      <a:lvl7pPr lvl="6" marR="0" rtl="0" algn="l">
+      <a:lvl7pPr marR="0" lvl="6" algn="l" rtl="0">
         <a:lnSpc>
           <a:spcPct val="100000"/>
         </a:lnSpc>
@@ -6171,7 +6386,7 @@
           <a:srgbClr val="000000"/>
         </a:buClr>
         <a:buFont typeface="Arial"/>
-        <a:defRPr b="0" i="0" sz="1400" u="none" cap="none" strike="noStrike">
+        <a:defRPr sz="1400" b="0" i="0" u="none" strike="noStrike" cap="none">
           <a:solidFill>
             <a:srgbClr val="000000"/>
           </a:solidFill>
@@ -6181,7 +6396,7 @@
           <a:sym typeface="Arial"/>
         </a:defRPr>
       </a:lvl7pPr>
-      <a:lvl8pPr lvl="7" marR="0" rtl="0" algn="l">
+      <a:lvl8pPr marR="0" lvl="7" algn="l" rtl="0">
         <a:lnSpc>
           <a:spcPct val="100000"/>
         </a:lnSpc>
@@ -6195,7 +6410,7 @@
           <a:srgbClr val="000000"/>
         </a:buClr>
         <a:buFont typeface="Arial"/>
-        <a:defRPr b="0" i="0" sz="1400" u="none" cap="none" strike="noStrike">
+        <a:defRPr sz="1400" b="0" i="0" u="none" strike="noStrike" cap="none">
           <a:solidFill>
             <a:srgbClr val="000000"/>
           </a:solidFill>
@@ -6205,7 +6420,7 @@
           <a:sym typeface="Arial"/>
         </a:defRPr>
       </a:lvl8pPr>
-      <a:lvl9pPr lvl="8" marR="0" rtl="0" algn="l">
+      <a:lvl9pPr marR="0" lvl="8" algn="l" rtl="0">
         <a:lnSpc>
           <a:spcPct val="100000"/>
         </a:lnSpc>
@@ -6219,7 +6434,7 @@
           <a:srgbClr val="000000"/>
         </a:buClr>
         <a:buFont typeface="Arial"/>
-        <a:defRPr b="0" i="0" sz="1400" u="none" cap="none" strike="noStrike">
+        <a:defRPr sz="1400" b="0" i="0" u="none" strike="noStrike" cap="none">
           <a:solidFill>
             <a:srgbClr val="000000"/>
           </a:solidFill>
@@ -6235,11 +6450,11 @@
 </file>
 
 <file path=ppt/slides/slide1.xml><?xml version="1.0" encoding="utf-8"?>
-<p:sld xmlns:a="http://schemas.openxmlformats.org/drawingml/2006/main" xmlns:r="http://schemas.openxmlformats.org/officeDocument/2006/relationships" xmlns:mc="http://schemas.openxmlformats.org/markup-compatibility/2006" xmlns:mv="urn:schemas-microsoft-com:mac:vml" xmlns:p="http://schemas.openxmlformats.org/presentationml/2006/main" xmlns:c="http://schemas.openxmlformats.org/drawingml/2006/chart" xmlns:dgm="http://schemas.openxmlformats.org/drawingml/2006/diagram" xmlns:o="urn:schemas-microsoft-com:office:office" xmlns:v="urn:schemas-microsoft-com:vml" xmlns:pvml="urn:schemas-microsoft-com:office:powerpoint" xmlns:com="http://schemas.openxmlformats.org/drawingml/2006/compatibility" xmlns:p14="http://schemas.microsoft.com/office/powerpoint/2010/main" xmlns:p15="http://schemas.microsoft.com/office/powerpoint/2012/main" xmlns:ahyp="http://schemas.microsoft.com/office/drawing/2018/hyperlinkcolor">
+<p:sld xmlns:a="http://schemas.openxmlformats.org/drawingml/2006/main" xmlns:r="http://schemas.openxmlformats.org/officeDocument/2006/relationships" xmlns:p="http://schemas.openxmlformats.org/presentationml/2006/main">
   <p:cSld>
     <p:spTree>
       <p:nvGrpSpPr>
-        <p:cNvPr id="53" name="Shape 53"/>
+        <p:cNvPr id="1" name="Shape 53"/>
         <p:cNvGrpSpPr/>
         <p:nvPr/>
       </p:nvGrpSpPr>
@@ -6254,7 +6469,9 @@
       <p:sp>
         <p:nvSpPr>
           <p:cNvPr id="54" name="Google Shape;54;p13"/>
-          <p:cNvSpPr txBox="1"/>
+          <p:cNvSpPr txBox="1">
+            <a:spLocks noGrp="1"/>
+          </p:cNvSpPr>
           <p:nvPr>
             <p:ph type="ctrTitle"/>
           </p:nvPr>
@@ -6269,12 +6486,12 @@
           </a:prstGeom>
         </p:spPr>
         <p:txBody>
-          <a:bodyPr anchorCtr="0" anchor="b" bIns="91425" lIns="91425" spcFirstLastPara="1" rIns="91425" wrap="square" tIns="91425">
+          <a:bodyPr spcFirstLastPara="1" wrap="square" lIns="91425" tIns="91425" rIns="91425" bIns="91425" anchor="b" anchorCtr="0">
             <a:normAutofit/>
           </a:bodyPr>
           <a:lstStyle/>
           <a:p>
-            <a:pPr indent="0" lvl="0" marL="0" rtl="0" algn="ctr">
+            <a:pPr marL="0" lvl="0" indent="0" algn="ctr" rtl="0">
               <a:spcBef>
                 <a:spcPts val="0"/>
               </a:spcBef>
@@ -6294,9 +6511,11 @@
       <p:sp>
         <p:nvSpPr>
           <p:cNvPr id="55" name="Google Shape;55;p13"/>
-          <p:cNvSpPr txBox="1"/>
+          <p:cNvSpPr txBox="1">
+            <a:spLocks noGrp="1"/>
+          </p:cNvSpPr>
           <p:nvPr>
-            <p:ph idx="1" type="subTitle"/>
+            <p:ph type="subTitle" idx="1"/>
           </p:nvPr>
         </p:nvSpPr>
         <p:spPr>
@@ -6309,12 +6528,12 @@
           </a:prstGeom>
         </p:spPr>
         <p:txBody>
-          <a:bodyPr anchorCtr="0" anchor="t" bIns="91425" lIns="91425" spcFirstLastPara="1" rIns="91425" wrap="square" tIns="91425">
-            <a:normAutofit fontScale="85000" lnSpcReduction="20000"/>
+          <a:bodyPr spcFirstLastPara="1" wrap="square" lIns="91425" tIns="91425" rIns="91425" bIns="91425" anchor="t" anchorCtr="0">
+            <a:normAutofit/>
           </a:bodyPr>
           <a:lstStyle/>
           <a:p>
-            <a:pPr indent="0" lvl="0" marL="0" rtl="0" algn="ctr">
+            <a:pPr marL="0" lvl="0" indent="0" algn="ctr" rtl="0">
               <a:spcBef>
                 <a:spcPts val="0"/>
               </a:spcBef>
@@ -6330,7 +6549,7 @@
             <a:endParaRPr/>
           </a:p>
           <a:p>
-            <a:pPr indent="0" lvl="0" marL="0" rtl="0" algn="l">
+            <a:pPr marL="0" lvl="0" indent="0" algn="l" rtl="0">
               <a:spcBef>
                 <a:spcPts val="0"/>
               </a:spcBef>
@@ -6339,9 +6558,6 @@
               </a:spcAft>
               <a:buNone/>
             </a:pPr>
-            <a:r>
-              <a:t/>
-            </a:r>
             <a:endParaRPr/>
           </a:p>
         </p:txBody>
@@ -6351,966 +6567,22 @@
   <p:clrMapOvr>
     <a:masterClrMapping/>
   </p:clrMapOvr>
+  <p:timing>
+    <p:tnLst>
+      <p:par>
+        <p:cTn id="1" dur="indefinite" restart="never" nodeType="tmRoot"/>
+      </p:par>
+    </p:tnLst>
+  </p:timing>
 </p:sld>
 </file>
 
-<file path=ppt/slides/slide2.xml><?xml version="1.0" encoding="utf-8"?>
-<p:sld xmlns:a="http://schemas.openxmlformats.org/drawingml/2006/main" xmlns:r="http://schemas.openxmlformats.org/officeDocument/2006/relationships" xmlns:mc="http://schemas.openxmlformats.org/markup-compatibility/2006" xmlns:mv="urn:schemas-microsoft-com:mac:vml" xmlns:p="http://schemas.openxmlformats.org/presentationml/2006/main" xmlns:c="http://schemas.openxmlformats.org/drawingml/2006/chart" xmlns:dgm="http://schemas.openxmlformats.org/drawingml/2006/diagram" xmlns:o="urn:schemas-microsoft-com:office:office" xmlns:v="urn:schemas-microsoft-com:vml" xmlns:pvml="urn:schemas-microsoft-com:office:powerpoint" xmlns:com="http://schemas.openxmlformats.org/drawingml/2006/compatibility" xmlns:p14="http://schemas.microsoft.com/office/powerpoint/2010/main" xmlns:p15="http://schemas.microsoft.com/office/powerpoint/2012/main" xmlns:ahyp="http://schemas.microsoft.com/office/drawing/2018/hyperlinkcolor">
+<file path=ppt/slides/slide10.xml><?xml version="1.0" encoding="utf-8"?>
+<p:sld xmlns:a="http://schemas.openxmlformats.org/drawingml/2006/main" xmlns:r="http://schemas.openxmlformats.org/officeDocument/2006/relationships" xmlns:p="http://schemas.openxmlformats.org/presentationml/2006/main">
   <p:cSld>
     <p:spTree>
       <p:nvGrpSpPr>
-        <p:cNvPr id="59" name="Shape 59"/>
-        <p:cNvGrpSpPr/>
-        <p:nvPr/>
-      </p:nvGrpSpPr>
-      <p:grpSpPr>
-        <a:xfrm>
-          <a:off x="0" y="0"/>
-          <a:ext cx="0" cy="0"/>
-          <a:chOff x="0" y="0"/>
-          <a:chExt cx="0" cy="0"/>
-        </a:xfrm>
-      </p:grpSpPr>
-      <p:sp>
-        <p:nvSpPr>
-          <p:cNvPr id="60" name="Google Shape;60;p14"/>
-          <p:cNvSpPr txBox="1"/>
-          <p:nvPr>
-            <p:ph type="title"/>
-          </p:nvPr>
-        </p:nvSpPr>
-        <p:spPr>
-          <a:xfrm>
-            <a:off x="311700" y="445025"/>
-            <a:ext cx="8520600" cy="572700"/>
-          </a:xfrm>
-          <a:prstGeom prst="rect">
-            <a:avLst/>
-          </a:prstGeom>
-        </p:spPr>
-        <p:txBody>
-          <a:bodyPr anchorCtr="0" anchor="t" bIns="91425" lIns="91425" spcFirstLastPara="1" rIns="91425" wrap="square" tIns="91425">
-            <a:normAutofit fontScale="90000"/>
-          </a:bodyPr>
-          <a:lstStyle/>
-          <a:p>
-            <a:pPr indent="0" lvl="0" marL="0" rtl="0" algn="l">
-              <a:spcBef>
-                <a:spcPts val="0"/>
-              </a:spcBef>
-              <a:spcAft>
-                <a:spcPts val="0"/>
-              </a:spcAft>
-              <a:buNone/>
-            </a:pPr>
-            <a:r>
-              <a:rPr lang="en"/>
-              <a:t>Introduction</a:t>
-            </a:r>
-            <a:endParaRPr/>
-          </a:p>
-        </p:txBody>
-      </p:sp>
-      <p:sp>
-        <p:nvSpPr>
-          <p:cNvPr id="61" name="Google Shape;61;p14"/>
-          <p:cNvSpPr txBox="1"/>
-          <p:nvPr>
-            <p:ph idx="1" type="body"/>
-          </p:nvPr>
-        </p:nvSpPr>
-        <p:spPr>
-          <a:xfrm>
-            <a:off x="311700" y="1152475"/>
-            <a:ext cx="8520600" cy="3416400"/>
-          </a:xfrm>
-          <a:prstGeom prst="rect">
-            <a:avLst/>
-          </a:prstGeom>
-        </p:spPr>
-        <p:txBody>
-          <a:bodyPr anchorCtr="0" anchor="t" bIns="91425" lIns="91425" spcFirstLastPara="1" rIns="91425" wrap="square" tIns="91425">
-            <a:normAutofit/>
-          </a:bodyPr>
-          <a:lstStyle/>
-          <a:p>
-            <a:pPr indent="-342900" lvl="0" marL="457200" rtl="0" algn="l">
-              <a:spcBef>
-                <a:spcPts val="0"/>
-              </a:spcBef>
-              <a:spcAft>
-                <a:spcPts val="0"/>
-              </a:spcAft>
-              <a:buSzPts val="1800"/>
-              <a:buChar char="●"/>
-            </a:pPr>
-            <a:r>
-              <a:rPr lang="en"/>
-              <a:t>The Ising model is a mathematical model used to describe the behavior of a </a:t>
-            </a:r>
-            <a:r>
-              <a:rPr b="1" lang="en" u="sng"/>
-              <a:t>system of interacting spins</a:t>
-            </a:r>
-            <a:r>
-              <a:rPr lang="en"/>
-              <a:t>.</a:t>
-            </a:r>
-            <a:endParaRPr/>
-          </a:p>
-          <a:p>
-            <a:pPr indent="-342900" lvl="0" marL="457200" rtl="0" algn="l">
-              <a:spcBef>
-                <a:spcPts val="0"/>
-              </a:spcBef>
-              <a:spcAft>
-                <a:spcPts val="0"/>
-              </a:spcAft>
-              <a:buSzPts val="1800"/>
-              <a:buChar char="●"/>
-            </a:pPr>
-            <a:r>
-              <a:rPr lang="en"/>
-              <a:t>named after the physicist Ernst Ising, who first introduced it in his PhD thesis in 1925</a:t>
-            </a:r>
-            <a:endParaRPr/>
-          </a:p>
-          <a:p>
-            <a:pPr indent="-342900" lvl="0" marL="457200" rtl="0" algn="l">
-              <a:spcBef>
-                <a:spcPts val="0"/>
-              </a:spcBef>
-              <a:spcAft>
-                <a:spcPts val="0"/>
-              </a:spcAft>
-              <a:buSzPts val="1800"/>
-              <a:buChar char="●"/>
-            </a:pPr>
-            <a:r>
-              <a:rPr lang="en"/>
-              <a:t>The 2D Ising model is one of the simplest models of a </a:t>
-            </a:r>
-            <a:r>
-              <a:rPr b="1" lang="en" u="sng">
-                <a:solidFill>
-                  <a:srgbClr val="0000FF"/>
-                </a:solidFill>
-              </a:rPr>
-              <a:t>phase transition</a:t>
-            </a:r>
-            <a:endParaRPr b="1" u="sng">
-              <a:solidFill>
-                <a:srgbClr val="0000FF"/>
-              </a:solidFill>
-            </a:endParaRPr>
-          </a:p>
-        </p:txBody>
-      </p:sp>
-    </p:spTree>
-  </p:cSld>
-  <p:clrMapOvr>
-    <a:masterClrMapping/>
-  </p:clrMapOvr>
-</p:sld>
-</file>
-
-<file path=ppt/slides/slide3.xml><?xml version="1.0" encoding="utf-8"?>
-<p:sld xmlns:a="http://schemas.openxmlformats.org/drawingml/2006/main" xmlns:r="http://schemas.openxmlformats.org/officeDocument/2006/relationships" xmlns:mc="http://schemas.openxmlformats.org/markup-compatibility/2006" xmlns:mv="urn:schemas-microsoft-com:mac:vml" xmlns:p="http://schemas.openxmlformats.org/presentationml/2006/main" xmlns:c="http://schemas.openxmlformats.org/drawingml/2006/chart" xmlns:dgm="http://schemas.openxmlformats.org/drawingml/2006/diagram" xmlns:o="urn:schemas-microsoft-com:office:office" xmlns:v="urn:schemas-microsoft-com:vml" xmlns:pvml="urn:schemas-microsoft-com:office:powerpoint" xmlns:com="http://schemas.openxmlformats.org/drawingml/2006/compatibility" xmlns:p14="http://schemas.microsoft.com/office/powerpoint/2010/main" xmlns:p15="http://schemas.microsoft.com/office/powerpoint/2012/main" xmlns:ahyp="http://schemas.microsoft.com/office/drawing/2018/hyperlinkcolor">
-  <p:cSld>
-    <p:spTree>
-      <p:nvGrpSpPr>
-        <p:cNvPr id="65" name="Shape 65"/>
-        <p:cNvGrpSpPr/>
-        <p:nvPr/>
-      </p:nvGrpSpPr>
-      <p:grpSpPr>
-        <a:xfrm>
-          <a:off x="0" y="0"/>
-          <a:ext cx="0" cy="0"/>
-          <a:chOff x="0" y="0"/>
-          <a:chExt cx="0" cy="0"/>
-        </a:xfrm>
-      </p:grpSpPr>
-      <p:sp>
-        <p:nvSpPr>
-          <p:cNvPr id="66" name="Google Shape;66;p15"/>
-          <p:cNvSpPr txBox="1"/>
-          <p:nvPr>
-            <p:ph type="title"/>
-          </p:nvPr>
-        </p:nvSpPr>
-        <p:spPr>
-          <a:xfrm>
-            <a:off x="311700" y="445025"/>
-            <a:ext cx="8520600" cy="572700"/>
-          </a:xfrm>
-          <a:prstGeom prst="rect">
-            <a:avLst/>
-          </a:prstGeom>
-        </p:spPr>
-        <p:txBody>
-          <a:bodyPr anchorCtr="0" anchor="t" bIns="91425" lIns="91425" spcFirstLastPara="1" rIns="91425" wrap="square" tIns="91425">
-            <a:normAutofit fontScale="90000"/>
-          </a:bodyPr>
-          <a:lstStyle/>
-          <a:p>
-            <a:pPr indent="0" lvl="0" marL="0" rtl="0" algn="l">
-              <a:spcBef>
-                <a:spcPts val="0"/>
-              </a:spcBef>
-              <a:spcAft>
-                <a:spcPts val="0"/>
-              </a:spcAft>
-              <a:buNone/>
-            </a:pPr>
-            <a:r>
-              <a:rPr lang="en"/>
-              <a:t>Project Objective</a:t>
-            </a:r>
-            <a:endParaRPr/>
-          </a:p>
-        </p:txBody>
-      </p:sp>
-      <p:sp>
-        <p:nvSpPr>
-          <p:cNvPr id="67" name="Google Shape;67;p15"/>
-          <p:cNvSpPr txBox="1"/>
-          <p:nvPr>
-            <p:ph idx="1" type="body"/>
-          </p:nvPr>
-        </p:nvSpPr>
-        <p:spPr>
-          <a:xfrm>
-            <a:off x="311700" y="1152475"/>
-            <a:ext cx="8520600" cy="3416400"/>
-          </a:xfrm>
-          <a:prstGeom prst="rect">
-            <a:avLst/>
-          </a:prstGeom>
-        </p:spPr>
-        <p:txBody>
-          <a:bodyPr anchorCtr="0" anchor="t" bIns="91425" lIns="91425" spcFirstLastPara="1" rIns="91425" wrap="square" tIns="91425">
-            <a:normAutofit/>
-          </a:bodyPr>
-          <a:lstStyle/>
-          <a:p>
-            <a:pPr indent="-342900" lvl="0" marL="457200" rtl="0" algn="l">
-              <a:spcBef>
-                <a:spcPts val="0"/>
-              </a:spcBef>
-              <a:spcAft>
-                <a:spcPts val="0"/>
-              </a:spcAft>
-              <a:buSzPts val="1800"/>
-              <a:buChar char="●"/>
-            </a:pPr>
-            <a:r>
-              <a:rPr lang="en"/>
-              <a:t>To simulate the interaction of particles at different temperatures to find the critical temperature</a:t>
-            </a:r>
-            <a:endParaRPr/>
-          </a:p>
-          <a:p>
-            <a:pPr indent="-342900" lvl="0" marL="457200" rtl="0" algn="l">
-              <a:spcBef>
-                <a:spcPts val="0"/>
-              </a:spcBef>
-              <a:spcAft>
-                <a:spcPts val="0"/>
-              </a:spcAft>
-              <a:buSzPts val="1800"/>
-              <a:buChar char="●"/>
-            </a:pPr>
-            <a:r>
-              <a:rPr lang="en"/>
-              <a:t>To simulate the interaction of particles at different temperature and see how they behave with respect to time</a:t>
-            </a:r>
-            <a:endParaRPr/>
-          </a:p>
-        </p:txBody>
-      </p:sp>
-    </p:spTree>
-  </p:cSld>
-  <p:clrMapOvr>
-    <a:masterClrMapping/>
-  </p:clrMapOvr>
-</p:sld>
-</file>
-
-<file path=ppt/slides/slide4.xml><?xml version="1.0" encoding="utf-8"?>
-<p:sld xmlns:a="http://schemas.openxmlformats.org/drawingml/2006/main" xmlns:r="http://schemas.openxmlformats.org/officeDocument/2006/relationships" xmlns:mc="http://schemas.openxmlformats.org/markup-compatibility/2006" xmlns:mv="urn:schemas-microsoft-com:mac:vml" xmlns:p="http://schemas.openxmlformats.org/presentationml/2006/main" xmlns:c="http://schemas.openxmlformats.org/drawingml/2006/chart" xmlns:dgm="http://schemas.openxmlformats.org/drawingml/2006/diagram" xmlns:o="urn:schemas-microsoft-com:office:office" xmlns:v="urn:schemas-microsoft-com:vml" xmlns:pvml="urn:schemas-microsoft-com:office:powerpoint" xmlns:com="http://schemas.openxmlformats.org/drawingml/2006/compatibility" xmlns:p14="http://schemas.microsoft.com/office/powerpoint/2010/main" xmlns:p15="http://schemas.microsoft.com/office/powerpoint/2012/main" xmlns:ahyp="http://schemas.microsoft.com/office/drawing/2018/hyperlinkcolor">
-  <p:cSld>
-    <p:spTree>
-      <p:nvGrpSpPr>
-        <p:cNvPr id="71" name="Shape 71"/>
-        <p:cNvGrpSpPr/>
-        <p:nvPr/>
-      </p:nvGrpSpPr>
-      <p:grpSpPr>
-        <a:xfrm>
-          <a:off x="0" y="0"/>
-          <a:ext cx="0" cy="0"/>
-          <a:chOff x="0" y="0"/>
-          <a:chExt cx="0" cy="0"/>
-        </a:xfrm>
-      </p:grpSpPr>
-      <p:sp>
-        <p:nvSpPr>
-          <p:cNvPr id="72" name="Google Shape;72;p16"/>
-          <p:cNvSpPr txBox="1"/>
-          <p:nvPr>
-            <p:ph type="title"/>
-          </p:nvPr>
-        </p:nvSpPr>
-        <p:spPr>
-          <a:xfrm>
-            <a:off x="311700" y="445025"/>
-            <a:ext cx="8520600" cy="572700"/>
-          </a:xfrm>
-          <a:prstGeom prst="rect">
-            <a:avLst/>
-          </a:prstGeom>
-        </p:spPr>
-        <p:txBody>
-          <a:bodyPr anchorCtr="0" anchor="t" bIns="91425" lIns="91425" spcFirstLastPara="1" rIns="91425" wrap="square" tIns="91425">
-            <a:normAutofit fontScale="90000"/>
-          </a:bodyPr>
-          <a:lstStyle/>
-          <a:p>
-            <a:pPr indent="0" lvl="0" marL="0" rtl="0" algn="l">
-              <a:spcBef>
-                <a:spcPts val="0"/>
-              </a:spcBef>
-              <a:spcAft>
-                <a:spcPts val="0"/>
-              </a:spcAft>
-              <a:buNone/>
-            </a:pPr>
-            <a:r>
-              <a:rPr lang="en"/>
-              <a:t>The Algorithm</a:t>
-            </a:r>
-            <a:endParaRPr/>
-          </a:p>
-        </p:txBody>
-      </p:sp>
-      <p:sp>
-        <p:nvSpPr>
-          <p:cNvPr id="73" name="Google Shape;73;p16"/>
-          <p:cNvSpPr txBox="1"/>
-          <p:nvPr>
-            <p:ph idx="1" type="body"/>
-          </p:nvPr>
-        </p:nvSpPr>
-        <p:spPr>
-          <a:xfrm>
-            <a:off x="311700" y="1152475"/>
-            <a:ext cx="8520600" cy="3416400"/>
-          </a:xfrm>
-          <a:prstGeom prst="rect">
-            <a:avLst/>
-          </a:prstGeom>
-        </p:spPr>
-        <p:txBody>
-          <a:bodyPr anchorCtr="0" anchor="t" bIns="91425" lIns="91425" spcFirstLastPara="1" rIns="91425" wrap="square" tIns="91425">
-            <a:normAutofit fontScale="85000"/>
-          </a:bodyPr>
-          <a:lstStyle/>
-          <a:p>
-            <a:pPr indent="0" lvl="0" marL="0" rtl="0" algn="l">
-              <a:spcBef>
-                <a:spcPts val="0"/>
-              </a:spcBef>
-              <a:spcAft>
-                <a:spcPts val="0"/>
-              </a:spcAft>
-              <a:buClr>
-                <a:schemeClr val="dk1"/>
-              </a:buClr>
-              <a:buSzPct val="61111"/>
-              <a:buFont typeface="Arial"/>
-              <a:buNone/>
-            </a:pPr>
-            <a:r>
-              <a:rPr lang="en"/>
-              <a:t>The Monte Carlo Simulation of 2D Ising model according to Metropolis-Hastings algorithm. The</a:t>
-            </a:r>
-            <a:endParaRPr/>
-          </a:p>
-          <a:p>
-            <a:pPr indent="0" lvl="0" marL="0" rtl="0" algn="l">
-              <a:spcBef>
-                <a:spcPts val="1200"/>
-              </a:spcBef>
-              <a:spcAft>
-                <a:spcPts val="0"/>
-              </a:spcAft>
-              <a:buNone/>
-            </a:pPr>
-            <a:r>
-              <a:rPr lang="en"/>
-              <a:t>major steps of the algorithm are</a:t>
-            </a:r>
-            <a:endParaRPr/>
-          </a:p>
-          <a:p>
-            <a:pPr indent="-325755" lvl="0" marL="457200" rtl="0" algn="l">
-              <a:spcBef>
-                <a:spcPts val="1200"/>
-              </a:spcBef>
-              <a:spcAft>
-                <a:spcPts val="0"/>
-              </a:spcAft>
-              <a:buSzPct val="100000"/>
-              <a:buAutoNum type="arabicPeriod"/>
-            </a:pPr>
-            <a:r>
-              <a:rPr lang="en"/>
-              <a:t>Generate a initial spin configuration randomly. Use +1 as sping up and -1 as spin down</a:t>
-            </a:r>
-            <a:endParaRPr/>
-          </a:p>
-          <a:p>
-            <a:pPr indent="-325755" lvl="0" marL="457200" rtl="0" algn="l">
-              <a:spcBef>
-                <a:spcPts val="0"/>
-              </a:spcBef>
-              <a:spcAft>
-                <a:spcPts val="0"/>
-              </a:spcAft>
-              <a:buSzPct val="100000"/>
-              <a:buAutoNum type="arabicPeriod"/>
-            </a:pPr>
-            <a:r>
-              <a:rPr lang="en"/>
-              <a:t>Choose a spin at random</a:t>
-            </a:r>
-            <a:endParaRPr/>
-          </a:p>
-          <a:p>
-            <a:pPr indent="-325755" lvl="0" marL="457200" rtl="0" algn="l">
-              <a:spcBef>
-                <a:spcPts val="0"/>
-              </a:spcBef>
-              <a:spcAft>
-                <a:spcPts val="0"/>
-              </a:spcAft>
-              <a:buSzPct val="100000"/>
-              <a:buAutoNum type="arabicPeriod"/>
-            </a:pPr>
-            <a:r>
-              <a:rPr lang="en"/>
-              <a:t>Calculate energy (E_old)</a:t>
-            </a:r>
-            <a:endParaRPr/>
-          </a:p>
-          <a:p>
-            <a:pPr indent="-325755" lvl="0" marL="457200" rtl="0" algn="l">
-              <a:spcBef>
-                <a:spcPts val="0"/>
-              </a:spcBef>
-              <a:spcAft>
-                <a:spcPts val="0"/>
-              </a:spcAft>
-              <a:buSzPct val="100000"/>
-              <a:buAutoNum type="arabicPeriod"/>
-            </a:pPr>
-            <a:r>
-              <a:rPr lang="en"/>
-              <a:t>Flip the spin</a:t>
-            </a:r>
-            <a:endParaRPr/>
-          </a:p>
-          <a:p>
-            <a:pPr indent="-325755" lvl="0" marL="457200" rtl="0" algn="l">
-              <a:spcBef>
-                <a:spcPts val="0"/>
-              </a:spcBef>
-              <a:spcAft>
-                <a:spcPts val="0"/>
-              </a:spcAft>
-              <a:buSzPct val="100000"/>
-              <a:buAutoNum type="arabicPeriod"/>
-            </a:pPr>
-            <a:r>
-              <a:rPr lang="en"/>
-              <a:t>Calculate new energy (E_new)</a:t>
-            </a:r>
-            <a:endParaRPr/>
-          </a:p>
-          <a:p>
-            <a:pPr indent="-325755" lvl="0" marL="457200" rtl="0" algn="l">
-              <a:spcBef>
-                <a:spcPts val="0"/>
-              </a:spcBef>
-              <a:spcAft>
-                <a:spcPts val="0"/>
-              </a:spcAft>
-              <a:buSzPct val="100000"/>
-              <a:buAutoNum type="arabicPeriod"/>
-            </a:pPr>
-            <a:r>
-              <a:rPr lang="en"/>
-              <a:t>I</a:t>
-            </a:r>
-            <a:r>
-              <a:rPr lang="en"/>
-              <a:t>f (E_new&lt;E_old) accept the flip and go to step 2 for another step else go to step 7</a:t>
-            </a:r>
-            <a:endParaRPr/>
-          </a:p>
-          <a:p>
-            <a:pPr indent="-325755" lvl="0" marL="457200" rtl="0" algn="l">
-              <a:spcBef>
-                <a:spcPts val="0"/>
-              </a:spcBef>
-              <a:spcAft>
-                <a:spcPts val="0"/>
-              </a:spcAft>
-              <a:buSzPct val="100000"/>
-              <a:buAutoNum type="arabicPeriod"/>
-            </a:pPr>
-            <a:r>
-              <a:rPr lang="en"/>
-              <a:t>Find en = ((E_new-Eold)/T) and generate random number between 0 and 1 say ®</a:t>
-            </a:r>
-            <a:endParaRPr/>
-          </a:p>
-          <a:p>
-            <a:pPr indent="-325755" lvl="0" marL="457200" rtl="0" algn="l">
-              <a:spcBef>
-                <a:spcPts val="0"/>
-              </a:spcBef>
-              <a:spcAft>
-                <a:spcPts val="0"/>
-              </a:spcAft>
-              <a:buSzPct val="100000"/>
-              <a:buAutoNum type="arabicPeriod"/>
-            </a:pPr>
-            <a:r>
-              <a:rPr lang="en"/>
-              <a:t>Accept the flip if r&gt;en else do not flip</a:t>
-            </a:r>
-            <a:endParaRPr/>
-          </a:p>
-          <a:p>
-            <a:pPr indent="-325755" lvl="0" marL="457200" rtl="0" algn="l">
-              <a:spcBef>
-                <a:spcPts val="0"/>
-              </a:spcBef>
-              <a:spcAft>
-                <a:spcPts val="0"/>
-              </a:spcAft>
-              <a:buSzPct val="100000"/>
-              <a:buAutoNum type="arabicPeriod"/>
-            </a:pPr>
-            <a:r>
-              <a:rPr lang="en"/>
-              <a:t>Go to step 2 (Until Converges)</a:t>
-            </a:r>
-            <a:endParaRPr/>
-          </a:p>
-        </p:txBody>
-      </p:sp>
-    </p:spTree>
-  </p:cSld>
-  <p:clrMapOvr>
-    <a:masterClrMapping/>
-  </p:clrMapOvr>
-</p:sld>
-</file>
-
-<file path=ppt/slides/slide5.xml><?xml version="1.0" encoding="utf-8"?>
-<p:sld xmlns:a="http://schemas.openxmlformats.org/drawingml/2006/main" xmlns:r="http://schemas.openxmlformats.org/officeDocument/2006/relationships" xmlns:mc="http://schemas.openxmlformats.org/markup-compatibility/2006" xmlns:mv="urn:schemas-microsoft-com:mac:vml" xmlns:p="http://schemas.openxmlformats.org/presentationml/2006/main" xmlns:c="http://schemas.openxmlformats.org/drawingml/2006/chart" xmlns:dgm="http://schemas.openxmlformats.org/drawingml/2006/diagram" xmlns:o="urn:schemas-microsoft-com:office:office" xmlns:v="urn:schemas-microsoft-com:vml" xmlns:pvml="urn:schemas-microsoft-com:office:powerpoint" xmlns:com="http://schemas.openxmlformats.org/drawingml/2006/compatibility" xmlns:p14="http://schemas.microsoft.com/office/powerpoint/2010/main" xmlns:p15="http://schemas.microsoft.com/office/powerpoint/2012/main" xmlns:ahyp="http://schemas.microsoft.com/office/drawing/2018/hyperlinkcolor">
-  <p:cSld>
-    <p:spTree>
-      <p:nvGrpSpPr>
-        <p:cNvPr id="77" name="Shape 77"/>
-        <p:cNvGrpSpPr/>
-        <p:nvPr/>
-      </p:nvGrpSpPr>
-      <p:grpSpPr>
-        <a:xfrm>
-          <a:off x="0" y="0"/>
-          <a:ext cx="0" cy="0"/>
-          <a:chOff x="0" y="0"/>
-          <a:chExt cx="0" cy="0"/>
-        </a:xfrm>
-      </p:grpSpPr>
-      <p:sp>
-        <p:nvSpPr>
-          <p:cNvPr id="78" name="Google Shape;78;p17"/>
-          <p:cNvSpPr txBox="1"/>
-          <p:nvPr>
-            <p:ph type="title"/>
-          </p:nvPr>
-        </p:nvSpPr>
-        <p:spPr>
-          <a:xfrm>
-            <a:off x="311700" y="445025"/>
-            <a:ext cx="8520600" cy="572700"/>
-          </a:xfrm>
-          <a:prstGeom prst="rect">
-            <a:avLst/>
-          </a:prstGeom>
-        </p:spPr>
-        <p:txBody>
-          <a:bodyPr anchorCtr="0" anchor="t" bIns="91425" lIns="91425" spcFirstLastPara="1" rIns="91425" wrap="square" tIns="91425">
-            <a:normAutofit fontScale="90000"/>
-          </a:bodyPr>
-          <a:lstStyle/>
-          <a:p>
-            <a:pPr indent="0" lvl="0" marL="0" rtl="0" algn="l">
-              <a:spcBef>
-                <a:spcPts val="0"/>
-              </a:spcBef>
-              <a:spcAft>
-                <a:spcPts val="0"/>
-              </a:spcAft>
-              <a:buNone/>
-            </a:pPr>
-            <a:r>
-              <a:rPr lang="en"/>
-              <a:t>The Initial Configuration</a:t>
-            </a:r>
-            <a:endParaRPr/>
-          </a:p>
-        </p:txBody>
-      </p:sp>
-      <p:sp>
-        <p:nvSpPr>
-          <p:cNvPr id="79" name="Google Shape;79;p17"/>
-          <p:cNvSpPr txBox="1"/>
-          <p:nvPr>
-            <p:ph idx="1" type="body"/>
-          </p:nvPr>
-        </p:nvSpPr>
-        <p:spPr>
-          <a:xfrm>
-            <a:off x="311700" y="1152475"/>
-            <a:ext cx="8520600" cy="3416400"/>
-          </a:xfrm>
-          <a:prstGeom prst="rect">
-            <a:avLst/>
-          </a:prstGeom>
-        </p:spPr>
-        <p:txBody>
-          <a:bodyPr anchorCtr="0" anchor="t" bIns="91425" lIns="91425" spcFirstLastPara="1" rIns="91425" wrap="square" tIns="91425">
-            <a:normAutofit/>
-          </a:bodyPr>
-          <a:lstStyle/>
-          <a:p>
-            <a:pPr indent="0" lvl="0" marL="0" rtl="0" algn="l">
-              <a:spcBef>
-                <a:spcPts val="0"/>
-              </a:spcBef>
-              <a:spcAft>
-                <a:spcPts val="1200"/>
-              </a:spcAft>
-              <a:buNone/>
-            </a:pPr>
-            <a:r>
-              <a:t/>
-            </a:r>
-            <a:endParaRPr/>
-          </a:p>
-        </p:txBody>
-      </p:sp>
-      <p:pic>
-        <p:nvPicPr>
-          <p:cNvPr id="80" name="Google Shape;80;p17"/>
-          <p:cNvPicPr preferRelativeResize="0"/>
-          <p:nvPr/>
-        </p:nvPicPr>
-        <p:blipFill>
-          <a:blip r:embed="rId3">
-            <a:alphaModFix/>
-          </a:blip>
-          <a:stretch>
-            <a:fillRect/>
-          </a:stretch>
-        </p:blipFill>
-        <p:spPr>
-          <a:xfrm>
-            <a:off x="2473025" y="1615800"/>
-            <a:ext cx="4114800" cy="2743200"/>
-          </a:xfrm>
-          <a:prstGeom prst="rect">
-            <a:avLst/>
-          </a:prstGeom>
-          <a:noFill/>
-          <a:ln>
-            <a:noFill/>
-          </a:ln>
-        </p:spPr>
-      </p:pic>
-    </p:spTree>
-  </p:cSld>
-  <p:clrMapOvr>
-    <a:masterClrMapping/>
-  </p:clrMapOvr>
-</p:sld>
-</file>
-
-<file path=ppt/slides/slide6.xml><?xml version="1.0" encoding="utf-8"?>
-<p:sld xmlns:a="http://schemas.openxmlformats.org/drawingml/2006/main" xmlns:r="http://schemas.openxmlformats.org/officeDocument/2006/relationships" xmlns:mc="http://schemas.openxmlformats.org/markup-compatibility/2006" xmlns:mv="urn:schemas-microsoft-com:mac:vml" xmlns:p="http://schemas.openxmlformats.org/presentationml/2006/main" xmlns:c="http://schemas.openxmlformats.org/drawingml/2006/chart" xmlns:dgm="http://schemas.openxmlformats.org/drawingml/2006/diagram" xmlns:o="urn:schemas-microsoft-com:office:office" xmlns:v="urn:schemas-microsoft-com:vml" xmlns:pvml="urn:schemas-microsoft-com:office:powerpoint" xmlns:com="http://schemas.openxmlformats.org/drawingml/2006/compatibility" xmlns:p14="http://schemas.microsoft.com/office/powerpoint/2010/main" xmlns:p15="http://schemas.microsoft.com/office/powerpoint/2012/main" xmlns:ahyp="http://schemas.microsoft.com/office/drawing/2018/hyperlinkcolor">
-  <p:cSld>
-    <p:spTree>
-      <p:nvGrpSpPr>
-        <p:cNvPr id="84" name="Shape 84"/>
-        <p:cNvGrpSpPr/>
-        <p:nvPr/>
-      </p:nvGrpSpPr>
-      <p:grpSpPr>
-        <a:xfrm>
-          <a:off x="0" y="0"/>
-          <a:ext cx="0" cy="0"/>
-          <a:chOff x="0" y="0"/>
-          <a:chExt cx="0" cy="0"/>
-        </a:xfrm>
-      </p:grpSpPr>
-      <p:sp>
-        <p:nvSpPr>
-          <p:cNvPr id="85" name="Google Shape;85;p18"/>
-          <p:cNvSpPr txBox="1"/>
-          <p:nvPr>
-            <p:ph type="title"/>
-          </p:nvPr>
-        </p:nvSpPr>
-        <p:spPr>
-          <a:xfrm>
-            <a:off x="311700" y="445025"/>
-            <a:ext cx="8520600" cy="572700"/>
-          </a:xfrm>
-          <a:prstGeom prst="rect">
-            <a:avLst/>
-          </a:prstGeom>
-        </p:spPr>
-        <p:txBody>
-          <a:bodyPr anchorCtr="0" anchor="t" bIns="91425" lIns="91425" spcFirstLastPara="1" rIns="91425" wrap="square" tIns="91425">
-            <a:normAutofit fontScale="90000"/>
-          </a:bodyPr>
-          <a:lstStyle/>
-          <a:p>
-            <a:pPr indent="0" lvl="0" marL="0" rtl="0" algn="l">
-              <a:spcBef>
-                <a:spcPts val="0"/>
-              </a:spcBef>
-              <a:spcAft>
-                <a:spcPts val="0"/>
-              </a:spcAft>
-              <a:buNone/>
-            </a:pPr>
-            <a:r>
-              <a:rPr lang="en"/>
-              <a:t>Energy and Magnetization</a:t>
-            </a:r>
-            <a:endParaRPr/>
-          </a:p>
-        </p:txBody>
-      </p:sp>
-      <p:pic>
-        <p:nvPicPr>
-          <p:cNvPr id="86" name="Google Shape;86;p18"/>
-          <p:cNvPicPr preferRelativeResize="0"/>
-          <p:nvPr/>
-        </p:nvPicPr>
-        <p:blipFill>
-          <a:blip r:embed="rId3">
-            <a:alphaModFix/>
-          </a:blip>
-          <a:stretch>
-            <a:fillRect/>
-          </a:stretch>
-        </p:blipFill>
-        <p:spPr>
-          <a:xfrm>
-            <a:off x="4301825" y="1284275"/>
-            <a:ext cx="4183275" cy="2760750"/>
-          </a:xfrm>
-          <a:prstGeom prst="rect">
-            <a:avLst/>
-          </a:prstGeom>
-          <a:noFill/>
-          <a:ln>
-            <a:noFill/>
-          </a:ln>
-        </p:spPr>
-      </p:pic>
-      <p:pic>
-        <p:nvPicPr>
-          <p:cNvPr id="87" name="Google Shape;87;p18"/>
-          <p:cNvPicPr preferRelativeResize="0"/>
-          <p:nvPr/>
-        </p:nvPicPr>
-        <p:blipFill>
-          <a:blip r:embed="rId4">
-            <a:alphaModFix/>
-          </a:blip>
-          <a:stretch>
-            <a:fillRect/>
-          </a:stretch>
-        </p:blipFill>
-        <p:spPr>
-          <a:xfrm>
-            <a:off x="311700" y="1284263"/>
-            <a:ext cx="3774000" cy="2574975"/>
-          </a:xfrm>
-          <a:prstGeom prst="rect">
-            <a:avLst/>
-          </a:prstGeom>
-          <a:noFill/>
-          <a:ln>
-            <a:noFill/>
-          </a:ln>
-        </p:spPr>
-      </p:pic>
-    </p:spTree>
-  </p:cSld>
-  <p:clrMapOvr>
-    <a:masterClrMapping/>
-  </p:clrMapOvr>
-</p:sld>
-</file>
-
-<file path=ppt/slides/slide7.xml><?xml version="1.0" encoding="utf-8"?>
-<p:sld xmlns:a="http://schemas.openxmlformats.org/drawingml/2006/main" xmlns:r="http://schemas.openxmlformats.org/officeDocument/2006/relationships" xmlns:mc="http://schemas.openxmlformats.org/markup-compatibility/2006" xmlns:mv="urn:schemas-microsoft-com:mac:vml" xmlns:p="http://schemas.openxmlformats.org/presentationml/2006/main" xmlns:c="http://schemas.openxmlformats.org/drawingml/2006/chart" xmlns:dgm="http://schemas.openxmlformats.org/drawingml/2006/diagram" xmlns:o="urn:schemas-microsoft-com:office:office" xmlns:v="urn:schemas-microsoft-com:vml" xmlns:pvml="urn:schemas-microsoft-com:office:powerpoint" xmlns:com="http://schemas.openxmlformats.org/drawingml/2006/compatibility" xmlns:p14="http://schemas.microsoft.com/office/powerpoint/2010/main" xmlns:p15="http://schemas.microsoft.com/office/powerpoint/2012/main" xmlns:ahyp="http://schemas.microsoft.com/office/drawing/2018/hyperlinkcolor">
-  <p:cSld>
-    <p:spTree>
-      <p:nvGrpSpPr>
-        <p:cNvPr id="91" name="Shape 91"/>
-        <p:cNvGrpSpPr/>
-        <p:nvPr/>
-      </p:nvGrpSpPr>
-      <p:grpSpPr>
-        <a:xfrm>
-          <a:off x="0" y="0"/>
-          <a:ext cx="0" cy="0"/>
-          <a:chOff x="0" y="0"/>
-          <a:chExt cx="0" cy="0"/>
-        </a:xfrm>
-      </p:grpSpPr>
-      <p:sp>
-        <p:nvSpPr>
-          <p:cNvPr id="92" name="Google Shape;92;p19"/>
-          <p:cNvSpPr txBox="1"/>
-          <p:nvPr>
-            <p:ph type="title"/>
-          </p:nvPr>
-        </p:nvSpPr>
-        <p:spPr>
-          <a:xfrm>
-            <a:off x="311700" y="445025"/>
-            <a:ext cx="8520600" cy="572700"/>
-          </a:xfrm>
-          <a:prstGeom prst="rect">
-            <a:avLst/>
-          </a:prstGeom>
-        </p:spPr>
-        <p:txBody>
-          <a:bodyPr anchorCtr="0" anchor="t" bIns="91425" lIns="91425" spcFirstLastPara="1" rIns="91425" wrap="square" tIns="91425">
-            <a:normAutofit fontScale="90000"/>
-          </a:bodyPr>
-          <a:lstStyle/>
-          <a:p>
-            <a:pPr indent="0" lvl="0" marL="0" rtl="0" algn="l">
-              <a:spcBef>
-                <a:spcPts val="0"/>
-              </a:spcBef>
-              <a:spcAft>
-                <a:spcPts val="0"/>
-              </a:spcAft>
-              <a:buNone/>
-            </a:pPr>
-            <a:r>
-              <a:rPr lang="en"/>
-              <a:t>Final Stage for Temperature=1</a:t>
-            </a:r>
-            <a:endParaRPr/>
-          </a:p>
-        </p:txBody>
-      </p:sp>
-      <p:sp>
-        <p:nvSpPr>
-          <p:cNvPr id="93" name="Google Shape;93;p19"/>
-          <p:cNvSpPr txBox="1"/>
-          <p:nvPr>
-            <p:ph idx="1" type="body"/>
-          </p:nvPr>
-        </p:nvSpPr>
-        <p:spPr>
-          <a:xfrm>
-            <a:off x="311700" y="1152475"/>
-            <a:ext cx="8520600" cy="3416400"/>
-          </a:xfrm>
-          <a:prstGeom prst="rect">
-            <a:avLst/>
-          </a:prstGeom>
-        </p:spPr>
-        <p:txBody>
-          <a:bodyPr anchorCtr="0" anchor="t" bIns="91425" lIns="91425" spcFirstLastPara="1" rIns="91425" wrap="square" tIns="91425">
-            <a:normAutofit/>
-          </a:bodyPr>
-          <a:lstStyle/>
-          <a:p>
-            <a:pPr indent="0" lvl="0" marL="0" rtl="0" algn="l">
-              <a:spcBef>
-                <a:spcPts val="0"/>
-              </a:spcBef>
-              <a:spcAft>
-                <a:spcPts val="1200"/>
-              </a:spcAft>
-              <a:buNone/>
-            </a:pPr>
-            <a:r>
-              <a:t/>
-            </a:r>
-            <a:endParaRPr/>
-          </a:p>
-        </p:txBody>
-      </p:sp>
-      <p:pic>
-        <p:nvPicPr>
-          <p:cNvPr id="94" name="Google Shape;94;p19"/>
-          <p:cNvPicPr preferRelativeResize="0"/>
-          <p:nvPr/>
-        </p:nvPicPr>
-        <p:blipFill>
-          <a:blip r:embed="rId3">
-            <a:alphaModFix/>
-          </a:blip>
-          <a:stretch>
-            <a:fillRect/>
-          </a:stretch>
-        </p:blipFill>
-        <p:spPr>
-          <a:xfrm>
-            <a:off x="3329004" y="1390650"/>
-            <a:ext cx="3271300" cy="3108375"/>
-          </a:xfrm>
-          <a:prstGeom prst="rect">
-            <a:avLst/>
-          </a:prstGeom>
-          <a:noFill/>
-          <a:ln>
-            <a:noFill/>
-          </a:ln>
-        </p:spPr>
-      </p:pic>
-    </p:spTree>
-  </p:cSld>
-  <p:clrMapOvr>
-    <a:masterClrMapping/>
-  </p:clrMapOvr>
-</p:sld>
-</file>
-
-<file path=ppt/slides/slide8.xml><?xml version="1.0" encoding="utf-8"?>
-<p:sld xmlns:a="http://schemas.openxmlformats.org/drawingml/2006/main" xmlns:r="http://schemas.openxmlformats.org/officeDocument/2006/relationships" xmlns:mc="http://schemas.openxmlformats.org/markup-compatibility/2006" xmlns:mv="urn:schemas-microsoft-com:mac:vml" xmlns:p="http://schemas.openxmlformats.org/presentationml/2006/main" xmlns:c="http://schemas.openxmlformats.org/drawingml/2006/chart" xmlns:dgm="http://schemas.openxmlformats.org/drawingml/2006/diagram" xmlns:o="urn:schemas-microsoft-com:office:office" xmlns:v="urn:schemas-microsoft-com:vml" xmlns:pvml="urn:schemas-microsoft-com:office:powerpoint" xmlns:com="http://schemas.openxmlformats.org/drawingml/2006/compatibility" xmlns:p14="http://schemas.microsoft.com/office/powerpoint/2010/main" xmlns:p15="http://schemas.microsoft.com/office/powerpoint/2012/main" xmlns:ahyp="http://schemas.microsoft.com/office/drawing/2018/hyperlinkcolor">
-  <p:cSld>
-    <p:spTree>
-      <p:nvGrpSpPr>
-        <p:cNvPr id="98" name="Shape 98"/>
+        <p:cNvPr id="1" name="Shape 98"/>
         <p:cNvGrpSpPr/>
         <p:nvPr/>
       </p:nvGrpSpPr>
@@ -7325,27 +6597,25 @@
       <p:sp>
         <p:nvSpPr>
           <p:cNvPr id="99" name="Google Shape;99;p20"/>
-          <p:cNvSpPr txBox="1"/>
+          <p:cNvSpPr txBox="1">
+            <a:spLocks noGrp="1"/>
+          </p:cNvSpPr>
           <p:nvPr>
             <p:ph type="title"/>
           </p:nvPr>
         </p:nvSpPr>
         <p:spPr>
-          <a:xfrm>
-            <a:off x="311700" y="445025"/>
-            <a:ext cx="8520600" cy="572700"/>
-          </a:xfrm>
           <a:prstGeom prst="rect">
             <a:avLst/>
           </a:prstGeom>
         </p:spPr>
         <p:txBody>
-          <a:bodyPr anchorCtr="0" anchor="t" bIns="91425" lIns="91425" spcFirstLastPara="1" rIns="91425" wrap="square" tIns="91425">
+          <a:bodyPr spcFirstLastPara="1" wrap="square" lIns="91425" tIns="91425" rIns="91425" bIns="91425" anchor="t" anchorCtr="0">
             <a:normAutofit fontScale="90000"/>
           </a:bodyPr>
           <a:lstStyle/>
           <a:p>
-            <a:pPr indent="0" lvl="0" marL="0" rtl="0" algn="l">
+            <a:pPr marL="0" lvl="0" indent="0" algn="l" rtl="0">
               <a:spcBef>
                 <a:spcPts val="0"/>
               </a:spcBef>
@@ -7355,61 +6625,28 @@
               <a:buNone/>
             </a:pPr>
             <a:r>
-              <a:rPr lang="en"/>
-              <a:t>Snapshots</a:t>
+              <a:rPr lang="en" dirty="0" smtClean="0"/>
+              <a:t>Snapshots At Different time for 10x10 Lattice</a:t>
             </a:r>
-            <a:endParaRPr/>
-          </a:p>
-        </p:txBody>
-      </p:sp>
-      <p:sp>
-        <p:nvSpPr>
-          <p:cNvPr id="100" name="Google Shape;100;p20"/>
-          <p:cNvSpPr txBox="1"/>
-          <p:nvPr>
-            <p:ph idx="1" type="body"/>
-          </p:nvPr>
-        </p:nvSpPr>
-        <p:spPr>
-          <a:xfrm>
-            <a:off x="311700" y="1152475"/>
-            <a:ext cx="8520600" cy="3416400"/>
-          </a:xfrm>
-          <a:prstGeom prst="rect">
-            <a:avLst/>
-          </a:prstGeom>
-        </p:spPr>
-        <p:txBody>
-          <a:bodyPr anchorCtr="0" anchor="t" bIns="91425" lIns="91425" spcFirstLastPara="1" rIns="91425" wrap="square" tIns="91425">
-            <a:normAutofit/>
-          </a:bodyPr>
-          <a:lstStyle/>
-          <a:p>
-            <a:pPr indent="0" lvl="0" marL="0" rtl="0" algn="l">
-              <a:spcBef>
-                <a:spcPts val="0"/>
-              </a:spcBef>
-              <a:spcAft>
-                <a:spcPts val="1200"/>
-              </a:spcAft>
-              <a:buNone/>
-            </a:pPr>
-            <a:r>
-              <a:t/>
-            </a:r>
-            <a:endParaRPr/>
+            <a:endParaRPr dirty="0"/>
           </a:p>
         </p:txBody>
       </p:sp>
       <p:pic>
         <p:nvPicPr>
-          <p:cNvPr id="101" name="Google Shape;101;p20"/>
-          <p:cNvPicPr preferRelativeResize="0"/>
+          <p:cNvPr id="2" name="Picture 1"/>
+          <p:cNvPicPr>
+            <a:picLocks noChangeAspect="1"/>
+          </p:cNvPicPr>
           <p:nvPr/>
         </p:nvPicPr>
         <p:blipFill>
           <a:blip r:embed="rId3">
-            <a:alphaModFix/>
+            <a:extLst>
+              <a:ext uri="{28A0092B-C50C-407E-A947-70E740481C1C}">
+                <a14:useLocalDpi xmlns:a14="http://schemas.microsoft.com/office/drawing/2010/main" val="0"/>
+              </a:ext>
+            </a:extLst>
           </a:blip>
           <a:stretch>
             <a:fillRect/>
@@ -7417,19 +6654,175 @@
         </p:blipFill>
         <p:spPr>
           <a:xfrm>
-            <a:off x="2381250" y="433401"/>
-            <a:ext cx="4686650" cy="4574575"/>
+            <a:off x="1627464" y="731375"/>
+            <a:ext cx="5670958" cy="4508159"/>
           </a:xfrm>
           <a:prstGeom prst="rect">
             <a:avLst/>
           </a:prstGeom>
-          <a:noFill/>
-          <a:ln>
-            <a:noFill/>
-          </a:ln>
         </p:spPr>
       </p:pic>
+      <p:sp>
+        <p:nvSpPr>
+          <p:cNvPr id="3" name="Slide Number Placeholder 2"/>
+          <p:cNvSpPr>
+            <a:spLocks noGrp="1"/>
+          </p:cNvSpPr>
+          <p:nvPr>
+            <p:ph type="sldNum" idx="12"/>
+          </p:nvPr>
+        </p:nvSpPr>
+        <p:spPr/>
+        <p:txBody>
+          <a:bodyPr/>
+          <a:lstStyle/>
+          <a:p>
+            <a:pPr marL="0" lvl="0" indent="0" algn="r" rtl="0">
+              <a:spcBef>
+                <a:spcPts val="0"/>
+              </a:spcBef>
+              <a:spcAft>
+                <a:spcPts val="0"/>
+              </a:spcAft>
+              <a:buNone/>
+            </a:pPr>
+            <a:fld id="{00000000-1234-1234-1234-123412341234}" type="slidenum">
+              <a:rPr lang="en" smtClean="0"/>
+              <a:t>10</a:t>
+            </a:fld>
+            <a:endParaRPr lang="en"/>
+          </a:p>
+        </p:txBody>
+      </p:sp>
     </p:spTree>
+  </p:cSld>
+  <p:clrMapOvr>
+    <a:masterClrMapping/>
+  </p:clrMapOvr>
+  <p:timing>
+    <p:tnLst>
+      <p:par>
+        <p:cTn id="1" dur="indefinite" restart="never" nodeType="tmRoot"/>
+      </p:par>
+    </p:tnLst>
+  </p:timing>
+</p:sld>
+</file>
+
+<file path=ppt/slides/slide11.xml><?xml version="1.0" encoding="utf-8"?>
+<p:sld xmlns:a="http://schemas.openxmlformats.org/drawingml/2006/main" xmlns:r="http://schemas.openxmlformats.org/officeDocument/2006/relationships" xmlns:p="http://schemas.openxmlformats.org/presentationml/2006/main">
+  <p:cSld>
+    <p:spTree>
+      <p:nvGrpSpPr>
+        <p:cNvPr id="1" name=""/>
+        <p:cNvGrpSpPr/>
+        <p:nvPr/>
+      </p:nvGrpSpPr>
+      <p:grpSpPr>
+        <a:xfrm>
+          <a:off x="0" y="0"/>
+          <a:ext cx="0" cy="0"/>
+          <a:chOff x="0" y="0"/>
+          <a:chExt cx="0" cy="0"/>
+        </a:xfrm>
+      </p:grpSpPr>
+      <p:sp>
+        <p:nvSpPr>
+          <p:cNvPr id="2" name="Title 1"/>
+          <p:cNvSpPr>
+            <a:spLocks noGrp="1"/>
+          </p:cNvSpPr>
+          <p:nvPr>
+            <p:ph type="title"/>
+          </p:nvPr>
+        </p:nvSpPr>
+        <p:spPr/>
+        <p:txBody>
+          <a:bodyPr>
+            <a:normAutofit fontScale="90000"/>
+          </a:bodyPr>
+          <a:lstStyle/>
+          <a:p>
+            <a:r>
+              <a:rPr lang="en" dirty="0"/>
+              <a:t>Snapshots At Different time for </a:t>
+            </a:r>
+            <a:r>
+              <a:rPr lang="en" dirty="0" smtClean="0"/>
+              <a:t>64x64 Lattice</a:t>
+            </a:r>
+            <a:endParaRPr lang="en-US" dirty="0"/>
+          </a:p>
+        </p:txBody>
+      </p:sp>
+      <p:pic>
+        <p:nvPicPr>
+          <p:cNvPr id="4" name="Picture 3"/>
+          <p:cNvPicPr>
+            <a:picLocks noChangeAspect="1"/>
+          </p:cNvPicPr>
+          <p:nvPr/>
+        </p:nvPicPr>
+        <p:blipFill>
+          <a:blip r:embed="rId2">
+            <a:extLst>
+              <a:ext uri="{28A0092B-C50C-407E-A947-70E740481C1C}">
+                <a14:useLocalDpi xmlns:a14="http://schemas.microsoft.com/office/drawing/2010/main" val="0"/>
+              </a:ext>
+            </a:extLst>
+          </a:blip>
+          <a:stretch>
+            <a:fillRect/>
+          </a:stretch>
+        </p:blipFill>
+        <p:spPr>
+          <a:xfrm>
+            <a:off x="455628" y="1098958"/>
+            <a:ext cx="7740415" cy="4300231"/>
+          </a:xfrm>
+          <a:prstGeom prst="rect">
+            <a:avLst/>
+          </a:prstGeom>
+        </p:spPr>
+      </p:pic>
+      <p:sp>
+        <p:nvSpPr>
+          <p:cNvPr id="5" name="Slide Number Placeholder 4"/>
+          <p:cNvSpPr>
+            <a:spLocks noGrp="1"/>
+          </p:cNvSpPr>
+          <p:nvPr>
+            <p:ph type="sldNum" idx="12"/>
+          </p:nvPr>
+        </p:nvSpPr>
+        <p:spPr/>
+        <p:txBody>
+          <a:bodyPr/>
+          <a:lstStyle/>
+          <a:p>
+            <a:pPr marL="0" lvl="0" indent="0" algn="r" rtl="0">
+              <a:spcBef>
+                <a:spcPts val="0"/>
+              </a:spcBef>
+              <a:spcAft>
+                <a:spcPts val="0"/>
+              </a:spcAft>
+              <a:buNone/>
+            </a:pPr>
+            <a:fld id="{00000000-1234-1234-1234-123412341234}" type="slidenum">
+              <a:rPr lang="en" smtClean="0"/>
+              <a:t>11</a:t>
+            </a:fld>
+            <a:endParaRPr lang="en"/>
+          </a:p>
+        </p:txBody>
+      </p:sp>
+    </p:spTree>
+    <p:extLst>
+      <p:ext uri="{BB962C8B-B14F-4D97-AF65-F5344CB8AC3E}">
+        <p14:creationId xmlns:p14="http://schemas.microsoft.com/office/powerpoint/2010/main" val="608864641"/>
+      </p:ext>
+    </p:extLst>
   </p:cSld>
   <p:clrMapOvr>
     <a:masterClrMapping/>
@@ -7437,12 +6830,370 @@
 </p:sld>
 </file>
 
-<file path=ppt/slides/slide9.xml><?xml version="1.0" encoding="utf-8"?>
-<p:sld xmlns:a="http://schemas.openxmlformats.org/drawingml/2006/main" xmlns:r="http://schemas.openxmlformats.org/officeDocument/2006/relationships" xmlns:mc="http://schemas.openxmlformats.org/markup-compatibility/2006" xmlns:mv="urn:schemas-microsoft-com:mac:vml" xmlns:p="http://schemas.openxmlformats.org/presentationml/2006/main" xmlns:c="http://schemas.openxmlformats.org/drawingml/2006/chart" xmlns:dgm="http://schemas.openxmlformats.org/drawingml/2006/diagram" xmlns:o="urn:schemas-microsoft-com:office:office" xmlns:v="urn:schemas-microsoft-com:vml" xmlns:pvml="urn:schemas-microsoft-com:office:powerpoint" xmlns:com="http://schemas.openxmlformats.org/drawingml/2006/compatibility" xmlns:p14="http://schemas.microsoft.com/office/powerpoint/2010/main" xmlns:p15="http://schemas.microsoft.com/office/powerpoint/2012/main" xmlns:ahyp="http://schemas.microsoft.com/office/drawing/2018/hyperlinkcolor">
+<file path=ppt/slides/slide12.xml><?xml version="1.0" encoding="utf-8"?>
+<p:sld xmlns:a="http://schemas.openxmlformats.org/drawingml/2006/main" xmlns:r="http://schemas.openxmlformats.org/officeDocument/2006/relationships" xmlns:p="http://schemas.openxmlformats.org/presentationml/2006/main">
   <p:cSld>
     <p:spTree>
       <p:nvGrpSpPr>
-        <p:cNvPr id="105" name="Shape 105"/>
+        <p:cNvPr id="1" name=""/>
+        <p:cNvGrpSpPr/>
+        <p:nvPr/>
+      </p:nvGrpSpPr>
+      <p:grpSpPr>
+        <a:xfrm>
+          <a:off x="0" y="0"/>
+          <a:ext cx="0" cy="0"/>
+          <a:chOff x="0" y="0"/>
+          <a:chExt cx="0" cy="0"/>
+        </a:xfrm>
+      </p:grpSpPr>
+      <p:sp>
+        <p:nvSpPr>
+          <p:cNvPr id="3" name="Title 2"/>
+          <p:cNvSpPr>
+            <a:spLocks noGrp="1"/>
+          </p:cNvSpPr>
+          <p:nvPr>
+            <p:ph type="title"/>
+          </p:nvPr>
+        </p:nvSpPr>
+        <p:spPr/>
+        <p:txBody>
+          <a:bodyPr>
+            <a:normAutofit fontScale="90000"/>
+          </a:bodyPr>
+          <a:lstStyle/>
+          <a:p>
+            <a:r>
+              <a:rPr lang="en-US" dirty="0" smtClean="0"/>
+              <a:t>Conclusion</a:t>
+            </a:r>
+            <a:endParaRPr lang="en-US" dirty="0"/>
+          </a:p>
+        </p:txBody>
+      </p:sp>
+      <p:sp>
+        <p:nvSpPr>
+          <p:cNvPr id="4" name="Text Placeholder 3"/>
+          <p:cNvSpPr>
+            <a:spLocks noGrp="1"/>
+          </p:cNvSpPr>
+          <p:nvPr>
+            <p:ph type="body" idx="1"/>
+          </p:nvPr>
+        </p:nvSpPr>
+        <p:spPr/>
+        <p:txBody>
+          <a:bodyPr/>
+          <a:lstStyle/>
+          <a:p>
+            <a:pPr marL="114300" indent="0">
+              <a:buNone/>
+            </a:pPr>
+            <a:r>
+              <a:rPr lang="en-US" dirty="0" smtClean="0"/>
+              <a:t>Achieved the Objectives set at the beginning</a:t>
+            </a:r>
+          </a:p>
+          <a:p>
+            <a:pPr lvl="0"/>
+            <a:r>
+              <a:rPr lang="en-US" dirty="0" smtClean="0"/>
+              <a:t>Simulated </a:t>
+            </a:r>
+            <a:r>
+              <a:rPr lang="en-US" dirty="0"/>
+              <a:t>the interaction of particles at different temperatures </a:t>
+            </a:r>
+            <a:r>
+              <a:rPr lang="en-US" dirty="0" smtClean="0"/>
+              <a:t>and found out the </a:t>
+            </a:r>
+            <a:r>
+              <a:rPr lang="en-US" dirty="0"/>
+              <a:t>critical temperature</a:t>
+            </a:r>
+          </a:p>
+          <a:p>
+            <a:pPr lvl="0"/>
+            <a:r>
+              <a:rPr lang="en-US" dirty="0" smtClean="0"/>
+              <a:t>Simulated </a:t>
+            </a:r>
+            <a:r>
+              <a:rPr lang="en-US" dirty="0"/>
+              <a:t>the interaction of particles at </a:t>
+            </a:r>
+            <a:r>
+              <a:rPr lang="en-US" dirty="0" smtClean="0"/>
+              <a:t>a given temperature </a:t>
+            </a:r>
+            <a:r>
+              <a:rPr lang="en-US" dirty="0"/>
+              <a:t>and see how they behave with respect to time</a:t>
+            </a:r>
+          </a:p>
+          <a:p>
+            <a:pPr marL="114300" indent="0">
+              <a:buNone/>
+            </a:pPr>
+            <a:endParaRPr lang="en-US" dirty="0" smtClean="0"/>
+          </a:p>
+          <a:p>
+            <a:endParaRPr lang="en-US" dirty="0"/>
+          </a:p>
+        </p:txBody>
+      </p:sp>
+      <p:sp>
+        <p:nvSpPr>
+          <p:cNvPr id="5" name="Slide Number Placeholder 4"/>
+          <p:cNvSpPr>
+            <a:spLocks noGrp="1"/>
+          </p:cNvSpPr>
+          <p:nvPr>
+            <p:ph type="sldNum" idx="12"/>
+          </p:nvPr>
+        </p:nvSpPr>
+        <p:spPr/>
+        <p:txBody>
+          <a:bodyPr/>
+          <a:lstStyle/>
+          <a:p>
+            <a:pPr marL="0" lvl="0" indent="0" algn="r" rtl="0">
+              <a:spcBef>
+                <a:spcPts val="0"/>
+              </a:spcBef>
+              <a:spcAft>
+                <a:spcPts val="0"/>
+              </a:spcAft>
+              <a:buNone/>
+            </a:pPr>
+            <a:fld id="{00000000-1234-1234-1234-123412341234}" type="slidenum">
+              <a:rPr lang="en" smtClean="0"/>
+              <a:t>12</a:t>
+            </a:fld>
+            <a:endParaRPr lang="en"/>
+          </a:p>
+        </p:txBody>
+      </p:sp>
+    </p:spTree>
+    <p:extLst>
+      <p:ext uri="{BB962C8B-B14F-4D97-AF65-F5344CB8AC3E}">
+        <p14:creationId xmlns:p14="http://schemas.microsoft.com/office/powerpoint/2010/main" val="3315242155"/>
+      </p:ext>
+    </p:extLst>
+  </p:cSld>
+  <p:clrMapOvr>
+    <a:masterClrMapping/>
+  </p:clrMapOvr>
+</p:sld>
+</file>
+
+<file path=ppt/slides/slide13.xml><?xml version="1.0" encoding="utf-8"?>
+<p:sld xmlns:a="http://schemas.openxmlformats.org/drawingml/2006/main" xmlns:r="http://schemas.openxmlformats.org/officeDocument/2006/relationships" xmlns:p="http://schemas.openxmlformats.org/presentationml/2006/main">
+  <p:cSld>
+    <p:spTree>
+      <p:nvGrpSpPr>
+        <p:cNvPr id="1" name=""/>
+        <p:cNvGrpSpPr/>
+        <p:nvPr/>
+      </p:nvGrpSpPr>
+      <p:grpSpPr>
+        <a:xfrm>
+          <a:off x="0" y="0"/>
+          <a:ext cx="0" cy="0"/>
+          <a:chOff x="0" y="0"/>
+          <a:chExt cx="0" cy="0"/>
+        </a:xfrm>
+      </p:grpSpPr>
+      <p:sp>
+        <p:nvSpPr>
+          <p:cNvPr id="2" name="Title 1"/>
+          <p:cNvSpPr>
+            <a:spLocks noGrp="1"/>
+          </p:cNvSpPr>
+          <p:nvPr>
+            <p:ph type="title"/>
+          </p:nvPr>
+        </p:nvSpPr>
+        <p:spPr/>
+        <p:txBody>
+          <a:bodyPr>
+            <a:normAutofit fontScale="90000"/>
+          </a:bodyPr>
+          <a:lstStyle/>
+          <a:p>
+            <a:r>
+              <a:rPr lang="en-US" dirty="0" smtClean="0"/>
+              <a:t>References</a:t>
+            </a:r>
+            <a:endParaRPr lang="en-US" dirty="0"/>
+          </a:p>
+        </p:txBody>
+      </p:sp>
+      <p:sp>
+        <p:nvSpPr>
+          <p:cNvPr id="7" name="Text Placeholder 6"/>
+          <p:cNvSpPr>
+            <a:spLocks noGrp="1"/>
+          </p:cNvSpPr>
+          <p:nvPr>
+            <p:ph type="body" idx="1"/>
+          </p:nvPr>
+        </p:nvSpPr>
+        <p:spPr/>
+        <p:txBody>
+          <a:bodyPr>
+            <a:normAutofit/>
+          </a:bodyPr>
+          <a:lstStyle/>
+          <a:p>
+            <a:r>
+              <a:rPr lang="en-US" dirty="0" err="1"/>
+              <a:t>Hammel</a:t>
+            </a:r>
+            <a:r>
+              <a:rPr lang="en-US" dirty="0"/>
+              <a:t>, B. D. (2017, Jun 10). </a:t>
+            </a:r>
+            <a:r>
+              <a:rPr lang="en-US" i="1" dirty="0"/>
+              <a:t>B. D. </a:t>
+            </a:r>
+            <a:r>
+              <a:rPr lang="en-US" i="1" dirty="0" err="1"/>
+              <a:t>Hammel</a:t>
+            </a:r>
+            <a:r>
+              <a:rPr lang="en-US" dirty="0"/>
+              <a:t>. Retrieved from http://www.bdhammel.com/ising-model/</a:t>
+            </a:r>
+          </a:p>
+          <a:p>
+            <a:r>
+              <a:rPr lang="en-US" dirty="0" err="1"/>
+              <a:t>Leban</a:t>
+            </a:r>
+            <a:r>
+              <a:rPr lang="en-US" dirty="0"/>
+              <a:t>, J. (2020, May 8). </a:t>
+            </a:r>
+            <a:r>
+              <a:rPr lang="en-US" i="1" dirty="0"/>
+              <a:t>Medium</a:t>
+            </a:r>
+            <a:r>
+              <a:rPr lang="en-US" dirty="0"/>
+              <a:t>. Retrieved from Towards Data Science: https://towardsdatascience.com/monte-carlo-method-applied-on-a-2d-binary-alloy-using-an-ising-model-on-python-70afa03b172b</a:t>
+            </a:r>
+          </a:p>
+          <a:p>
+            <a:r>
+              <a:rPr lang="en-US" dirty="0" err="1"/>
+              <a:t>Mahapatra</a:t>
+            </a:r>
+            <a:r>
+              <a:rPr lang="en-US" dirty="0"/>
+              <a:t>, J. M. (2018). A comparative study of 2d </a:t>
+            </a:r>
+            <a:r>
+              <a:rPr lang="en-US" dirty="0" err="1"/>
+              <a:t>Ising</a:t>
+            </a:r>
+            <a:r>
+              <a:rPr lang="en-US" dirty="0"/>
+              <a:t> model at different boundary conditions using Cellular Automata. </a:t>
+            </a:r>
+            <a:r>
+              <a:rPr lang="en-US" i="1" dirty="0"/>
+              <a:t>International Journal of Modern Physics C</a:t>
+            </a:r>
+            <a:r>
+              <a:rPr lang="en-US" dirty="0"/>
+              <a:t>.</a:t>
+            </a:r>
+          </a:p>
+          <a:p>
+            <a:r>
+              <a:rPr lang="en-US" dirty="0" smtClean="0"/>
+              <a:t>Singh</a:t>
+            </a:r>
+            <a:r>
+              <a:rPr lang="en-US" dirty="0"/>
+              <a:t>, R. (2022, </a:t>
+            </a:r>
+            <a:r>
+              <a:rPr lang="en-US" dirty="0" err="1"/>
+              <a:t>Feburary</a:t>
+            </a:r>
+            <a:r>
+              <a:rPr lang="en-US" dirty="0"/>
+              <a:t>). Retrieved from https://rajeshrinet.github.io/blog/2014/ising-model/</a:t>
+            </a:r>
+          </a:p>
+          <a:p>
+            <a:endParaRPr lang="en-US" dirty="0"/>
+          </a:p>
+        </p:txBody>
+      </p:sp>
+      <p:sp>
+        <p:nvSpPr>
+          <p:cNvPr id="3" name="Slide Number Placeholder 2"/>
+          <p:cNvSpPr>
+            <a:spLocks noGrp="1"/>
+          </p:cNvSpPr>
+          <p:nvPr>
+            <p:ph type="sldNum" idx="12"/>
+          </p:nvPr>
+        </p:nvSpPr>
+        <p:spPr/>
+        <p:txBody>
+          <a:bodyPr/>
+          <a:lstStyle/>
+          <a:p>
+            <a:pPr marL="0" lvl="0" indent="0" algn="r" rtl="0">
+              <a:spcBef>
+                <a:spcPts val="0"/>
+              </a:spcBef>
+              <a:spcAft>
+                <a:spcPts val="0"/>
+              </a:spcAft>
+              <a:buNone/>
+            </a:pPr>
+            <a:fld id="{00000000-1234-1234-1234-123412341234}" type="slidenum">
+              <a:rPr lang="en" smtClean="0"/>
+              <a:t>13</a:t>
+            </a:fld>
+            <a:endParaRPr lang="en"/>
+          </a:p>
+        </p:txBody>
+      </p:sp>
+    </p:spTree>
+    <p:extLst>
+      <p:ext uri="{BB962C8B-B14F-4D97-AF65-F5344CB8AC3E}">
+        <p14:creationId xmlns:p14="http://schemas.microsoft.com/office/powerpoint/2010/main" val="1021223834"/>
+      </p:ext>
+    </p:extLst>
+  </p:cSld>
+  <p:clrMapOvr>
+    <a:masterClrMapping/>
+  </p:clrMapOvr>
+  <p:timing>
+    <p:tnLst>
+      <p:par>
+        <p:cTn id="1" dur="indefinite" restart="never" nodeType="tmRoot"/>
+      </p:par>
+    </p:tnLst>
+  </p:timing>
+</p:sld>
+</file>
+
+<file path=ppt/slides/slide14.xml><?xml version="1.0" encoding="utf-8"?>
+<p:sld xmlns:a="http://schemas.openxmlformats.org/drawingml/2006/main" xmlns:r="http://schemas.openxmlformats.org/officeDocument/2006/relationships" xmlns:p="http://schemas.openxmlformats.org/presentationml/2006/main">
+  <p:cSld>
+    <p:spTree>
+      <p:nvGrpSpPr>
+        <p:cNvPr id="1" name="Shape 105"/>
         <p:cNvGrpSpPr/>
         <p:nvPr/>
       </p:nvGrpSpPr>
@@ -7482,6 +7233,38 @@
           </a:ln>
         </p:spPr>
       </p:pic>
+      <p:sp>
+        <p:nvSpPr>
+          <p:cNvPr id="2" name="Slide Number Placeholder 1"/>
+          <p:cNvSpPr>
+            <a:spLocks noGrp="1"/>
+          </p:cNvSpPr>
+          <p:nvPr>
+            <p:ph type="sldNum" idx="12"/>
+          </p:nvPr>
+        </p:nvSpPr>
+        <p:spPr/>
+        <p:txBody>
+          <a:bodyPr/>
+          <a:lstStyle/>
+          <a:p>
+            <a:pPr marL="0" lvl="0" indent="0" algn="r" rtl="0">
+              <a:spcBef>
+                <a:spcPts val="0"/>
+              </a:spcBef>
+              <a:spcAft>
+                <a:spcPts val="0"/>
+              </a:spcAft>
+              <a:buNone/>
+            </a:pPr>
+            <a:fld id="{00000000-1234-1234-1234-123412341234}" type="slidenum">
+              <a:rPr lang="en" smtClean="0"/>
+              <a:t>14</a:t>
+            </a:fld>
+            <a:endParaRPr lang="en"/>
+          </a:p>
+        </p:txBody>
+      </p:sp>
     </p:spTree>
   </p:cSld>
   <p:clrMapOvr>
@@ -7490,8 +7273,1591 @@
 </p:sld>
 </file>
 
+<file path=ppt/slides/slide2.xml><?xml version="1.0" encoding="utf-8"?>
+<p:sld xmlns:a="http://schemas.openxmlformats.org/drawingml/2006/main" xmlns:r="http://schemas.openxmlformats.org/officeDocument/2006/relationships" xmlns:p="http://schemas.openxmlformats.org/presentationml/2006/main">
+  <p:cSld>
+    <p:spTree>
+      <p:nvGrpSpPr>
+        <p:cNvPr id="1" name="Shape 59"/>
+        <p:cNvGrpSpPr/>
+        <p:nvPr/>
+      </p:nvGrpSpPr>
+      <p:grpSpPr>
+        <a:xfrm>
+          <a:off x="0" y="0"/>
+          <a:ext cx="0" cy="0"/>
+          <a:chOff x="0" y="0"/>
+          <a:chExt cx="0" cy="0"/>
+        </a:xfrm>
+      </p:grpSpPr>
+      <p:sp>
+        <p:nvSpPr>
+          <p:cNvPr id="60" name="Google Shape;60;p14"/>
+          <p:cNvSpPr txBox="1">
+            <a:spLocks noGrp="1"/>
+          </p:cNvSpPr>
+          <p:nvPr>
+            <p:ph type="title"/>
+          </p:nvPr>
+        </p:nvSpPr>
+        <p:spPr>
+          <a:xfrm>
+            <a:off x="311700" y="445025"/>
+            <a:ext cx="8520600" cy="572700"/>
+          </a:xfrm>
+          <a:prstGeom prst="rect">
+            <a:avLst/>
+          </a:prstGeom>
+        </p:spPr>
+        <p:txBody>
+          <a:bodyPr spcFirstLastPara="1" wrap="square" lIns="91425" tIns="91425" rIns="91425" bIns="91425" anchor="t" anchorCtr="0">
+            <a:normAutofit fontScale="90000"/>
+          </a:bodyPr>
+          <a:lstStyle/>
+          <a:p>
+            <a:pPr marL="0" lvl="0" indent="0" algn="l" rtl="0">
+              <a:spcBef>
+                <a:spcPts val="0"/>
+              </a:spcBef>
+              <a:spcAft>
+                <a:spcPts val="0"/>
+              </a:spcAft>
+              <a:buNone/>
+            </a:pPr>
+            <a:r>
+              <a:rPr lang="en"/>
+              <a:t>Introduction</a:t>
+            </a:r>
+            <a:endParaRPr/>
+          </a:p>
+        </p:txBody>
+      </p:sp>
+      <p:sp>
+        <p:nvSpPr>
+          <p:cNvPr id="61" name="Google Shape;61;p14"/>
+          <p:cNvSpPr txBox="1">
+            <a:spLocks noGrp="1"/>
+          </p:cNvSpPr>
+          <p:nvPr>
+            <p:ph type="body" idx="1"/>
+          </p:nvPr>
+        </p:nvSpPr>
+        <p:spPr>
+          <a:xfrm>
+            <a:off x="311700" y="1152475"/>
+            <a:ext cx="8520600" cy="3416400"/>
+          </a:xfrm>
+          <a:prstGeom prst="rect">
+            <a:avLst/>
+          </a:prstGeom>
+        </p:spPr>
+        <p:txBody>
+          <a:bodyPr spcFirstLastPara="1" wrap="square" lIns="91425" tIns="91425" rIns="91425" bIns="91425" anchor="t" anchorCtr="0">
+            <a:normAutofit/>
+          </a:bodyPr>
+          <a:lstStyle/>
+          <a:p>
+            <a:pPr marL="457200" lvl="0" indent="-342900" algn="l" rtl="0">
+              <a:spcBef>
+                <a:spcPts val="0"/>
+              </a:spcBef>
+              <a:spcAft>
+                <a:spcPts val="0"/>
+              </a:spcAft>
+              <a:buSzPts val="1800"/>
+              <a:buChar char="●"/>
+            </a:pPr>
+            <a:r>
+              <a:rPr lang="en" dirty="0"/>
+              <a:t>The Ising model is a mathematical model used to describe the behavior of a </a:t>
+            </a:r>
+            <a:r>
+              <a:rPr lang="en" b="1" u="sng" dirty="0"/>
+              <a:t>system of interacting spins</a:t>
+            </a:r>
+            <a:r>
+              <a:rPr lang="en" dirty="0"/>
+              <a:t>.</a:t>
+            </a:r>
+            <a:endParaRPr dirty="0"/>
+          </a:p>
+          <a:p>
+            <a:pPr marL="457200" lvl="0" indent="-342900" algn="l" rtl="0">
+              <a:spcBef>
+                <a:spcPts val="0"/>
+              </a:spcBef>
+              <a:spcAft>
+                <a:spcPts val="0"/>
+              </a:spcAft>
+              <a:buSzPts val="1800"/>
+              <a:buChar char="●"/>
+            </a:pPr>
+            <a:r>
+              <a:rPr lang="en" dirty="0"/>
+              <a:t>N</a:t>
+            </a:r>
+            <a:r>
+              <a:rPr lang="en" dirty="0" smtClean="0"/>
+              <a:t>amed </a:t>
+            </a:r>
+            <a:r>
+              <a:rPr lang="en" dirty="0"/>
+              <a:t>after the physicist </a:t>
+            </a:r>
+            <a:r>
+              <a:rPr lang="en" b="1" u="sng" dirty="0"/>
+              <a:t>Ernst Ising</a:t>
+            </a:r>
+            <a:r>
+              <a:rPr lang="en" dirty="0"/>
+              <a:t>, who first introduced it in his PhD thesis in </a:t>
+            </a:r>
+            <a:r>
+              <a:rPr lang="en" b="1" u="sng" dirty="0"/>
+              <a:t>1925</a:t>
+            </a:r>
+            <a:endParaRPr b="1" u="sng" dirty="0"/>
+          </a:p>
+          <a:p>
+            <a:pPr marL="457200" lvl="0" indent="-342900" algn="l" rtl="0">
+              <a:spcBef>
+                <a:spcPts val="0"/>
+              </a:spcBef>
+              <a:spcAft>
+                <a:spcPts val="0"/>
+              </a:spcAft>
+              <a:buSzPts val="1800"/>
+              <a:buChar char="●"/>
+            </a:pPr>
+            <a:r>
+              <a:rPr lang="en" dirty="0"/>
+              <a:t>The 2D Ising model is one of the simplest models of a </a:t>
+            </a:r>
+            <a:r>
+              <a:rPr lang="en" b="1" u="sng" dirty="0">
+                <a:solidFill>
+                  <a:srgbClr val="0000FF"/>
+                </a:solidFill>
+              </a:rPr>
+              <a:t>phase transition</a:t>
+            </a:r>
+            <a:endParaRPr b="1" u="sng" dirty="0">
+              <a:solidFill>
+                <a:srgbClr val="0000FF"/>
+              </a:solidFill>
+            </a:endParaRPr>
+          </a:p>
+        </p:txBody>
+      </p:sp>
+      <p:sp>
+        <p:nvSpPr>
+          <p:cNvPr id="2" name="Slide Number Placeholder 1"/>
+          <p:cNvSpPr>
+            <a:spLocks noGrp="1"/>
+          </p:cNvSpPr>
+          <p:nvPr>
+            <p:ph type="sldNum" idx="12"/>
+          </p:nvPr>
+        </p:nvSpPr>
+        <p:spPr/>
+        <p:txBody>
+          <a:bodyPr/>
+          <a:lstStyle/>
+          <a:p>
+            <a:pPr marL="0" lvl="0" indent="0" algn="r" rtl="0">
+              <a:spcBef>
+                <a:spcPts val="0"/>
+              </a:spcBef>
+              <a:spcAft>
+                <a:spcPts val="0"/>
+              </a:spcAft>
+              <a:buNone/>
+            </a:pPr>
+            <a:fld id="{00000000-1234-1234-1234-123412341234}" type="slidenum">
+              <a:rPr lang="en" smtClean="0"/>
+              <a:t>2</a:t>
+            </a:fld>
+            <a:endParaRPr lang="en"/>
+          </a:p>
+        </p:txBody>
+      </p:sp>
+    </p:spTree>
+  </p:cSld>
+  <p:clrMapOvr>
+    <a:masterClrMapping/>
+  </p:clrMapOvr>
+  <p:timing>
+    <p:tnLst>
+      <p:par>
+        <p:cTn id="1" dur="indefinite" restart="never" nodeType="tmRoot"/>
+      </p:par>
+    </p:tnLst>
+  </p:timing>
+</p:sld>
+</file>
+
+<file path=ppt/slides/slide3.xml><?xml version="1.0" encoding="utf-8"?>
+<p:sld xmlns:a="http://schemas.openxmlformats.org/drawingml/2006/main" xmlns:r="http://schemas.openxmlformats.org/officeDocument/2006/relationships" xmlns:p="http://schemas.openxmlformats.org/presentationml/2006/main">
+  <p:cSld>
+    <p:spTree>
+      <p:nvGrpSpPr>
+        <p:cNvPr id="1" name="Shape 65"/>
+        <p:cNvGrpSpPr/>
+        <p:nvPr/>
+      </p:nvGrpSpPr>
+      <p:grpSpPr>
+        <a:xfrm>
+          <a:off x="0" y="0"/>
+          <a:ext cx="0" cy="0"/>
+          <a:chOff x="0" y="0"/>
+          <a:chExt cx="0" cy="0"/>
+        </a:xfrm>
+      </p:grpSpPr>
+      <p:sp>
+        <p:nvSpPr>
+          <p:cNvPr id="66" name="Google Shape;66;p15"/>
+          <p:cNvSpPr txBox="1">
+            <a:spLocks noGrp="1"/>
+          </p:cNvSpPr>
+          <p:nvPr>
+            <p:ph type="title"/>
+          </p:nvPr>
+        </p:nvSpPr>
+        <p:spPr>
+          <a:xfrm>
+            <a:off x="311700" y="445025"/>
+            <a:ext cx="8520600" cy="572700"/>
+          </a:xfrm>
+          <a:prstGeom prst="rect">
+            <a:avLst/>
+          </a:prstGeom>
+        </p:spPr>
+        <p:txBody>
+          <a:bodyPr spcFirstLastPara="1" wrap="square" lIns="91425" tIns="91425" rIns="91425" bIns="91425" anchor="t" anchorCtr="0">
+            <a:normAutofit fontScale="90000"/>
+          </a:bodyPr>
+          <a:lstStyle/>
+          <a:p>
+            <a:pPr marL="0" lvl="0" indent="0" algn="l" rtl="0">
+              <a:spcBef>
+                <a:spcPts val="0"/>
+              </a:spcBef>
+              <a:spcAft>
+                <a:spcPts val="0"/>
+              </a:spcAft>
+              <a:buNone/>
+            </a:pPr>
+            <a:r>
+              <a:rPr lang="en"/>
+              <a:t>Project Objective</a:t>
+            </a:r>
+            <a:endParaRPr/>
+          </a:p>
+        </p:txBody>
+      </p:sp>
+      <p:sp>
+        <p:nvSpPr>
+          <p:cNvPr id="67" name="Google Shape;67;p15"/>
+          <p:cNvSpPr txBox="1">
+            <a:spLocks noGrp="1"/>
+          </p:cNvSpPr>
+          <p:nvPr>
+            <p:ph type="body" idx="1"/>
+          </p:nvPr>
+        </p:nvSpPr>
+        <p:spPr>
+          <a:xfrm>
+            <a:off x="311700" y="1152475"/>
+            <a:ext cx="8520600" cy="3416400"/>
+          </a:xfrm>
+          <a:prstGeom prst="rect">
+            <a:avLst/>
+          </a:prstGeom>
+        </p:spPr>
+        <p:txBody>
+          <a:bodyPr spcFirstLastPara="1" wrap="square" lIns="91425" tIns="91425" rIns="91425" bIns="91425" anchor="t" anchorCtr="0">
+            <a:normAutofit/>
+          </a:bodyPr>
+          <a:lstStyle/>
+          <a:p>
+            <a:pPr marL="457200" lvl="0" indent="-342900" algn="l" rtl="0">
+              <a:spcBef>
+                <a:spcPts val="0"/>
+              </a:spcBef>
+              <a:spcAft>
+                <a:spcPts val="0"/>
+              </a:spcAft>
+              <a:buSzPts val="1800"/>
+              <a:buChar char="●"/>
+            </a:pPr>
+            <a:r>
+              <a:rPr lang="en" dirty="0"/>
+              <a:t>To simulate the interaction of particles at different temperatures to find the critical temperature</a:t>
+            </a:r>
+            <a:endParaRPr dirty="0"/>
+          </a:p>
+          <a:p>
+            <a:pPr marL="457200" lvl="0" indent="-342900" algn="l" rtl="0">
+              <a:spcBef>
+                <a:spcPts val="0"/>
+              </a:spcBef>
+              <a:spcAft>
+                <a:spcPts val="0"/>
+              </a:spcAft>
+              <a:buSzPts val="1800"/>
+              <a:buChar char="●"/>
+            </a:pPr>
+            <a:r>
+              <a:rPr lang="en" dirty="0"/>
+              <a:t>To simulate the interaction of particles at </a:t>
+            </a:r>
+            <a:r>
+              <a:rPr lang="en" dirty="0" smtClean="0"/>
+              <a:t>a given temperature </a:t>
+            </a:r>
+            <a:r>
+              <a:rPr lang="en" dirty="0"/>
+              <a:t>and see how they behave with respect to time</a:t>
+            </a:r>
+            <a:endParaRPr dirty="0"/>
+          </a:p>
+        </p:txBody>
+      </p:sp>
+      <p:sp>
+        <p:nvSpPr>
+          <p:cNvPr id="2" name="Slide Number Placeholder 1"/>
+          <p:cNvSpPr>
+            <a:spLocks noGrp="1"/>
+          </p:cNvSpPr>
+          <p:nvPr>
+            <p:ph type="sldNum" idx="12"/>
+          </p:nvPr>
+        </p:nvSpPr>
+        <p:spPr/>
+        <p:txBody>
+          <a:bodyPr/>
+          <a:lstStyle/>
+          <a:p>
+            <a:pPr marL="0" lvl="0" indent="0" algn="r" rtl="0">
+              <a:spcBef>
+                <a:spcPts val="0"/>
+              </a:spcBef>
+              <a:spcAft>
+                <a:spcPts val="0"/>
+              </a:spcAft>
+              <a:buNone/>
+            </a:pPr>
+            <a:fld id="{00000000-1234-1234-1234-123412341234}" type="slidenum">
+              <a:rPr lang="en" smtClean="0"/>
+              <a:t>3</a:t>
+            </a:fld>
+            <a:endParaRPr lang="en"/>
+          </a:p>
+        </p:txBody>
+      </p:sp>
+    </p:spTree>
+  </p:cSld>
+  <p:clrMapOvr>
+    <a:masterClrMapping/>
+  </p:clrMapOvr>
+  <p:timing>
+    <p:tnLst>
+      <p:par>
+        <p:cTn id="1" dur="indefinite" restart="never" nodeType="tmRoot"/>
+      </p:par>
+    </p:tnLst>
+  </p:timing>
+</p:sld>
+</file>
+
+<file path=ppt/slides/slide4.xml><?xml version="1.0" encoding="utf-8"?>
+<p:sld xmlns:a="http://schemas.openxmlformats.org/drawingml/2006/main" xmlns:r="http://schemas.openxmlformats.org/officeDocument/2006/relationships" xmlns:p="http://schemas.openxmlformats.org/presentationml/2006/main">
+  <p:cSld>
+    <p:spTree>
+      <p:nvGrpSpPr>
+        <p:cNvPr id="1" name="Shape 71"/>
+        <p:cNvGrpSpPr/>
+        <p:nvPr/>
+      </p:nvGrpSpPr>
+      <p:grpSpPr>
+        <a:xfrm>
+          <a:off x="0" y="0"/>
+          <a:ext cx="0" cy="0"/>
+          <a:chOff x="0" y="0"/>
+          <a:chExt cx="0" cy="0"/>
+        </a:xfrm>
+      </p:grpSpPr>
+      <p:sp>
+        <p:nvSpPr>
+          <p:cNvPr id="72" name="Google Shape;72;p16"/>
+          <p:cNvSpPr txBox="1">
+            <a:spLocks noGrp="1"/>
+          </p:cNvSpPr>
+          <p:nvPr>
+            <p:ph type="title"/>
+          </p:nvPr>
+        </p:nvSpPr>
+        <p:spPr>
+          <a:xfrm>
+            <a:off x="311700" y="445025"/>
+            <a:ext cx="8520600" cy="572700"/>
+          </a:xfrm>
+          <a:prstGeom prst="rect">
+            <a:avLst/>
+          </a:prstGeom>
+        </p:spPr>
+        <p:txBody>
+          <a:bodyPr spcFirstLastPara="1" wrap="square" lIns="91425" tIns="91425" rIns="91425" bIns="91425" anchor="t" anchorCtr="0">
+            <a:normAutofit fontScale="90000"/>
+          </a:bodyPr>
+          <a:lstStyle/>
+          <a:p>
+            <a:pPr marL="0" lvl="0" indent="0" algn="l" rtl="0">
+              <a:spcBef>
+                <a:spcPts val="0"/>
+              </a:spcBef>
+              <a:spcAft>
+                <a:spcPts val="0"/>
+              </a:spcAft>
+              <a:buNone/>
+            </a:pPr>
+            <a:r>
+              <a:rPr lang="en"/>
+              <a:t>The Algorithm</a:t>
+            </a:r>
+            <a:endParaRPr/>
+          </a:p>
+        </p:txBody>
+      </p:sp>
+      <p:sp>
+        <p:nvSpPr>
+          <p:cNvPr id="73" name="Google Shape;73;p16"/>
+          <p:cNvSpPr txBox="1">
+            <a:spLocks noGrp="1"/>
+          </p:cNvSpPr>
+          <p:nvPr>
+            <p:ph type="body" idx="1"/>
+          </p:nvPr>
+        </p:nvSpPr>
+        <p:spPr>
+          <a:xfrm>
+            <a:off x="311700" y="1152475"/>
+            <a:ext cx="8520600" cy="3416400"/>
+          </a:xfrm>
+          <a:prstGeom prst="rect">
+            <a:avLst/>
+          </a:prstGeom>
+        </p:spPr>
+        <p:txBody>
+          <a:bodyPr spcFirstLastPara="1" wrap="square" lIns="91425" tIns="91425" rIns="91425" bIns="91425" anchor="t" anchorCtr="0">
+            <a:normAutofit fontScale="85000" lnSpcReduction="10000"/>
+          </a:bodyPr>
+          <a:lstStyle/>
+          <a:p>
+            <a:pPr marL="0" lvl="0" indent="0" algn="l" rtl="0">
+              <a:spcBef>
+                <a:spcPts val="0"/>
+              </a:spcBef>
+              <a:spcAft>
+                <a:spcPts val="0"/>
+              </a:spcAft>
+              <a:buClr>
+                <a:schemeClr val="dk1"/>
+              </a:buClr>
+              <a:buSzPct val="61111"/>
+              <a:buFont typeface="Arial"/>
+              <a:buNone/>
+            </a:pPr>
+            <a:r>
+              <a:rPr lang="en"/>
+              <a:t>The Monte Carlo Simulation of 2D Ising model according to Metropolis-Hastings algorithm. The</a:t>
+            </a:r>
+            <a:endParaRPr/>
+          </a:p>
+          <a:p>
+            <a:pPr marL="0" lvl="0" indent="0" algn="l" rtl="0">
+              <a:spcBef>
+                <a:spcPts val="1200"/>
+              </a:spcBef>
+              <a:spcAft>
+                <a:spcPts val="0"/>
+              </a:spcAft>
+              <a:buNone/>
+            </a:pPr>
+            <a:r>
+              <a:rPr lang="en"/>
+              <a:t>major steps of the algorithm are</a:t>
+            </a:r>
+            <a:endParaRPr/>
+          </a:p>
+          <a:p>
+            <a:pPr marL="457200" lvl="0" indent="-325755" algn="l" rtl="0">
+              <a:spcBef>
+                <a:spcPts val="1200"/>
+              </a:spcBef>
+              <a:spcAft>
+                <a:spcPts val="0"/>
+              </a:spcAft>
+              <a:buSzPct val="100000"/>
+              <a:buAutoNum type="arabicPeriod"/>
+            </a:pPr>
+            <a:r>
+              <a:rPr lang="en"/>
+              <a:t>Generate a initial spin configuration randomly. Use +1 as sping up and -1 as spin down</a:t>
+            </a:r>
+            <a:endParaRPr/>
+          </a:p>
+          <a:p>
+            <a:pPr marL="457200" lvl="0" indent="-325755" algn="l" rtl="0">
+              <a:spcBef>
+                <a:spcPts val="0"/>
+              </a:spcBef>
+              <a:spcAft>
+                <a:spcPts val="0"/>
+              </a:spcAft>
+              <a:buSzPct val="100000"/>
+              <a:buAutoNum type="arabicPeriod"/>
+            </a:pPr>
+            <a:r>
+              <a:rPr lang="en"/>
+              <a:t>Choose a spin at random</a:t>
+            </a:r>
+            <a:endParaRPr/>
+          </a:p>
+          <a:p>
+            <a:pPr marL="457200" lvl="0" indent="-325755" algn="l" rtl="0">
+              <a:spcBef>
+                <a:spcPts val="0"/>
+              </a:spcBef>
+              <a:spcAft>
+                <a:spcPts val="0"/>
+              </a:spcAft>
+              <a:buSzPct val="100000"/>
+              <a:buAutoNum type="arabicPeriod"/>
+            </a:pPr>
+            <a:r>
+              <a:rPr lang="en"/>
+              <a:t>Calculate energy (E_old)</a:t>
+            </a:r>
+            <a:endParaRPr/>
+          </a:p>
+          <a:p>
+            <a:pPr marL="457200" lvl="0" indent="-325755" algn="l" rtl="0">
+              <a:spcBef>
+                <a:spcPts val="0"/>
+              </a:spcBef>
+              <a:spcAft>
+                <a:spcPts val="0"/>
+              </a:spcAft>
+              <a:buSzPct val="100000"/>
+              <a:buAutoNum type="arabicPeriod"/>
+            </a:pPr>
+            <a:r>
+              <a:rPr lang="en"/>
+              <a:t>Flip the spin</a:t>
+            </a:r>
+            <a:endParaRPr/>
+          </a:p>
+          <a:p>
+            <a:pPr marL="457200" lvl="0" indent="-325755" algn="l" rtl="0">
+              <a:spcBef>
+                <a:spcPts val="0"/>
+              </a:spcBef>
+              <a:spcAft>
+                <a:spcPts val="0"/>
+              </a:spcAft>
+              <a:buSzPct val="100000"/>
+              <a:buAutoNum type="arabicPeriod"/>
+            </a:pPr>
+            <a:r>
+              <a:rPr lang="en"/>
+              <a:t>Calculate new energy (E_new)</a:t>
+            </a:r>
+            <a:endParaRPr/>
+          </a:p>
+          <a:p>
+            <a:pPr marL="457200" lvl="0" indent="-325755" algn="l" rtl="0">
+              <a:spcBef>
+                <a:spcPts val="0"/>
+              </a:spcBef>
+              <a:spcAft>
+                <a:spcPts val="0"/>
+              </a:spcAft>
+              <a:buSzPct val="100000"/>
+              <a:buAutoNum type="arabicPeriod"/>
+            </a:pPr>
+            <a:r>
+              <a:rPr lang="en"/>
+              <a:t>If (E_new&lt;E_old) accept the flip and go to step 2 for another step else go to step 7</a:t>
+            </a:r>
+            <a:endParaRPr/>
+          </a:p>
+          <a:p>
+            <a:pPr marL="457200" lvl="0" indent="-325755" algn="l" rtl="0">
+              <a:spcBef>
+                <a:spcPts val="0"/>
+              </a:spcBef>
+              <a:spcAft>
+                <a:spcPts val="0"/>
+              </a:spcAft>
+              <a:buSzPct val="100000"/>
+              <a:buAutoNum type="arabicPeriod"/>
+            </a:pPr>
+            <a:r>
+              <a:rPr lang="en"/>
+              <a:t>Find en = ((E_new-Eold)/T) and generate random number between 0 and 1 say ®</a:t>
+            </a:r>
+            <a:endParaRPr/>
+          </a:p>
+          <a:p>
+            <a:pPr marL="457200" lvl="0" indent="-325755" algn="l" rtl="0">
+              <a:spcBef>
+                <a:spcPts val="0"/>
+              </a:spcBef>
+              <a:spcAft>
+                <a:spcPts val="0"/>
+              </a:spcAft>
+              <a:buSzPct val="100000"/>
+              <a:buAutoNum type="arabicPeriod"/>
+            </a:pPr>
+            <a:r>
+              <a:rPr lang="en"/>
+              <a:t>Accept the flip if r&gt;en else do not flip</a:t>
+            </a:r>
+            <a:endParaRPr/>
+          </a:p>
+          <a:p>
+            <a:pPr marL="457200" lvl="0" indent="-325755" algn="l" rtl="0">
+              <a:spcBef>
+                <a:spcPts val="0"/>
+              </a:spcBef>
+              <a:spcAft>
+                <a:spcPts val="0"/>
+              </a:spcAft>
+              <a:buSzPct val="100000"/>
+              <a:buAutoNum type="arabicPeriod"/>
+            </a:pPr>
+            <a:r>
+              <a:rPr lang="en"/>
+              <a:t>Go to step 2 (Until Converges)</a:t>
+            </a:r>
+            <a:endParaRPr/>
+          </a:p>
+        </p:txBody>
+      </p:sp>
+      <p:sp>
+        <p:nvSpPr>
+          <p:cNvPr id="2" name="Slide Number Placeholder 1"/>
+          <p:cNvSpPr>
+            <a:spLocks noGrp="1"/>
+          </p:cNvSpPr>
+          <p:nvPr>
+            <p:ph type="sldNum" idx="12"/>
+          </p:nvPr>
+        </p:nvSpPr>
+        <p:spPr/>
+        <p:txBody>
+          <a:bodyPr/>
+          <a:lstStyle/>
+          <a:p>
+            <a:pPr marL="0" lvl="0" indent="0" algn="r" rtl="0">
+              <a:spcBef>
+                <a:spcPts val="0"/>
+              </a:spcBef>
+              <a:spcAft>
+                <a:spcPts val="0"/>
+              </a:spcAft>
+              <a:buNone/>
+            </a:pPr>
+            <a:fld id="{00000000-1234-1234-1234-123412341234}" type="slidenum">
+              <a:rPr lang="en" smtClean="0"/>
+              <a:t>4</a:t>
+            </a:fld>
+            <a:endParaRPr lang="en"/>
+          </a:p>
+        </p:txBody>
+      </p:sp>
+    </p:spTree>
+  </p:cSld>
+  <p:clrMapOvr>
+    <a:masterClrMapping/>
+  </p:clrMapOvr>
+  <p:timing>
+    <p:tnLst>
+      <p:par>
+        <p:cTn id="1" dur="indefinite" restart="never" nodeType="tmRoot"/>
+      </p:par>
+    </p:tnLst>
+  </p:timing>
+</p:sld>
+</file>
+
+<file path=ppt/slides/slide5.xml><?xml version="1.0" encoding="utf-8"?>
+<p:sld xmlns:a="http://schemas.openxmlformats.org/drawingml/2006/main" xmlns:r="http://schemas.openxmlformats.org/officeDocument/2006/relationships" xmlns:p="http://schemas.openxmlformats.org/presentationml/2006/main">
+  <p:cSld>
+    <p:spTree>
+      <p:nvGrpSpPr>
+        <p:cNvPr id="1" name="Shape 77"/>
+        <p:cNvGrpSpPr/>
+        <p:nvPr/>
+      </p:nvGrpSpPr>
+      <p:grpSpPr>
+        <a:xfrm>
+          <a:off x="0" y="0"/>
+          <a:ext cx="0" cy="0"/>
+          <a:chOff x="0" y="0"/>
+          <a:chExt cx="0" cy="0"/>
+        </a:xfrm>
+      </p:grpSpPr>
+      <p:sp>
+        <p:nvSpPr>
+          <p:cNvPr id="78" name="Google Shape;78;p17"/>
+          <p:cNvSpPr txBox="1">
+            <a:spLocks noGrp="1"/>
+          </p:cNvSpPr>
+          <p:nvPr>
+            <p:ph type="title"/>
+          </p:nvPr>
+        </p:nvSpPr>
+        <p:spPr>
+          <a:xfrm>
+            <a:off x="311700" y="445025"/>
+            <a:ext cx="8520600" cy="572700"/>
+          </a:xfrm>
+          <a:prstGeom prst="rect">
+            <a:avLst/>
+          </a:prstGeom>
+        </p:spPr>
+        <p:txBody>
+          <a:bodyPr spcFirstLastPara="1" wrap="square" lIns="91425" tIns="91425" rIns="91425" bIns="91425" anchor="t" anchorCtr="0">
+            <a:normAutofit fontScale="90000"/>
+          </a:bodyPr>
+          <a:lstStyle/>
+          <a:p>
+            <a:pPr marL="0" lvl="0" indent="0" algn="l" rtl="0">
+              <a:spcBef>
+                <a:spcPts val="0"/>
+              </a:spcBef>
+              <a:spcAft>
+                <a:spcPts val="0"/>
+              </a:spcAft>
+              <a:buNone/>
+            </a:pPr>
+            <a:r>
+              <a:rPr lang="en"/>
+              <a:t>The Initial Configuration</a:t>
+            </a:r>
+            <a:endParaRPr/>
+          </a:p>
+        </p:txBody>
+      </p:sp>
+      <p:sp>
+        <p:nvSpPr>
+          <p:cNvPr id="79" name="Google Shape;79;p17"/>
+          <p:cNvSpPr txBox="1">
+            <a:spLocks noGrp="1"/>
+          </p:cNvSpPr>
+          <p:nvPr>
+            <p:ph type="body" idx="1"/>
+          </p:nvPr>
+        </p:nvSpPr>
+        <p:spPr>
+          <a:xfrm>
+            <a:off x="311700" y="1152475"/>
+            <a:ext cx="8520600" cy="3416400"/>
+          </a:xfrm>
+          <a:prstGeom prst="rect">
+            <a:avLst/>
+          </a:prstGeom>
+        </p:spPr>
+        <p:txBody>
+          <a:bodyPr spcFirstLastPara="1" wrap="square" lIns="91425" tIns="91425" rIns="91425" bIns="91425" anchor="t" anchorCtr="0">
+            <a:normAutofit/>
+          </a:bodyPr>
+          <a:lstStyle/>
+          <a:p>
+            <a:pPr marL="0" lvl="0" indent="0" algn="l" rtl="0">
+              <a:spcBef>
+                <a:spcPts val="0"/>
+              </a:spcBef>
+              <a:spcAft>
+                <a:spcPts val="1200"/>
+              </a:spcAft>
+              <a:buNone/>
+            </a:pPr>
+            <a:endParaRPr/>
+          </a:p>
+        </p:txBody>
+      </p:sp>
+      <p:pic>
+        <p:nvPicPr>
+          <p:cNvPr id="80" name="Google Shape;80;p17"/>
+          <p:cNvPicPr preferRelativeResize="0"/>
+          <p:nvPr/>
+        </p:nvPicPr>
+        <p:blipFill>
+          <a:blip r:embed="rId3">
+            <a:alphaModFix/>
+          </a:blip>
+          <a:stretch>
+            <a:fillRect/>
+          </a:stretch>
+        </p:blipFill>
+        <p:spPr>
+          <a:xfrm>
+            <a:off x="2328862" y="1250156"/>
+            <a:ext cx="4130375" cy="2823094"/>
+          </a:xfrm>
+          <a:prstGeom prst="rect">
+            <a:avLst/>
+          </a:prstGeom>
+          <a:noFill/>
+          <a:ln>
+            <a:noFill/>
+          </a:ln>
+        </p:spPr>
+      </p:pic>
+      <p:sp>
+        <p:nvSpPr>
+          <p:cNvPr id="2" name="Slide Number Placeholder 1"/>
+          <p:cNvSpPr>
+            <a:spLocks noGrp="1"/>
+          </p:cNvSpPr>
+          <p:nvPr>
+            <p:ph type="sldNum" idx="12"/>
+          </p:nvPr>
+        </p:nvSpPr>
+        <p:spPr/>
+        <p:txBody>
+          <a:bodyPr/>
+          <a:lstStyle/>
+          <a:p>
+            <a:pPr marL="0" lvl="0" indent="0" algn="r" rtl="0">
+              <a:spcBef>
+                <a:spcPts val="0"/>
+              </a:spcBef>
+              <a:spcAft>
+                <a:spcPts val="0"/>
+              </a:spcAft>
+              <a:buNone/>
+            </a:pPr>
+            <a:fld id="{00000000-1234-1234-1234-123412341234}" type="slidenum">
+              <a:rPr lang="en" smtClean="0"/>
+              <a:t>5</a:t>
+            </a:fld>
+            <a:endParaRPr lang="en"/>
+          </a:p>
+        </p:txBody>
+      </p:sp>
+      <p:sp>
+        <p:nvSpPr>
+          <p:cNvPr id="3" name="TextBox 2"/>
+          <p:cNvSpPr txBox="1"/>
+          <p:nvPr/>
+        </p:nvSpPr>
+        <p:spPr>
+          <a:xfrm>
+            <a:off x="2733127" y="4126137"/>
+            <a:ext cx="3321844" cy="523220"/>
+          </a:xfrm>
+          <a:prstGeom prst="rect">
+            <a:avLst/>
+          </a:prstGeom>
+          <a:noFill/>
+        </p:spPr>
+        <p:txBody>
+          <a:bodyPr wrap="square" rtlCol="0">
+            <a:spAutoFit/>
+          </a:bodyPr>
+          <a:lstStyle/>
+          <a:p>
+            <a:r>
+              <a:rPr lang="en-US" dirty="0" smtClean="0"/>
+              <a:t>The Initial Configuration of 10x10 Lattice</a:t>
+            </a:r>
+            <a:endParaRPr lang="en-US" dirty="0"/>
+          </a:p>
+        </p:txBody>
+      </p:sp>
+    </p:spTree>
+  </p:cSld>
+  <p:clrMapOvr>
+    <a:masterClrMapping/>
+  </p:clrMapOvr>
+  <p:timing>
+    <p:tnLst>
+      <p:par>
+        <p:cTn id="1" dur="indefinite" restart="never" nodeType="tmRoot"/>
+      </p:par>
+    </p:tnLst>
+  </p:timing>
+</p:sld>
+</file>
+
+<file path=ppt/slides/slide6.xml><?xml version="1.0" encoding="utf-8"?>
+<p:sld xmlns:a="http://schemas.openxmlformats.org/drawingml/2006/main" xmlns:r="http://schemas.openxmlformats.org/officeDocument/2006/relationships" xmlns:p="http://schemas.openxmlformats.org/presentationml/2006/main">
+  <p:cSld>
+    <p:spTree>
+      <p:nvGrpSpPr>
+        <p:cNvPr id="1" name="Shape 84"/>
+        <p:cNvGrpSpPr/>
+        <p:nvPr/>
+      </p:nvGrpSpPr>
+      <p:grpSpPr>
+        <a:xfrm>
+          <a:off x="0" y="0"/>
+          <a:ext cx="0" cy="0"/>
+          <a:chOff x="0" y="0"/>
+          <a:chExt cx="0" cy="0"/>
+        </a:xfrm>
+      </p:grpSpPr>
+      <p:sp>
+        <p:nvSpPr>
+          <p:cNvPr id="85" name="Google Shape;85;p18"/>
+          <p:cNvSpPr txBox="1">
+            <a:spLocks noGrp="1"/>
+          </p:cNvSpPr>
+          <p:nvPr>
+            <p:ph type="title"/>
+          </p:nvPr>
+        </p:nvSpPr>
+        <p:spPr>
+          <a:xfrm>
+            <a:off x="311700" y="445025"/>
+            <a:ext cx="8520600" cy="572700"/>
+          </a:xfrm>
+          <a:prstGeom prst="rect">
+            <a:avLst/>
+          </a:prstGeom>
+        </p:spPr>
+        <p:txBody>
+          <a:bodyPr spcFirstLastPara="1" wrap="square" lIns="91425" tIns="91425" rIns="91425" bIns="91425" anchor="t" anchorCtr="0">
+            <a:normAutofit fontScale="90000"/>
+          </a:bodyPr>
+          <a:lstStyle/>
+          <a:p>
+            <a:pPr marL="0" lvl="0" indent="0" algn="l" rtl="0">
+              <a:spcBef>
+                <a:spcPts val="0"/>
+              </a:spcBef>
+              <a:spcAft>
+                <a:spcPts val="0"/>
+              </a:spcAft>
+              <a:buNone/>
+            </a:pPr>
+            <a:r>
+              <a:rPr lang="en"/>
+              <a:t>Energy and Magnetization</a:t>
+            </a:r>
+            <a:endParaRPr/>
+          </a:p>
+        </p:txBody>
+      </p:sp>
+      <p:pic>
+        <p:nvPicPr>
+          <p:cNvPr id="2" name="Picture 1"/>
+          <p:cNvPicPr>
+            <a:picLocks noChangeAspect="1"/>
+          </p:cNvPicPr>
+          <p:nvPr/>
+        </p:nvPicPr>
+        <p:blipFill>
+          <a:blip r:embed="rId3">
+            <a:extLst>
+              <a:ext uri="{28A0092B-C50C-407E-A947-70E740481C1C}">
+                <a14:useLocalDpi xmlns:a14="http://schemas.microsoft.com/office/drawing/2010/main" val="0"/>
+              </a:ext>
+            </a:extLst>
+          </a:blip>
+          <a:stretch>
+            <a:fillRect/>
+          </a:stretch>
+        </p:blipFill>
+        <p:spPr>
+          <a:xfrm>
+            <a:off x="1435893" y="1017725"/>
+            <a:ext cx="5529263" cy="3071813"/>
+          </a:xfrm>
+          <a:prstGeom prst="rect">
+            <a:avLst/>
+          </a:prstGeom>
+        </p:spPr>
+      </p:pic>
+      <p:sp>
+        <p:nvSpPr>
+          <p:cNvPr id="3" name="Slide Number Placeholder 2"/>
+          <p:cNvSpPr>
+            <a:spLocks noGrp="1"/>
+          </p:cNvSpPr>
+          <p:nvPr>
+            <p:ph type="sldNum" idx="12"/>
+          </p:nvPr>
+        </p:nvSpPr>
+        <p:spPr/>
+        <p:txBody>
+          <a:bodyPr/>
+          <a:lstStyle/>
+          <a:p>
+            <a:pPr marL="0" lvl="0" indent="0" algn="r" rtl="0">
+              <a:spcBef>
+                <a:spcPts val="0"/>
+              </a:spcBef>
+              <a:spcAft>
+                <a:spcPts val="0"/>
+              </a:spcAft>
+              <a:buNone/>
+            </a:pPr>
+            <a:fld id="{00000000-1234-1234-1234-123412341234}" type="slidenum">
+              <a:rPr lang="en" smtClean="0"/>
+              <a:t>6</a:t>
+            </a:fld>
+            <a:endParaRPr lang="en"/>
+          </a:p>
+        </p:txBody>
+      </p:sp>
+      <p:sp>
+        <p:nvSpPr>
+          <p:cNvPr id="4" name="TextBox 3"/>
+          <p:cNvSpPr txBox="1"/>
+          <p:nvPr/>
+        </p:nvSpPr>
+        <p:spPr>
+          <a:xfrm>
+            <a:off x="2028825" y="3543300"/>
+            <a:ext cx="3714750" cy="523220"/>
+          </a:xfrm>
+          <a:prstGeom prst="rect">
+            <a:avLst/>
+          </a:prstGeom>
+          <a:noFill/>
+        </p:spPr>
+        <p:txBody>
+          <a:bodyPr wrap="square" rtlCol="0">
+            <a:spAutoFit/>
+          </a:bodyPr>
+          <a:lstStyle/>
+          <a:p>
+            <a:r>
+              <a:rPr lang="en-US" dirty="0" smtClean="0"/>
+              <a:t>Change in Energy and Magnetization with Increase in Temperature</a:t>
+            </a:r>
+            <a:endParaRPr lang="en-US" dirty="0"/>
+          </a:p>
+        </p:txBody>
+      </p:sp>
+    </p:spTree>
+  </p:cSld>
+  <p:clrMapOvr>
+    <a:masterClrMapping/>
+  </p:clrMapOvr>
+  <p:timing>
+    <p:tnLst>
+      <p:par>
+        <p:cTn id="1" dur="indefinite" restart="never" nodeType="tmRoot"/>
+      </p:par>
+    </p:tnLst>
+  </p:timing>
+</p:sld>
+</file>
+
+<file path=ppt/slides/slide7.xml><?xml version="1.0" encoding="utf-8"?>
+<p:sld xmlns:a="http://schemas.openxmlformats.org/drawingml/2006/main" xmlns:r="http://schemas.openxmlformats.org/officeDocument/2006/relationships" xmlns:p="http://schemas.openxmlformats.org/presentationml/2006/main">
+  <p:cSld>
+    <p:spTree>
+      <p:nvGrpSpPr>
+        <p:cNvPr id="1" name="Shape 91"/>
+        <p:cNvGrpSpPr/>
+        <p:nvPr/>
+      </p:nvGrpSpPr>
+      <p:grpSpPr>
+        <a:xfrm>
+          <a:off x="0" y="0"/>
+          <a:ext cx="0" cy="0"/>
+          <a:chOff x="0" y="0"/>
+          <a:chExt cx="0" cy="0"/>
+        </a:xfrm>
+      </p:grpSpPr>
+      <p:sp>
+        <p:nvSpPr>
+          <p:cNvPr id="92" name="Google Shape;92;p19"/>
+          <p:cNvSpPr txBox="1">
+            <a:spLocks noGrp="1"/>
+          </p:cNvSpPr>
+          <p:nvPr>
+            <p:ph type="title"/>
+          </p:nvPr>
+        </p:nvSpPr>
+        <p:spPr>
+          <a:xfrm>
+            <a:off x="311700" y="445025"/>
+            <a:ext cx="8520600" cy="572700"/>
+          </a:xfrm>
+          <a:prstGeom prst="rect">
+            <a:avLst/>
+          </a:prstGeom>
+        </p:spPr>
+        <p:txBody>
+          <a:bodyPr spcFirstLastPara="1" wrap="square" lIns="91425" tIns="91425" rIns="91425" bIns="91425" anchor="t" anchorCtr="0">
+            <a:normAutofit fontScale="90000"/>
+          </a:bodyPr>
+          <a:lstStyle/>
+          <a:p>
+            <a:pPr marL="0" lvl="0" indent="0" algn="l" rtl="0">
+              <a:spcBef>
+                <a:spcPts val="0"/>
+              </a:spcBef>
+              <a:spcAft>
+                <a:spcPts val="0"/>
+              </a:spcAft>
+              <a:buNone/>
+            </a:pPr>
+            <a:r>
+              <a:rPr lang="en" dirty="0" smtClean="0"/>
+              <a:t>Sample Snapshot</a:t>
+            </a:r>
+            <a:endParaRPr dirty="0"/>
+          </a:p>
+        </p:txBody>
+      </p:sp>
+      <p:sp>
+        <p:nvSpPr>
+          <p:cNvPr id="93" name="Google Shape;93;p19"/>
+          <p:cNvSpPr txBox="1">
+            <a:spLocks noGrp="1"/>
+          </p:cNvSpPr>
+          <p:nvPr>
+            <p:ph type="body" idx="1"/>
+          </p:nvPr>
+        </p:nvSpPr>
+        <p:spPr>
+          <a:xfrm>
+            <a:off x="311700" y="1152475"/>
+            <a:ext cx="8520600" cy="3416400"/>
+          </a:xfrm>
+          <a:prstGeom prst="rect">
+            <a:avLst/>
+          </a:prstGeom>
+        </p:spPr>
+        <p:txBody>
+          <a:bodyPr spcFirstLastPara="1" wrap="square" lIns="91425" tIns="91425" rIns="91425" bIns="91425" anchor="t" anchorCtr="0">
+            <a:normAutofit/>
+          </a:bodyPr>
+          <a:lstStyle/>
+          <a:p>
+            <a:pPr marL="0" lvl="0" indent="0" algn="l" rtl="0">
+              <a:spcBef>
+                <a:spcPts val="0"/>
+              </a:spcBef>
+              <a:spcAft>
+                <a:spcPts val="1200"/>
+              </a:spcAft>
+              <a:buNone/>
+            </a:pPr>
+            <a:endParaRPr/>
+          </a:p>
+        </p:txBody>
+      </p:sp>
+      <p:pic>
+        <p:nvPicPr>
+          <p:cNvPr id="94" name="Google Shape;94;p19"/>
+          <p:cNvPicPr preferRelativeResize="0"/>
+          <p:nvPr/>
+        </p:nvPicPr>
+        <p:blipFill>
+          <a:blip r:embed="rId3">
+            <a:alphaModFix/>
+          </a:blip>
+          <a:stretch>
+            <a:fillRect/>
+          </a:stretch>
+        </p:blipFill>
+        <p:spPr>
+          <a:xfrm>
+            <a:off x="2671779" y="1152475"/>
+            <a:ext cx="3271300" cy="3108375"/>
+          </a:xfrm>
+          <a:prstGeom prst="rect">
+            <a:avLst/>
+          </a:prstGeom>
+          <a:noFill/>
+          <a:ln>
+            <a:noFill/>
+          </a:ln>
+        </p:spPr>
+      </p:pic>
+      <p:sp>
+        <p:nvSpPr>
+          <p:cNvPr id="2" name="Slide Number Placeholder 1"/>
+          <p:cNvSpPr>
+            <a:spLocks noGrp="1"/>
+          </p:cNvSpPr>
+          <p:nvPr>
+            <p:ph type="sldNum" idx="12"/>
+          </p:nvPr>
+        </p:nvSpPr>
+        <p:spPr/>
+        <p:txBody>
+          <a:bodyPr/>
+          <a:lstStyle/>
+          <a:p>
+            <a:pPr marL="0" lvl="0" indent="0" algn="r" rtl="0">
+              <a:spcBef>
+                <a:spcPts val="0"/>
+              </a:spcBef>
+              <a:spcAft>
+                <a:spcPts val="0"/>
+              </a:spcAft>
+              <a:buNone/>
+            </a:pPr>
+            <a:fld id="{00000000-1234-1234-1234-123412341234}" type="slidenum">
+              <a:rPr lang="en" smtClean="0"/>
+              <a:t>7</a:t>
+            </a:fld>
+            <a:endParaRPr lang="en"/>
+          </a:p>
+        </p:txBody>
+      </p:sp>
+      <p:sp>
+        <p:nvSpPr>
+          <p:cNvPr id="3" name="TextBox 2"/>
+          <p:cNvSpPr txBox="1"/>
+          <p:nvPr/>
+        </p:nvSpPr>
+        <p:spPr>
+          <a:xfrm>
+            <a:off x="2657475" y="4321969"/>
+            <a:ext cx="3278981" cy="523220"/>
+          </a:xfrm>
+          <a:prstGeom prst="rect">
+            <a:avLst/>
+          </a:prstGeom>
+          <a:noFill/>
+        </p:spPr>
+        <p:txBody>
+          <a:bodyPr wrap="square" rtlCol="0">
+            <a:spAutoFit/>
+          </a:bodyPr>
+          <a:lstStyle/>
+          <a:p>
+            <a:r>
+              <a:rPr lang="en-US" dirty="0" smtClean="0"/>
+              <a:t>Configuration of 10x10 Lattice after some steps</a:t>
+            </a:r>
+            <a:endParaRPr lang="en-US" dirty="0"/>
+          </a:p>
+        </p:txBody>
+      </p:sp>
+    </p:spTree>
+  </p:cSld>
+  <p:clrMapOvr>
+    <a:masterClrMapping/>
+  </p:clrMapOvr>
+  <p:timing>
+    <p:tnLst>
+      <p:par>
+        <p:cTn id="1" dur="indefinite" restart="never" nodeType="tmRoot"/>
+      </p:par>
+    </p:tnLst>
+  </p:timing>
+</p:sld>
+</file>
+
+<file path=ppt/slides/slide8.xml><?xml version="1.0" encoding="utf-8"?>
+<p:sld xmlns:a="http://schemas.openxmlformats.org/drawingml/2006/main" xmlns:r="http://schemas.openxmlformats.org/officeDocument/2006/relationships" xmlns:p="http://schemas.openxmlformats.org/presentationml/2006/main">
+  <p:cSld>
+    <p:spTree>
+      <p:nvGrpSpPr>
+        <p:cNvPr id="1" name=""/>
+        <p:cNvGrpSpPr/>
+        <p:nvPr/>
+      </p:nvGrpSpPr>
+      <p:grpSpPr>
+        <a:xfrm>
+          <a:off x="0" y="0"/>
+          <a:ext cx="0" cy="0"/>
+          <a:chOff x="0" y="0"/>
+          <a:chExt cx="0" cy="0"/>
+        </a:xfrm>
+      </p:grpSpPr>
+      <p:pic>
+        <p:nvPicPr>
+          <p:cNvPr id="4" name="Picture 3"/>
+          <p:cNvPicPr>
+            <a:picLocks noChangeAspect="1"/>
+          </p:cNvPicPr>
+          <p:nvPr/>
+        </p:nvPicPr>
+        <p:blipFill>
+          <a:blip r:embed="rId2">
+            <a:extLst>
+              <a:ext uri="{28A0092B-C50C-407E-A947-70E740481C1C}">
+                <a14:useLocalDpi xmlns:a14="http://schemas.microsoft.com/office/drawing/2010/main" val="0"/>
+              </a:ext>
+            </a:extLst>
+          </a:blip>
+          <a:stretch>
+            <a:fillRect/>
+          </a:stretch>
+        </p:blipFill>
+        <p:spPr>
+          <a:xfrm>
+            <a:off x="2371725" y="1169193"/>
+            <a:ext cx="3850481" cy="2727424"/>
+          </a:xfrm>
+          <a:prstGeom prst="rect">
+            <a:avLst/>
+          </a:prstGeom>
+        </p:spPr>
+      </p:pic>
+      <p:sp>
+        <p:nvSpPr>
+          <p:cNvPr id="3" name="Title 2"/>
+          <p:cNvSpPr>
+            <a:spLocks noGrp="1"/>
+          </p:cNvSpPr>
+          <p:nvPr>
+            <p:ph type="title"/>
+          </p:nvPr>
+        </p:nvSpPr>
+        <p:spPr/>
+        <p:txBody>
+          <a:bodyPr>
+            <a:normAutofit fontScale="90000"/>
+          </a:bodyPr>
+          <a:lstStyle/>
+          <a:p>
+            <a:r>
+              <a:rPr lang="en-US" dirty="0" smtClean="0"/>
+              <a:t>Energy in Each Step</a:t>
+            </a:r>
+            <a:endParaRPr lang="en-US" dirty="0"/>
+          </a:p>
+        </p:txBody>
+      </p:sp>
+      <p:sp>
+        <p:nvSpPr>
+          <p:cNvPr id="2" name="Slide Number Placeholder 1"/>
+          <p:cNvSpPr>
+            <a:spLocks noGrp="1"/>
+          </p:cNvSpPr>
+          <p:nvPr>
+            <p:ph type="sldNum" idx="12"/>
+          </p:nvPr>
+        </p:nvSpPr>
+        <p:spPr/>
+        <p:txBody>
+          <a:bodyPr/>
+          <a:lstStyle/>
+          <a:p>
+            <a:pPr marL="0" lvl="0" indent="0" algn="r" rtl="0">
+              <a:spcBef>
+                <a:spcPts val="0"/>
+              </a:spcBef>
+              <a:spcAft>
+                <a:spcPts val="0"/>
+              </a:spcAft>
+              <a:buNone/>
+            </a:pPr>
+            <a:fld id="{00000000-1234-1234-1234-123412341234}" type="slidenum">
+              <a:rPr lang="en" smtClean="0"/>
+              <a:t>8</a:t>
+            </a:fld>
+            <a:endParaRPr lang="en"/>
+          </a:p>
+        </p:txBody>
+      </p:sp>
+      <p:sp>
+        <p:nvSpPr>
+          <p:cNvPr id="6" name="TextBox 5"/>
+          <p:cNvSpPr txBox="1"/>
+          <p:nvPr/>
+        </p:nvSpPr>
+        <p:spPr>
+          <a:xfrm>
+            <a:off x="2307431" y="4021931"/>
+            <a:ext cx="3929063" cy="307777"/>
+          </a:xfrm>
+          <a:prstGeom prst="rect">
+            <a:avLst/>
+          </a:prstGeom>
+          <a:noFill/>
+        </p:spPr>
+        <p:txBody>
+          <a:bodyPr wrap="square" rtlCol="0">
+            <a:spAutoFit/>
+          </a:bodyPr>
+          <a:lstStyle/>
+          <a:p>
+            <a:r>
+              <a:rPr lang="en-US" dirty="0" smtClean="0"/>
+              <a:t>Energy Decreases as step increases</a:t>
+            </a:r>
+            <a:endParaRPr lang="en-US" dirty="0"/>
+          </a:p>
+        </p:txBody>
+      </p:sp>
+    </p:spTree>
+    <p:extLst>
+      <p:ext uri="{BB962C8B-B14F-4D97-AF65-F5344CB8AC3E}">
+        <p14:creationId xmlns:p14="http://schemas.microsoft.com/office/powerpoint/2010/main" val="20284395"/>
+      </p:ext>
+    </p:extLst>
+  </p:cSld>
+  <p:clrMapOvr>
+    <a:masterClrMapping/>
+  </p:clrMapOvr>
+</p:sld>
+</file>
+
+<file path=ppt/slides/slide9.xml><?xml version="1.0" encoding="utf-8"?>
+<p:sld xmlns:a="http://schemas.openxmlformats.org/drawingml/2006/main" xmlns:r="http://schemas.openxmlformats.org/officeDocument/2006/relationships" xmlns:p="http://schemas.openxmlformats.org/presentationml/2006/main">
+  <p:cSld>
+    <p:spTree>
+      <p:nvGrpSpPr>
+        <p:cNvPr id="1" name=""/>
+        <p:cNvGrpSpPr/>
+        <p:nvPr/>
+      </p:nvGrpSpPr>
+      <p:grpSpPr>
+        <a:xfrm>
+          <a:off x="0" y="0"/>
+          <a:ext cx="0" cy="0"/>
+          <a:chOff x="0" y="0"/>
+          <a:chExt cx="0" cy="0"/>
+        </a:xfrm>
+      </p:grpSpPr>
+      <p:pic>
+        <p:nvPicPr>
+          <p:cNvPr id="2" name="Picture 1"/>
+          <p:cNvPicPr>
+            <a:picLocks noChangeAspect="1"/>
+          </p:cNvPicPr>
+          <p:nvPr/>
+        </p:nvPicPr>
+        <p:blipFill>
+          <a:blip r:embed="rId2">
+            <a:extLst>
+              <a:ext uri="{28A0092B-C50C-407E-A947-70E740481C1C}">
+                <a14:useLocalDpi xmlns:a14="http://schemas.microsoft.com/office/drawing/2010/main" val="0"/>
+              </a:ext>
+            </a:extLst>
+          </a:blip>
+          <a:stretch>
+            <a:fillRect/>
+          </a:stretch>
+        </p:blipFill>
+        <p:spPr>
+          <a:xfrm>
+            <a:off x="2293145" y="1340616"/>
+            <a:ext cx="4490641" cy="3219194"/>
+          </a:xfrm>
+          <a:prstGeom prst="rect">
+            <a:avLst/>
+          </a:prstGeom>
+        </p:spPr>
+      </p:pic>
+      <p:sp>
+        <p:nvSpPr>
+          <p:cNvPr id="4" name="Title 3"/>
+          <p:cNvSpPr>
+            <a:spLocks noGrp="1"/>
+          </p:cNvSpPr>
+          <p:nvPr>
+            <p:ph type="title"/>
+          </p:nvPr>
+        </p:nvSpPr>
+        <p:spPr/>
+        <p:txBody>
+          <a:bodyPr>
+            <a:normAutofit fontScale="90000"/>
+          </a:bodyPr>
+          <a:lstStyle/>
+          <a:p>
+            <a:r>
+              <a:rPr lang="en-US" dirty="0" smtClean="0"/>
+              <a:t>Magnetization in Each Step</a:t>
+            </a:r>
+            <a:endParaRPr lang="en-US" dirty="0"/>
+          </a:p>
+        </p:txBody>
+      </p:sp>
+      <p:sp>
+        <p:nvSpPr>
+          <p:cNvPr id="3" name="Slide Number Placeholder 2"/>
+          <p:cNvSpPr>
+            <a:spLocks noGrp="1"/>
+          </p:cNvSpPr>
+          <p:nvPr>
+            <p:ph type="sldNum" idx="12"/>
+          </p:nvPr>
+        </p:nvSpPr>
+        <p:spPr/>
+        <p:txBody>
+          <a:bodyPr/>
+          <a:lstStyle/>
+          <a:p>
+            <a:pPr marL="0" lvl="0" indent="0" algn="r" rtl="0">
+              <a:spcBef>
+                <a:spcPts val="0"/>
+              </a:spcBef>
+              <a:spcAft>
+                <a:spcPts val="0"/>
+              </a:spcAft>
+              <a:buNone/>
+            </a:pPr>
+            <a:fld id="{00000000-1234-1234-1234-123412341234}" type="slidenum">
+              <a:rPr lang="en" smtClean="0"/>
+              <a:t>9</a:t>
+            </a:fld>
+            <a:endParaRPr lang="en"/>
+          </a:p>
+        </p:txBody>
+      </p:sp>
+      <p:sp>
+        <p:nvSpPr>
+          <p:cNvPr id="5" name="TextBox 4"/>
+          <p:cNvSpPr txBox="1"/>
+          <p:nvPr/>
+        </p:nvSpPr>
+        <p:spPr>
+          <a:xfrm>
+            <a:off x="2757488" y="4500563"/>
+            <a:ext cx="4157662" cy="307777"/>
+          </a:xfrm>
+          <a:prstGeom prst="rect">
+            <a:avLst/>
+          </a:prstGeom>
+          <a:noFill/>
+        </p:spPr>
+        <p:txBody>
+          <a:bodyPr wrap="square" rtlCol="0">
+            <a:spAutoFit/>
+          </a:bodyPr>
+          <a:lstStyle/>
+          <a:p>
+            <a:r>
+              <a:rPr lang="en-US" dirty="0" smtClean="0"/>
+              <a:t>Magnetization Increases with number of steps</a:t>
+            </a:r>
+            <a:endParaRPr lang="en-US" dirty="0"/>
+          </a:p>
+        </p:txBody>
+      </p:sp>
+    </p:spTree>
+    <p:extLst>
+      <p:ext uri="{BB962C8B-B14F-4D97-AF65-F5344CB8AC3E}">
+        <p14:creationId xmlns:p14="http://schemas.microsoft.com/office/powerpoint/2010/main" val="3910787175"/>
+      </p:ext>
+    </p:extLst>
+  </p:cSld>
+  <p:clrMapOvr>
+    <a:masterClrMapping/>
+  </p:clrMapOvr>
+</p:sld>
+</file>
+
 <file path=ppt/theme/theme1.xml><?xml version="1.0" encoding="utf-8"?>
-<a:theme xmlns:a="http://schemas.openxmlformats.org/drawingml/2006/main" xmlns:r="http://schemas.openxmlformats.org/officeDocument/2006/relationships" name="Simple Light">
+<a:theme xmlns:a="http://schemas.openxmlformats.org/drawingml/2006/main" name="Simple Light">
   <a:themeElements>
     <a:clrScheme name="Simple Light">
       <a:dk1>
@@ -7766,11 +9132,13 @@
       </a:bgFillStyleLst>
     </a:fmtScheme>
   </a:themeElements>
+  <a:objectDefaults/>
+  <a:extraClrSchemeLst/>
 </a:theme>
 </file>
 
 <file path=ppt/theme/theme2.xml><?xml version="1.0" encoding="utf-8"?>
-<a:theme xmlns:a="http://schemas.openxmlformats.org/drawingml/2006/main" xmlns:r="http://schemas.openxmlformats.org/officeDocument/2006/relationships">
+<a:theme xmlns:a="http://schemas.openxmlformats.org/drawingml/2006/main">
   <a:themeElements>
     <a:clrScheme name="Default">
       <a:dk1>
@@ -8045,5 +9413,7 @@
       </a:bgFillStyleLst>
     </a:fmtScheme>
   </a:themeElements>
+  <a:objectDefaults/>
+  <a:extraClrSchemeLst/>
 </a:theme>
 </file>